--- a/Documents/c4k_query_ID_sentences.pptx
+++ b/Documents/c4k_query_ID_sentences.pptx
@@ -13,6 +13,7 @@
     <p:sldId id="259" r:id="rId7"/>
     <p:sldId id="261" r:id="rId8"/>
     <p:sldId id="262" r:id="rId9"/>
+    <p:sldId id="264" r:id="rId10"/>
   </p:sldIdLst>
   <p:sldSz cx="12192000" cy="6858000"/>
   <p:notesSz cx="6858000" cy="9144000"/>
@@ -111,6 +112,11 @@
       </a:defRPr>
     </a:lvl9pPr>
   </p:defaultTextStyle>
+  <p:extLst>
+    <p:ext uri="{EFAFB233-063F-42B5-8137-9DF3F51BA10A}">
+      <p15:sldGuideLst xmlns:p15="http://schemas.microsoft.com/office/powerpoint/2012/main"/>
+    </p:ext>
+  </p:extLst>
 </p:presentation>
 </file>
 
@@ -277,7 +283,7 @@
           <a:p>
             <a:fld id="{5C357F1C-A4AA-4ABA-A9FE-725C87F0C7C6}" type="datetimeFigureOut">
               <a:rPr lang="ko-KR" altLang="en-US" smtClean="0"/>
-              <a:t>2021-05-13</a:t>
+              <a:t>2021-05-14</a:t>
             </a:fld>
             <a:endParaRPr lang="ko-KR" altLang="en-US"/>
           </a:p>
@@ -522,7 +528,7 @@
           <a:p>
             <a:fld id="{5C357F1C-A4AA-4ABA-A9FE-725C87F0C7C6}" type="datetimeFigureOut">
               <a:rPr lang="ko-KR" altLang="en-US" smtClean="0"/>
-              <a:t>2021-05-13</a:t>
+              <a:t>2021-05-14</a:t>
             </a:fld>
             <a:endParaRPr lang="ko-KR" altLang="en-US"/>
           </a:p>
@@ -730,7 +736,7 @@
           <a:p>
             <a:fld id="{5C357F1C-A4AA-4ABA-A9FE-725C87F0C7C6}" type="datetimeFigureOut">
               <a:rPr lang="ko-KR" altLang="en-US" smtClean="0"/>
-              <a:t>2021-05-13</a:t>
+              <a:t>2021-05-14</a:t>
             </a:fld>
             <a:endParaRPr lang="ko-KR" altLang="en-US"/>
           </a:p>
@@ -928,7 +934,7 @@
           <a:p>
             <a:fld id="{5C357F1C-A4AA-4ABA-A9FE-725C87F0C7C6}" type="datetimeFigureOut">
               <a:rPr lang="ko-KR" altLang="en-US" smtClean="0"/>
-              <a:t>2021-05-13</a:t>
+              <a:t>2021-05-14</a:t>
             </a:fld>
             <a:endParaRPr lang="ko-KR" altLang="en-US"/>
           </a:p>
@@ -1203,7 +1209,7 @@
           <a:p>
             <a:fld id="{5C357F1C-A4AA-4ABA-A9FE-725C87F0C7C6}" type="datetimeFigureOut">
               <a:rPr lang="ko-KR" altLang="en-US" smtClean="0"/>
-              <a:t>2021-05-13</a:t>
+              <a:t>2021-05-14</a:t>
             </a:fld>
             <a:endParaRPr lang="ko-KR" altLang="en-US"/>
           </a:p>
@@ -1468,7 +1474,7 @@
           <a:p>
             <a:fld id="{5C357F1C-A4AA-4ABA-A9FE-725C87F0C7C6}" type="datetimeFigureOut">
               <a:rPr lang="ko-KR" altLang="en-US" smtClean="0"/>
-              <a:t>2021-05-13</a:t>
+              <a:t>2021-05-14</a:t>
             </a:fld>
             <a:endParaRPr lang="ko-KR" altLang="en-US"/>
           </a:p>
@@ -1880,7 +1886,7 @@
           <a:p>
             <a:fld id="{5C357F1C-A4AA-4ABA-A9FE-725C87F0C7C6}" type="datetimeFigureOut">
               <a:rPr lang="ko-KR" altLang="en-US" smtClean="0"/>
-              <a:t>2021-05-13</a:t>
+              <a:t>2021-05-14</a:t>
             </a:fld>
             <a:endParaRPr lang="ko-KR" altLang="en-US"/>
           </a:p>
@@ -2021,7 +2027,7 @@
           <a:p>
             <a:fld id="{5C357F1C-A4AA-4ABA-A9FE-725C87F0C7C6}" type="datetimeFigureOut">
               <a:rPr lang="ko-KR" altLang="en-US" smtClean="0"/>
-              <a:t>2021-05-13</a:t>
+              <a:t>2021-05-14</a:t>
             </a:fld>
             <a:endParaRPr lang="ko-KR" altLang="en-US"/>
           </a:p>
@@ -2134,7 +2140,7 @@
           <a:p>
             <a:fld id="{5C357F1C-A4AA-4ABA-A9FE-725C87F0C7C6}" type="datetimeFigureOut">
               <a:rPr lang="ko-KR" altLang="en-US" smtClean="0"/>
-              <a:t>2021-05-13</a:t>
+              <a:t>2021-05-14</a:t>
             </a:fld>
             <a:endParaRPr lang="ko-KR" altLang="en-US"/>
           </a:p>
@@ -2445,7 +2451,7 @@
           <a:p>
             <a:fld id="{5C357F1C-A4AA-4ABA-A9FE-725C87F0C7C6}" type="datetimeFigureOut">
               <a:rPr lang="ko-KR" altLang="en-US" smtClean="0"/>
-              <a:t>2021-05-13</a:t>
+              <a:t>2021-05-14</a:t>
             </a:fld>
             <a:endParaRPr lang="ko-KR" altLang="en-US"/>
           </a:p>
@@ -2733,7 +2739,7 @@
           <a:p>
             <a:fld id="{5C357F1C-A4AA-4ABA-A9FE-725C87F0C7C6}" type="datetimeFigureOut">
               <a:rPr lang="ko-KR" altLang="en-US" smtClean="0"/>
-              <a:t>2021-05-13</a:t>
+              <a:t>2021-05-14</a:t>
             </a:fld>
             <a:endParaRPr lang="ko-KR" altLang="en-US"/>
           </a:p>
@@ -2985,7 +2991,7 @@
           <a:p>
             <a:fld id="{5C357F1C-A4AA-4ABA-A9FE-725C87F0C7C6}" type="datetimeFigureOut">
               <a:rPr lang="ko-KR" altLang="en-US" smtClean="0"/>
-              <a:t>2021-05-13</a:t>
+              <a:t>2021-05-14</a:t>
             </a:fld>
             <a:endParaRPr lang="ko-KR" altLang="en-US"/>
           </a:p>
@@ -3602,14 +3608,14 @@
             <p:ph idx="1"/>
             <p:extLst>
               <p:ext uri="{D42A27DB-BD31-4B8C-83A1-F6EECF244321}">
-                <p14:modId xmlns:p14="http://schemas.microsoft.com/office/powerpoint/2010/main" val="214555357"/>
+                <p14:modId xmlns:p14="http://schemas.microsoft.com/office/powerpoint/2010/main" val="3272836132"/>
               </p:ext>
             </p:extLst>
           </p:nvPr>
         </p:nvGraphicFramePr>
         <p:xfrm>
           <a:off x="838200" y="1825625"/>
-          <a:ext cx="10892245" cy="4536440"/>
+          <a:ext cx="10892245" cy="4490720"/>
         </p:xfrm>
         <a:graphic>
           <a:graphicData uri="http://schemas.openxmlformats.org/drawingml/2006/table">
@@ -3722,10 +3728,10 @@
                     <a:p>
                       <a:pPr algn="ctr" latinLnBrk="1"/>
                       <a:r>
-                        <a:rPr lang="en-US" altLang="ko-KR" sz="1200" dirty="0"/>
+                        <a:rPr lang="en-US" altLang="ko-KR" sz="1050" dirty="0"/>
                         <a:t>1</a:t>
                       </a:r>
-                      <a:endParaRPr lang="ko-KR" altLang="en-US" sz="1200" dirty="0"/>
+                      <a:endParaRPr lang="ko-KR" altLang="en-US" sz="1050" dirty="0"/>
                     </a:p>
                   </a:txBody>
                   <a:tcPr/>
@@ -3737,38 +3743,38 @@
                     <a:p>
                       <a:pPr latinLnBrk="1"/>
                       <a:r>
-                        <a:rPr lang="ko-KR" altLang="en-US" sz="1200" dirty="0"/>
+                        <a:rPr lang="ko-KR" altLang="en-US" sz="1050" dirty="0"/>
                         <a:t>웹 기반의 시스템 개발 시</a:t>
                       </a:r>
                       <a:r>
-                        <a:rPr lang="en-US" altLang="ko-KR" sz="1200" dirty="0"/>
+                        <a:rPr lang="en-US" altLang="ko-KR" sz="1050" dirty="0"/>
                         <a:t>, </a:t>
                       </a:r>
                       <a:r>
-                        <a:rPr lang="ko-KR" altLang="en-US" sz="1200" dirty="0"/>
+                        <a:rPr lang="ko-KR" altLang="en-US" sz="1050" dirty="0"/>
                         <a:t>여러 사람들이 참여 할 수 있도록 하고</a:t>
                       </a:r>
                       <a:r>
-                        <a:rPr lang="en-US" altLang="ko-KR" sz="1200" dirty="0"/>
+                        <a:rPr lang="en-US" altLang="ko-KR" sz="1050" dirty="0"/>
                         <a:t>,</a:t>
                       </a:r>
                       <a:r>
-                        <a:rPr lang="ko-KR" altLang="en-US" sz="1200" dirty="0"/>
+                        <a:rPr lang="ko-KR" altLang="en-US" sz="1050" dirty="0"/>
                         <a:t> 서비스를 지속적으로 운영하기 위해 관련 된 내용을 정리 해 나갈 문서가 필요하여</a:t>
                       </a:r>
                       <a:r>
-                        <a:rPr lang="en-US" altLang="ko-KR" sz="1200" dirty="0"/>
+                        <a:rPr lang="en-US" altLang="ko-KR" sz="1050" dirty="0"/>
                         <a:t>, </a:t>
                       </a:r>
                       <a:r>
-                        <a:rPr lang="ko-KR" altLang="en-US" sz="1200" dirty="0"/>
+                        <a:rPr lang="ko-KR" altLang="en-US" sz="1050" dirty="0"/>
                         <a:t>문서를 작성함</a:t>
                       </a:r>
                       <a:r>
-                        <a:rPr lang="en-US" altLang="ko-KR" sz="1200" dirty="0"/>
+                        <a:rPr lang="en-US" altLang="ko-KR" sz="1050" dirty="0"/>
                         <a:t>.</a:t>
                       </a:r>
-                      <a:endParaRPr lang="ko-KR" altLang="en-US" sz="1200" dirty="0"/>
+                      <a:endParaRPr lang="ko-KR" altLang="en-US" sz="1050" dirty="0"/>
                     </a:p>
                   </a:txBody>
                   <a:tcPr/>
@@ -3780,30 +3786,30 @@
                     <a:p>
                       <a:pPr algn="ctr" latinLnBrk="1"/>
                       <a:r>
-                        <a:rPr lang="en-US" altLang="ko-KR" sz="1200" dirty="0"/>
+                        <a:rPr lang="en-US" altLang="ko-KR" sz="1050" dirty="0"/>
                         <a:t>2021-05-13</a:t>
                       </a:r>
-                      <a:endParaRPr lang="ko-KR" altLang="en-US" sz="1200" dirty="0"/>
-                    </a:p>
-                  </a:txBody>
-                  <a:tcPr anchor="ctr"/>
-                </a:tc>
-                <a:tc>
-                  <a:txBody>
-                    <a:bodyPr/>
-                    <a:lstStyle/>
-                    <a:p>
-                      <a:pPr algn="ctr" latinLnBrk="1"/>
-                      <a:r>
-                        <a:rPr lang="en-US" altLang="ko-KR" sz="1200" dirty="0"/>
+                      <a:endParaRPr lang="ko-KR" altLang="en-US" sz="1050" dirty="0"/>
+                    </a:p>
+                  </a:txBody>
+                  <a:tcPr anchor="ctr"/>
+                </a:tc>
+                <a:tc>
+                  <a:txBody>
+                    <a:bodyPr/>
+                    <a:lstStyle/>
+                    <a:p>
+                      <a:pPr algn="ctr" latinLnBrk="1"/>
+                      <a:r>
+                        <a:rPr lang="en-US" altLang="ko-KR" sz="1050" dirty="0"/>
                         <a:t>@</a:t>
                       </a:r>
                       <a:r>
-                        <a:rPr lang="ko-KR" altLang="en-US" sz="1200" dirty="0" err="1"/>
+                        <a:rPr lang="ko-KR" altLang="en-US" sz="1050" dirty="0" err="1"/>
                         <a:t>바른생활</a:t>
                       </a:r>
                       <a:r>
-                        <a:rPr lang="ko-KR" altLang="en-US" sz="1200" dirty="0"/>
+                        <a:rPr lang="ko-KR" altLang="en-US" sz="1050" dirty="0"/>
                         <a:t> 심원일</a:t>
                       </a:r>
                     </a:p>
@@ -3823,7 +3829,11 @@
                     <a:lstStyle/>
                     <a:p>
                       <a:pPr algn="ctr" latinLnBrk="1"/>
-                      <a:endParaRPr lang="ko-KR" altLang="en-US" sz="1200" dirty="0"/>
+                      <a:r>
+                        <a:rPr lang="en-US" altLang="ko-KR" sz="1050" dirty="0"/>
+                        <a:t>2</a:t>
+                      </a:r>
+                      <a:endParaRPr lang="ko-KR" altLang="en-US" sz="1050" dirty="0"/>
                     </a:p>
                   </a:txBody>
                   <a:tcPr/>
@@ -3834,7 +3844,10 @@
                     <a:lstStyle/>
                     <a:p>
                       <a:pPr latinLnBrk="1"/>
-                      <a:endParaRPr lang="ko-KR" altLang="en-US" sz="1200" dirty="0"/>
+                      <a:r>
+                        <a:rPr lang="ko-KR" altLang="en-US" sz="1050" dirty="0"/>
+                        <a:t>판결문 데이터 모델 정의</a:t>
+                      </a:r>
                     </a:p>
                   </a:txBody>
                   <a:tcPr/>
@@ -3845,18 +3858,45 @@
                     <a:lstStyle/>
                     <a:p>
                       <a:pPr algn="ctr" latinLnBrk="1"/>
-                      <a:endParaRPr lang="ko-KR" altLang="en-US" sz="1200" dirty="0"/>
-                    </a:p>
-                  </a:txBody>
-                  <a:tcPr anchor="ctr"/>
-                </a:tc>
-                <a:tc>
-                  <a:txBody>
-                    <a:bodyPr/>
-                    <a:lstStyle/>
-                    <a:p>
-                      <a:pPr algn="ctr" latinLnBrk="1"/>
-                      <a:endParaRPr lang="ko-KR" altLang="en-US" sz="1200" dirty="0"/>
+                      <a:r>
+                        <a:rPr lang="en-US" altLang="ko-KR" sz="1050" dirty="0"/>
+                        <a:t>2021-05-14</a:t>
+                      </a:r>
+                      <a:endParaRPr lang="ko-KR" altLang="en-US" sz="1050" dirty="0"/>
+                    </a:p>
+                  </a:txBody>
+                  <a:tcPr anchor="ctr"/>
+                </a:tc>
+                <a:tc>
+                  <a:txBody>
+                    <a:bodyPr/>
+                    <a:lstStyle/>
+                    <a:p>
+                      <a:pPr marL="0" marR="0" lvl="0" indent="0" algn="ctr" defTabSz="914400" rtl="0" eaLnBrk="1" fontAlgn="auto" latinLnBrk="1" hangingPunct="1">
+                        <a:lnSpc>
+                          <a:spcPct val="100000"/>
+                        </a:lnSpc>
+                        <a:spcBef>
+                          <a:spcPts val="0"/>
+                        </a:spcBef>
+                        <a:spcAft>
+                          <a:spcPts val="0"/>
+                        </a:spcAft>
+                        <a:buClrTx/>
+                        <a:buSzTx/>
+                        <a:buFontTx/>
+                        <a:buNone/>
+                        <a:tabLst/>
+                        <a:defRPr/>
+                      </a:pPr>
+                      <a:r>
+                        <a:rPr lang="en-US" altLang="ko-KR" sz="1050" dirty="0"/>
+                        <a:t>@</a:t>
+                      </a:r>
+                      <a:r>
+                        <a:rPr lang="ko-KR" altLang="en-US" sz="1050" dirty="0"/>
+                        <a:t>바른생활 심원일</a:t>
+                      </a:r>
                     </a:p>
                   </a:txBody>
                   <a:tcPr anchor="ctr"/>
@@ -3874,7 +3914,7 @@
                     <a:lstStyle/>
                     <a:p>
                       <a:pPr algn="ctr" latinLnBrk="1"/>
-                      <a:endParaRPr lang="ko-KR" altLang="en-US" sz="1200" dirty="0"/>
+                      <a:endParaRPr lang="ko-KR" altLang="en-US" sz="1050" dirty="0"/>
                     </a:p>
                   </a:txBody>
                   <a:tcPr/>
@@ -3885,7 +3925,7 @@
                     <a:lstStyle/>
                     <a:p>
                       <a:pPr latinLnBrk="1"/>
-                      <a:endParaRPr lang="ko-KR" altLang="en-US" sz="1200" dirty="0"/>
+                      <a:endParaRPr lang="ko-KR" altLang="en-US" sz="1050" dirty="0"/>
                     </a:p>
                   </a:txBody>
                   <a:tcPr/>
@@ -3896,18 +3936,18 @@
                     <a:lstStyle/>
                     <a:p>
                       <a:pPr algn="ctr" latinLnBrk="1"/>
-                      <a:endParaRPr lang="ko-KR" altLang="en-US" sz="1200" dirty="0"/>
-                    </a:p>
-                  </a:txBody>
-                  <a:tcPr anchor="ctr"/>
-                </a:tc>
-                <a:tc>
-                  <a:txBody>
-                    <a:bodyPr/>
-                    <a:lstStyle/>
-                    <a:p>
-                      <a:pPr algn="ctr" latinLnBrk="1"/>
-                      <a:endParaRPr lang="ko-KR" altLang="en-US" sz="1200" dirty="0"/>
+                      <a:endParaRPr lang="ko-KR" altLang="en-US" sz="1050" dirty="0"/>
+                    </a:p>
+                  </a:txBody>
+                  <a:tcPr anchor="ctr"/>
+                </a:tc>
+                <a:tc>
+                  <a:txBody>
+                    <a:bodyPr/>
+                    <a:lstStyle/>
+                    <a:p>
+                      <a:pPr algn="ctr" latinLnBrk="1"/>
+                      <a:endParaRPr lang="ko-KR" altLang="en-US" sz="1050" dirty="0"/>
                     </a:p>
                   </a:txBody>
                   <a:tcPr anchor="ctr"/>
@@ -3925,7 +3965,7 @@
                     <a:lstStyle/>
                     <a:p>
                       <a:pPr algn="ctr" latinLnBrk="1"/>
-                      <a:endParaRPr lang="ko-KR" altLang="en-US" sz="1200" dirty="0"/>
+                      <a:endParaRPr lang="ko-KR" altLang="en-US" sz="1050" dirty="0"/>
                     </a:p>
                   </a:txBody>
                   <a:tcPr/>
@@ -3936,7 +3976,7 @@
                     <a:lstStyle/>
                     <a:p>
                       <a:pPr latinLnBrk="1"/>
-                      <a:endParaRPr lang="ko-KR" altLang="en-US" sz="1200" dirty="0"/>
+                      <a:endParaRPr lang="ko-KR" altLang="en-US" sz="1050" dirty="0"/>
                     </a:p>
                   </a:txBody>
                   <a:tcPr/>
@@ -3947,18 +3987,18 @@
                     <a:lstStyle/>
                     <a:p>
                       <a:pPr algn="ctr" latinLnBrk="1"/>
-                      <a:endParaRPr lang="ko-KR" altLang="en-US" sz="1200" dirty="0"/>
-                    </a:p>
-                  </a:txBody>
-                  <a:tcPr anchor="ctr"/>
-                </a:tc>
-                <a:tc>
-                  <a:txBody>
-                    <a:bodyPr/>
-                    <a:lstStyle/>
-                    <a:p>
-                      <a:pPr algn="ctr" latinLnBrk="1"/>
-                      <a:endParaRPr lang="ko-KR" altLang="en-US" sz="1200" dirty="0"/>
+                      <a:endParaRPr lang="ko-KR" altLang="en-US" sz="1050" dirty="0"/>
+                    </a:p>
+                  </a:txBody>
+                  <a:tcPr anchor="ctr"/>
+                </a:tc>
+                <a:tc>
+                  <a:txBody>
+                    <a:bodyPr/>
+                    <a:lstStyle/>
+                    <a:p>
+                      <a:pPr algn="ctr" latinLnBrk="1"/>
+                      <a:endParaRPr lang="ko-KR" altLang="en-US" sz="1050" dirty="0"/>
                     </a:p>
                   </a:txBody>
                   <a:tcPr anchor="ctr"/>
@@ -3976,7 +4016,7 @@
                     <a:lstStyle/>
                     <a:p>
                       <a:pPr algn="ctr" latinLnBrk="1"/>
-                      <a:endParaRPr lang="ko-KR" altLang="en-US" sz="1200" dirty="0"/>
+                      <a:endParaRPr lang="ko-KR" altLang="en-US" sz="1050" dirty="0"/>
                     </a:p>
                   </a:txBody>
                   <a:tcPr/>
@@ -3987,7 +4027,7 @@
                     <a:lstStyle/>
                     <a:p>
                       <a:pPr latinLnBrk="1"/>
-                      <a:endParaRPr lang="ko-KR" altLang="en-US" sz="1200" dirty="0"/>
+                      <a:endParaRPr lang="ko-KR" altLang="en-US" sz="1050" dirty="0"/>
                     </a:p>
                   </a:txBody>
                   <a:tcPr/>
@@ -3998,18 +4038,18 @@
                     <a:lstStyle/>
                     <a:p>
                       <a:pPr algn="ctr" latinLnBrk="1"/>
-                      <a:endParaRPr lang="ko-KR" altLang="en-US" sz="1200" dirty="0"/>
-                    </a:p>
-                  </a:txBody>
-                  <a:tcPr anchor="ctr"/>
-                </a:tc>
-                <a:tc>
-                  <a:txBody>
-                    <a:bodyPr/>
-                    <a:lstStyle/>
-                    <a:p>
-                      <a:pPr algn="ctr" latinLnBrk="1"/>
-                      <a:endParaRPr lang="ko-KR" altLang="en-US" sz="1200" dirty="0"/>
+                      <a:endParaRPr lang="ko-KR" altLang="en-US" sz="1050" dirty="0"/>
+                    </a:p>
+                  </a:txBody>
+                  <a:tcPr anchor="ctr"/>
+                </a:tc>
+                <a:tc>
+                  <a:txBody>
+                    <a:bodyPr/>
+                    <a:lstStyle/>
+                    <a:p>
+                      <a:pPr algn="ctr" latinLnBrk="1"/>
+                      <a:endParaRPr lang="ko-KR" altLang="en-US" sz="1050" dirty="0"/>
                     </a:p>
                   </a:txBody>
                   <a:tcPr anchor="ctr"/>
@@ -4027,7 +4067,7 @@
                     <a:lstStyle/>
                     <a:p>
                       <a:pPr algn="ctr" latinLnBrk="1"/>
-                      <a:endParaRPr lang="ko-KR" altLang="en-US" sz="1200" dirty="0"/>
+                      <a:endParaRPr lang="ko-KR" altLang="en-US" sz="1050" dirty="0"/>
                     </a:p>
                   </a:txBody>
                   <a:tcPr/>
@@ -4038,7 +4078,7 @@
                     <a:lstStyle/>
                     <a:p>
                       <a:pPr latinLnBrk="1"/>
-                      <a:endParaRPr lang="ko-KR" altLang="en-US" sz="1200" dirty="0"/>
+                      <a:endParaRPr lang="ko-KR" altLang="en-US" sz="1050" dirty="0"/>
                     </a:p>
                   </a:txBody>
                   <a:tcPr/>
@@ -4049,18 +4089,18 @@
                     <a:lstStyle/>
                     <a:p>
                       <a:pPr algn="ctr" latinLnBrk="1"/>
-                      <a:endParaRPr lang="ko-KR" altLang="en-US" sz="1200" dirty="0"/>
-                    </a:p>
-                  </a:txBody>
-                  <a:tcPr anchor="ctr"/>
-                </a:tc>
-                <a:tc>
-                  <a:txBody>
-                    <a:bodyPr/>
-                    <a:lstStyle/>
-                    <a:p>
-                      <a:pPr algn="ctr" latinLnBrk="1"/>
-                      <a:endParaRPr lang="ko-KR" altLang="en-US" sz="1200" dirty="0"/>
+                      <a:endParaRPr lang="ko-KR" altLang="en-US" sz="1050" dirty="0"/>
+                    </a:p>
+                  </a:txBody>
+                  <a:tcPr anchor="ctr"/>
+                </a:tc>
+                <a:tc>
+                  <a:txBody>
+                    <a:bodyPr/>
+                    <a:lstStyle/>
+                    <a:p>
+                      <a:pPr algn="ctr" latinLnBrk="1"/>
+                      <a:endParaRPr lang="ko-KR" altLang="en-US" sz="1050" dirty="0"/>
                     </a:p>
                   </a:txBody>
                   <a:tcPr anchor="ctr"/>
@@ -4078,7 +4118,7 @@
                     <a:lstStyle/>
                     <a:p>
                       <a:pPr algn="ctr" latinLnBrk="1"/>
-                      <a:endParaRPr lang="ko-KR" altLang="en-US" sz="1200" dirty="0"/>
+                      <a:endParaRPr lang="ko-KR" altLang="en-US" sz="1050" dirty="0"/>
                     </a:p>
                   </a:txBody>
                   <a:tcPr/>
@@ -4089,7 +4129,7 @@
                     <a:lstStyle/>
                     <a:p>
                       <a:pPr latinLnBrk="1"/>
-                      <a:endParaRPr lang="ko-KR" altLang="en-US" sz="1200" dirty="0"/>
+                      <a:endParaRPr lang="ko-KR" altLang="en-US" sz="1050" dirty="0"/>
                     </a:p>
                   </a:txBody>
                   <a:tcPr/>
@@ -4100,18 +4140,18 @@
                     <a:lstStyle/>
                     <a:p>
                       <a:pPr algn="ctr" latinLnBrk="1"/>
-                      <a:endParaRPr lang="ko-KR" altLang="en-US" sz="1200" dirty="0"/>
-                    </a:p>
-                  </a:txBody>
-                  <a:tcPr anchor="ctr"/>
-                </a:tc>
-                <a:tc>
-                  <a:txBody>
-                    <a:bodyPr/>
-                    <a:lstStyle/>
-                    <a:p>
-                      <a:pPr algn="ctr" latinLnBrk="1"/>
-                      <a:endParaRPr lang="ko-KR" altLang="en-US" sz="1200" dirty="0"/>
+                      <a:endParaRPr lang="ko-KR" altLang="en-US" sz="1050" dirty="0"/>
+                    </a:p>
+                  </a:txBody>
+                  <a:tcPr anchor="ctr"/>
+                </a:tc>
+                <a:tc>
+                  <a:txBody>
+                    <a:bodyPr/>
+                    <a:lstStyle/>
+                    <a:p>
+                      <a:pPr algn="ctr" latinLnBrk="1"/>
+                      <a:endParaRPr lang="ko-KR" altLang="en-US" sz="1050" dirty="0"/>
                     </a:p>
                   </a:txBody>
                   <a:tcPr anchor="ctr"/>
@@ -4129,7 +4169,7 @@
                     <a:lstStyle/>
                     <a:p>
                       <a:pPr algn="ctr" latinLnBrk="1"/>
-                      <a:endParaRPr lang="ko-KR" altLang="en-US" sz="1200" dirty="0"/>
+                      <a:endParaRPr lang="ko-KR" altLang="en-US" sz="1050" dirty="0"/>
                     </a:p>
                   </a:txBody>
                   <a:tcPr/>
@@ -4140,7 +4180,7 @@
                     <a:lstStyle/>
                     <a:p>
                       <a:pPr latinLnBrk="1"/>
-                      <a:endParaRPr lang="ko-KR" altLang="en-US" sz="1200" dirty="0"/>
+                      <a:endParaRPr lang="ko-KR" altLang="en-US" sz="1050" dirty="0"/>
                     </a:p>
                   </a:txBody>
                   <a:tcPr/>
@@ -4151,18 +4191,18 @@
                     <a:lstStyle/>
                     <a:p>
                       <a:pPr algn="ctr" latinLnBrk="1"/>
-                      <a:endParaRPr lang="ko-KR" altLang="en-US" sz="1200" dirty="0"/>
-                    </a:p>
-                  </a:txBody>
-                  <a:tcPr anchor="ctr"/>
-                </a:tc>
-                <a:tc>
-                  <a:txBody>
-                    <a:bodyPr/>
-                    <a:lstStyle/>
-                    <a:p>
-                      <a:pPr algn="ctr" latinLnBrk="1"/>
-                      <a:endParaRPr lang="ko-KR" altLang="en-US" sz="1200" dirty="0"/>
+                      <a:endParaRPr lang="ko-KR" altLang="en-US" sz="1050" dirty="0"/>
+                    </a:p>
+                  </a:txBody>
+                  <a:tcPr anchor="ctr"/>
+                </a:tc>
+                <a:tc>
+                  <a:txBody>
+                    <a:bodyPr/>
+                    <a:lstStyle/>
+                    <a:p>
+                      <a:pPr algn="ctr" latinLnBrk="1"/>
+                      <a:endParaRPr lang="ko-KR" altLang="en-US" sz="1050" dirty="0"/>
                     </a:p>
                   </a:txBody>
                   <a:tcPr anchor="ctr"/>
@@ -4180,7 +4220,7 @@
                     <a:lstStyle/>
                     <a:p>
                       <a:pPr algn="ctr" latinLnBrk="1"/>
-                      <a:endParaRPr lang="ko-KR" altLang="en-US" sz="1200" dirty="0"/>
+                      <a:endParaRPr lang="ko-KR" altLang="en-US" sz="1050" dirty="0"/>
                     </a:p>
                   </a:txBody>
                   <a:tcPr/>
@@ -4191,7 +4231,7 @@
                     <a:lstStyle/>
                     <a:p>
                       <a:pPr latinLnBrk="1"/>
-                      <a:endParaRPr lang="ko-KR" altLang="en-US" sz="1200" dirty="0"/>
+                      <a:endParaRPr lang="ko-KR" altLang="en-US" sz="1050" dirty="0"/>
                     </a:p>
                   </a:txBody>
                   <a:tcPr/>
@@ -4202,18 +4242,18 @@
                     <a:lstStyle/>
                     <a:p>
                       <a:pPr algn="ctr" latinLnBrk="1"/>
-                      <a:endParaRPr lang="ko-KR" altLang="en-US" sz="1200" dirty="0"/>
-                    </a:p>
-                  </a:txBody>
-                  <a:tcPr anchor="ctr"/>
-                </a:tc>
-                <a:tc>
-                  <a:txBody>
-                    <a:bodyPr/>
-                    <a:lstStyle/>
-                    <a:p>
-                      <a:pPr algn="ctr" latinLnBrk="1"/>
-                      <a:endParaRPr lang="ko-KR" altLang="en-US" sz="1200" dirty="0"/>
+                      <a:endParaRPr lang="ko-KR" altLang="en-US" sz="1050" dirty="0"/>
+                    </a:p>
+                  </a:txBody>
+                  <a:tcPr anchor="ctr"/>
+                </a:tc>
+                <a:tc>
+                  <a:txBody>
+                    <a:bodyPr/>
+                    <a:lstStyle/>
+                    <a:p>
+                      <a:pPr algn="ctr" latinLnBrk="1"/>
+                      <a:endParaRPr lang="ko-KR" altLang="en-US" sz="1050" dirty="0"/>
                     </a:p>
                   </a:txBody>
                   <a:tcPr anchor="ctr"/>
@@ -4231,7 +4271,7 @@
                     <a:lstStyle/>
                     <a:p>
                       <a:pPr algn="ctr" latinLnBrk="1"/>
-                      <a:endParaRPr lang="ko-KR" altLang="en-US" sz="1200" dirty="0"/>
+                      <a:endParaRPr lang="ko-KR" altLang="en-US" sz="1050" dirty="0"/>
                     </a:p>
                   </a:txBody>
                   <a:tcPr/>
@@ -4242,7 +4282,7 @@
                     <a:lstStyle/>
                     <a:p>
                       <a:pPr latinLnBrk="1"/>
-                      <a:endParaRPr lang="ko-KR" altLang="en-US" sz="1200" dirty="0"/>
+                      <a:endParaRPr lang="ko-KR" altLang="en-US" sz="1050" dirty="0"/>
                     </a:p>
                   </a:txBody>
                   <a:tcPr/>
@@ -4253,18 +4293,18 @@
                     <a:lstStyle/>
                     <a:p>
                       <a:pPr algn="ctr" latinLnBrk="1"/>
-                      <a:endParaRPr lang="ko-KR" altLang="en-US" sz="1200" dirty="0"/>
-                    </a:p>
-                  </a:txBody>
-                  <a:tcPr anchor="ctr"/>
-                </a:tc>
-                <a:tc>
-                  <a:txBody>
-                    <a:bodyPr/>
-                    <a:lstStyle/>
-                    <a:p>
-                      <a:pPr algn="ctr" latinLnBrk="1"/>
-                      <a:endParaRPr lang="ko-KR" altLang="en-US" sz="1200" dirty="0"/>
+                      <a:endParaRPr lang="ko-KR" altLang="en-US" sz="1050" dirty="0"/>
+                    </a:p>
+                  </a:txBody>
+                  <a:tcPr anchor="ctr"/>
+                </a:tc>
+                <a:tc>
+                  <a:txBody>
+                    <a:bodyPr/>
+                    <a:lstStyle/>
+                    <a:p>
+                      <a:pPr algn="ctr" latinLnBrk="1"/>
+                      <a:endParaRPr lang="ko-KR" altLang="en-US" sz="1050" dirty="0"/>
                     </a:p>
                   </a:txBody>
                   <a:tcPr anchor="ctr"/>
@@ -4282,7 +4322,7 @@
                     <a:lstStyle/>
                     <a:p>
                       <a:pPr algn="ctr" latinLnBrk="1"/>
-                      <a:endParaRPr lang="ko-KR" altLang="en-US" sz="1200" dirty="0"/>
+                      <a:endParaRPr lang="ko-KR" altLang="en-US" sz="1050" dirty="0"/>
                     </a:p>
                   </a:txBody>
                   <a:tcPr/>
@@ -4293,7 +4333,7 @@
                     <a:lstStyle/>
                     <a:p>
                       <a:pPr latinLnBrk="1"/>
-                      <a:endParaRPr lang="ko-KR" altLang="en-US" sz="1200" dirty="0"/>
+                      <a:endParaRPr lang="ko-KR" altLang="en-US" sz="1050" dirty="0"/>
                     </a:p>
                   </a:txBody>
                   <a:tcPr/>
@@ -4304,18 +4344,18 @@
                     <a:lstStyle/>
                     <a:p>
                       <a:pPr algn="ctr" latinLnBrk="1"/>
-                      <a:endParaRPr lang="ko-KR" altLang="en-US" sz="1200" dirty="0"/>
-                    </a:p>
-                  </a:txBody>
-                  <a:tcPr anchor="ctr"/>
-                </a:tc>
-                <a:tc>
-                  <a:txBody>
-                    <a:bodyPr/>
-                    <a:lstStyle/>
-                    <a:p>
-                      <a:pPr algn="ctr" latinLnBrk="1"/>
-                      <a:endParaRPr lang="ko-KR" altLang="en-US" sz="1200" dirty="0"/>
+                      <a:endParaRPr lang="ko-KR" altLang="en-US" sz="1050" dirty="0"/>
+                    </a:p>
+                  </a:txBody>
+                  <a:tcPr anchor="ctr"/>
+                </a:tc>
+                <a:tc>
+                  <a:txBody>
+                    <a:bodyPr/>
+                    <a:lstStyle/>
+                    <a:p>
+                      <a:pPr algn="ctr" latinLnBrk="1"/>
+                      <a:endParaRPr lang="ko-KR" altLang="en-US" sz="1050" dirty="0"/>
                     </a:p>
                   </a:txBody>
                   <a:tcPr anchor="ctr"/>
@@ -4453,6 +4493,13 @@
               <a:rPr lang="ko-KR" altLang="en-US" dirty="0"/>
               <a:t>기능리스트</a:t>
             </a:r>
+            <a:endParaRPr lang="en-US" altLang="ko-KR" dirty="0"/>
+          </a:p>
+          <a:p>
+            <a:r>
+              <a:rPr lang="ko-KR" altLang="en-US" dirty="0"/>
+              <a:t>판결문 데이터 모델</a:t>
+            </a:r>
           </a:p>
         </p:txBody>
       </p:sp>
@@ -5984,7 +6031,7 @@
             <p:ph idx="1"/>
             <p:extLst>
               <p:ext uri="{D42A27DB-BD31-4B8C-83A1-F6EECF244321}">
-                <p14:modId xmlns:p14="http://schemas.microsoft.com/office/powerpoint/2010/main" val="3791303932"/>
+                <p14:modId xmlns:p14="http://schemas.microsoft.com/office/powerpoint/2010/main" val="1968477409"/>
               </p:ext>
             </p:extLst>
           </p:nvPr>
@@ -6347,6 +6394,23 @@
                         <a:rPr lang="ko-KR" altLang="en-US" sz="1200" dirty="0"/>
                         <a:t>근무내용</a:t>
                       </a:r>
+                      <a:endParaRPr lang="en-US" altLang="ko-KR" sz="1200" dirty="0"/>
+                    </a:p>
+                    <a:p>
+                      <a:pPr algn="ctr" latinLnBrk="1"/>
+                      <a:r>
+                        <a:rPr lang="en-US" altLang="ko-KR" sz="1200" dirty="0"/>
+                        <a:t>(</a:t>
+                      </a:r>
+                      <a:r>
+                        <a:rPr lang="ko-KR" altLang="en-US" sz="1200" dirty="0"/>
+                        <a:t>업무환경</a:t>
+                      </a:r>
+                      <a:r>
+                        <a:rPr lang="en-US" altLang="ko-KR" sz="1200" dirty="0"/>
+                        <a:t>)</a:t>
+                      </a:r>
+                      <a:endParaRPr lang="ko-KR" altLang="en-US" sz="1200" dirty="0"/>
                     </a:p>
                   </a:txBody>
                   <a:tcPr anchor="ctr">
@@ -8119,6 +8183,1682 @@
     <p:extLst>
       <p:ext uri="{BB962C8B-B14F-4D97-AF65-F5344CB8AC3E}">
         <p14:creationId xmlns:p14="http://schemas.microsoft.com/office/powerpoint/2010/main" val="2963795072"/>
+      </p:ext>
+    </p:extLst>
+  </p:cSld>
+  <p:clrMapOvr>
+    <a:masterClrMapping/>
+  </p:clrMapOvr>
+</p:sld>
+</file>
+
+<file path=ppt/slides/slide9.xml><?xml version="1.0" encoding="utf-8"?>
+<p:sld xmlns:a="http://schemas.openxmlformats.org/drawingml/2006/main" xmlns:r="http://schemas.openxmlformats.org/officeDocument/2006/relationships" xmlns:p="http://schemas.openxmlformats.org/presentationml/2006/main">
+  <p:cSld>
+    <p:spTree>
+      <p:nvGrpSpPr>
+        <p:cNvPr id="1" name=""/>
+        <p:cNvGrpSpPr/>
+        <p:nvPr/>
+      </p:nvGrpSpPr>
+      <p:grpSpPr>
+        <a:xfrm>
+          <a:off x="0" y="0"/>
+          <a:ext cx="0" cy="0"/>
+          <a:chOff x="0" y="0"/>
+          <a:chExt cx="0" cy="0"/>
+        </a:xfrm>
+      </p:grpSpPr>
+      <p:sp>
+        <p:nvSpPr>
+          <p:cNvPr id="2" name="제목 1">
+            <a:extLst>
+              <a:ext uri="{FF2B5EF4-FFF2-40B4-BE49-F238E27FC236}">
+                <a16:creationId xmlns:a16="http://schemas.microsoft.com/office/drawing/2014/main" id="{8C81F247-789E-4CF5-81C5-E1E64B0C3216}"/>
+              </a:ext>
+            </a:extLst>
+          </p:cNvPr>
+          <p:cNvSpPr>
+            <a:spLocks noGrp="1"/>
+          </p:cNvSpPr>
+          <p:nvPr>
+            <p:ph type="title"/>
+          </p:nvPr>
+        </p:nvSpPr>
+        <p:spPr/>
+        <p:txBody>
+          <a:bodyPr/>
+          <a:lstStyle/>
+          <a:p>
+            <a:r>
+              <a:rPr lang="ko-KR" altLang="en-US" dirty="0"/>
+              <a:t>판결문</a:t>
+            </a:r>
+            <a:r>
+              <a:rPr lang="en-US" altLang="ko-KR" dirty="0"/>
+              <a:t>(ruling) data model </a:t>
+            </a:r>
+            <a:endParaRPr lang="ko-KR" altLang="en-US" dirty="0"/>
+          </a:p>
+        </p:txBody>
+      </p:sp>
+      <p:graphicFrame>
+        <p:nvGraphicFramePr>
+          <p:cNvPr id="4" name="표 4">
+            <a:extLst>
+              <a:ext uri="{FF2B5EF4-FFF2-40B4-BE49-F238E27FC236}">
+                <a16:creationId xmlns:a16="http://schemas.microsoft.com/office/drawing/2014/main" id="{C1DFFF47-A082-4906-9269-8524CFA6E6B4}"/>
+              </a:ext>
+            </a:extLst>
+          </p:cNvPr>
+          <p:cNvGraphicFramePr>
+            <a:graphicFrameLocks noGrp="1"/>
+          </p:cNvGraphicFramePr>
+          <p:nvPr>
+            <p:ph idx="1"/>
+            <p:extLst>
+              <p:ext uri="{D42A27DB-BD31-4B8C-83A1-F6EECF244321}">
+                <p14:modId xmlns:p14="http://schemas.microsoft.com/office/powerpoint/2010/main" val="1504270887"/>
+              </p:ext>
+            </p:extLst>
+          </p:nvPr>
+        </p:nvGraphicFramePr>
+        <p:xfrm>
+          <a:off x="838200" y="1603556"/>
+          <a:ext cx="10515600" cy="4663440"/>
+        </p:xfrm>
+        <a:graphic>
+          <a:graphicData uri="http://schemas.openxmlformats.org/drawingml/2006/table">
+            <a:tbl>
+              <a:tblPr firstRow="1" bandRow="1">
+                <a:tableStyleId>{5C22544A-7EE6-4342-B048-85BDC9FD1C3A}</a:tableStyleId>
+              </a:tblPr>
+              <a:tblGrid>
+                <a:gridCol w="1539240">
+                  <a:extLst>
+                    <a:ext uri="{9D8B030D-6E8A-4147-A177-3AD203B41FA5}">
+                      <a16:colId xmlns:a16="http://schemas.microsoft.com/office/drawing/2014/main" val="2873015861"/>
+                    </a:ext>
+                  </a:extLst>
+                </a:gridCol>
+                <a:gridCol w="2116183">
+                  <a:extLst>
+                    <a:ext uri="{9D8B030D-6E8A-4147-A177-3AD203B41FA5}">
+                      <a16:colId xmlns:a16="http://schemas.microsoft.com/office/drawing/2014/main" val="1670139134"/>
+                    </a:ext>
+                  </a:extLst>
+                </a:gridCol>
+                <a:gridCol w="1306286">
+                  <a:extLst>
+                    <a:ext uri="{9D8B030D-6E8A-4147-A177-3AD203B41FA5}">
+                      <a16:colId xmlns:a16="http://schemas.microsoft.com/office/drawing/2014/main" val="2619424894"/>
+                    </a:ext>
+                  </a:extLst>
+                </a:gridCol>
+                <a:gridCol w="2442754">
+                  <a:extLst>
+                    <a:ext uri="{9D8B030D-6E8A-4147-A177-3AD203B41FA5}">
+                      <a16:colId xmlns:a16="http://schemas.microsoft.com/office/drawing/2014/main" val="1492659457"/>
+                    </a:ext>
+                  </a:extLst>
+                </a:gridCol>
+                <a:gridCol w="3111137">
+                  <a:extLst>
+                    <a:ext uri="{9D8B030D-6E8A-4147-A177-3AD203B41FA5}">
+                      <a16:colId xmlns:a16="http://schemas.microsoft.com/office/drawing/2014/main" val="3172540491"/>
+                    </a:ext>
+                  </a:extLst>
+                </a:gridCol>
+              </a:tblGrid>
+              <a:tr h="334283">
+                <a:tc>
+                  <a:txBody>
+                    <a:bodyPr/>
+                    <a:lstStyle/>
+                    <a:p>
+                      <a:pPr algn="ctr" latinLnBrk="1"/>
+                      <a:r>
+                        <a:rPr lang="ko-KR" altLang="en-US" dirty="0"/>
+                        <a:t>속성 데이터</a:t>
+                      </a:r>
+                    </a:p>
+                  </a:txBody>
+                  <a:tcPr/>
+                </a:tc>
+                <a:tc>
+                  <a:txBody>
+                    <a:bodyPr/>
+                    <a:lstStyle/>
+                    <a:p>
+                      <a:pPr algn="ctr" latinLnBrk="1"/>
+                      <a:r>
+                        <a:rPr lang="en-US" altLang="ko-KR" dirty="0"/>
+                        <a:t>Attribute</a:t>
+                      </a:r>
+                      <a:endParaRPr lang="ko-KR" altLang="en-US" dirty="0"/>
+                    </a:p>
+                  </a:txBody>
+                  <a:tcPr/>
+                </a:tc>
+                <a:tc>
+                  <a:txBody>
+                    <a:bodyPr/>
+                    <a:lstStyle/>
+                    <a:p>
+                      <a:pPr algn="ctr" latinLnBrk="1"/>
+                      <a:r>
+                        <a:rPr lang="en-US" altLang="ko-KR" dirty="0"/>
+                        <a:t>Type</a:t>
+                      </a:r>
+                      <a:endParaRPr lang="ko-KR" altLang="en-US" dirty="0"/>
+                    </a:p>
+                  </a:txBody>
+                  <a:tcPr/>
+                </a:tc>
+                <a:tc>
+                  <a:txBody>
+                    <a:bodyPr/>
+                    <a:lstStyle/>
+                    <a:p>
+                      <a:pPr algn="ctr" latinLnBrk="1"/>
+                      <a:r>
+                        <a:rPr lang="en-US" altLang="ko-KR" dirty="0"/>
+                        <a:t>Sample</a:t>
+                      </a:r>
+                      <a:endParaRPr lang="ko-KR" altLang="en-US" dirty="0"/>
+                    </a:p>
+                  </a:txBody>
+                  <a:tcPr/>
+                </a:tc>
+                <a:tc>
+                  <a:txBody>
+                    <a:bodyPr/>
+                    <a:lstStyle/>
+                    <a:p>
+                      <a:pPr algn="ctr" latinLnBrk="1"/>
+                      <a:r>
+                        <a:rPr lang="ko-KR" altLang="en-US" dirty="0"/>
+                        <a:t>출처</a:t>
+                      </a:r>
+                    </a:p>
+                  </a:txBody>
+                  <a:tcPr/>
+                </a:tc>
+                <a:extLst>
+                  <a:ext uri="{0D108BD9-81ED-4DB2-BD59-A6C34878D82A}">
+                    <a16:rowId xmlns:a16="http://schemas.microsoft.com/office/drawing/2014/main" val="1361954863"/>
+                  </a:ext>
+                </a:extLst>
+              </a:tr>
+              <a:tr h="334283">
+                <a:tc>
+                  <a:txBody>
+                    <a:bodyPr/>
+                    <a:lstStyle/>
+                    <a:p>
+                      <a:pPr algn="ctr" latinLnBrk="1"/>
+                      <a:r>
+                        <a:rPr lang="ko-KR" altLang="en-US" sz="1600" dirty="0"/>
+                        <a:t>사건번호</a:t>
+                      </a:r>
+                    </a:p>
+                  </a:txBody>
+                  <a:tcPr anchor="ctr"/>
+                </a:tc>
+                <a:tc>
+                  <a:txBody>
+                    <a:bodyPr/>
+                    <a:lstStyle/>
+                    <a:p>
+                      <a:pPr algn="ctr" latinLnBrk="1"/>
+                      <a:r>
+                        <a:rPr lang="en-US" altLang="ko-KR" sz="1600" dirty="0" err="1"/>
+                        <a:t>case_number</a:t>
+                      </a:r>
+                      <a:endParaRPr lang="ko-KR" altLang="en-US" sz="1600" dirty="0"/>
+                    </a:p>
+                  </a:txBody>
+                  <a:tcPr anchor="ctr"/>
+                </a:tc>
+                <a:tc>
+                  <a:txBody>
+                    <a:bodyPr/>
+                    <a:lstStyle/>
+                    <a:p>
+                      <a:pPr algn="ctr" latinLnBrk="1"/>
+                      <a:r>
+                        <a:rPr lang="en-US" altLang="ko-KR" sz="1600" dirty="0" err="1"/>
+                        <a:t>CharField</a:t>
+                      </a:r>
+                      <a:endParaRPr lang="ko-KR" altLang="en-US" sz="1600" dirty="0"/>
+                    </a:p>
+                  </a:txBody>
+                  <a:tcPr anchor="ctr"/>
+                </a:tc>
+                <a:tc>
+                  <a:txBody>
+                    <a:bodyPr/>
+                    <a:lstStyle/>
+                    <a:p>
+                      <a:pPr algn="ctr" latinLnBrk="1"/>
+                      <a:r>
+                        <a:rPr lang="en-US" altLang="ko-KR" sz="1600" dirty="0"/>
+                        <a:t>2008</a:t>
+                      </a:r>
+                      <a:r>
+                        <a:rPr lang="ko-KR" altLang="en-US" sz="1600" dirty="0" err="1"/>
+                        <a:t>구합</a:t>
+                      </a:r>
+                      <a:r>
+                        <a:rPr lang="en-US" altLang="ko-KR" sz="1600" dirty="0"/>
+                        <a:t>7823</a:t>
+                      </a:r>
+                      <a:endParaRPr lang="ko-KR" altLang="en-US" sz="1600" dirty="0"/>
+                    </a:p>
+                  </a:txBody>
+                  <a:tcPr anchor="ctr"/>
+                </a:tc>
+                <a:tc rowSpan="7">
+                  <a:txBody>
+                    <a:bodyPr/>
+                    <a:lstStyle/>
+                    <a:p>
+                      <a:pPr latinLnBrk="1"/>
+                      <a:r>
+                        <a:rPr lang="ko-KR" altLang="en-US" sz="1200" dirty="0">
+                          <a:hlinkClick r:id="rId2"/>
+                        </a:rPr>
+                        <a:t>근로복지공단</a:t>
+                      </a:r>
+                      <a:r>
+                        <a:rPr lang="en-US" altLang="ko-KR" sz="1200" dirty="0">
+                          <a:hlinkClick r:id="rId2"/>
+                        </a:rPr>
+                        <a:t>_</a:t>
+                      </a:r>
+                      <a:r>
+                        <a:rPr lang="ko-KR" altLang="en-US" sz="1200" dirty="0">
+                          <a:hlinkClick r:id="rId2"/>
+                        </a:rPr>
+                        <a:t>산재보험 판례 판결문 조회 서비스 </a:t>
+                      </a:r>
+                      <a:r>
+                        <a:rPr lang="en-US" altLang="ko-KR" sz="1200" dirty="0">
+                          <a:hlinkClick r:id="rId2"/>
+                        </a:rPr>
+                        <a:t>| </a:t>
+                      </a:r>
+                      <a:r>
+                        <a:rPr lang="ko-KR" altLang="en-US" sz="1200" dirty="0" err="1">
+                          <a:hlinkClick r:id="rId2"/>
+                        </a:rPr>
+                        <a:t>공공데이터포털</a:t>
+                      </a:r>
+                      <a:r>
+                        <a:rPr lang="ko-KR" altLang="en-US" sz="1200" dirty="0">
+                          <a:hlinkClick r:id="rId2"/>
+                        </a:rPr>
+                        <a:t> </a:t>
+                      </a:r>
+                      <a:r>
+                        <a:rPr lang="en-US" altLang="ko-KR" sz="1200" dirty="0">
+                          <a:hlinkClick r:id="rId2"/>
+                        </a:rPr>
+                        <a:t>(data.go.kr)</a:t>
+                      </a:r>
+                      <a:endParaRPr lang="en-US" altLang="ko-KR" sz="1200" dirty="0"/>
+                    </a:p>
+                  </a:txBody>
+                  <a:tcPr anchor="ctr"/>
+                </a:tc>
+                <a:extLst>
+                  <a:ext uri="{0D108BD9-81ED-4DB2-BD59-A6C34878D82A}">
+                    <a16:rowId xmlns:a16="http://schemas.microsoft.com/office/drawing/2014/main" val="3158361180"/>
+                  </a:ext>
+                </a:extLst>
+              </a:tr>
+              <a:tr h="334283">
+                <a:tc>
+                  <a:txBody>
+                    <a:bodyPr/>
+                    <a:lstStyle/>
+                    <a:p>
+                      <a:pPr algn="ctr" latinLnBrk="1"/>
+                      <a:r>
+                        <a:rPr lang="ko-KR" altLang="en-US" sz="1600" dirty="0"/>
+                        <a:t>법원</a:t>
+                      </a:r>
+                    </a:p>
+                  </a:txBody>
+                  <a:tcPr anchor="ctr"/>
+                </a:tc>
+                <a:tc>
+                  <a:txBody>
+                    <a:bodyPr/>
+                    <a:lstStyle/>
+                    <a:p>
+                      <a:pPr marL="0" marR="0" lvl="0" indent="0" algn="ctr" defTabSz="914400" rtl="0" eaLnBrk="1" fontAlgn="auto" latinLnBrk="1" hangingPunct="1">
+                        <a:lnSpc>
+                          <a:spcPct val="100000"/>
+                        </a:lnSpc>
+                        <a:spcBef>
+                          <a:spcPts val="0"/>
+                        </a:spcBef>
+                        <a:spcAft>
+                          <a:spcPts val="0"/>
+                        </a:spcAft>
+                        <a:buClrTx/>
+                        <a:buSzTx/>
+                        <a:buFontTx/>
+                        <a:buNone/>
+                        <a:tabLst/>
+                        <a:defRPr/>
+                      </a:pPr>
+                      <a:r>
+                        <a:rPr lang="en-US" altLang="ko-KR" sz="1600" dirty="0" err="1"/>
+                        <a:t>court_name</a:t>
+                      </a:r>
+                      <a:endParaRPr lang="ko-KR" altLang="en-US" sz="1600" dirty="0"/>
+                    </a:p>
+                  </a:txBody>
+                  <a:tcPr anchor="ctr"/>
+                </a:tc>
+                <a:tc>
+                  <a:txBody>
+                    <a:bodyPr/>
+                    <a:lstStyle/>
+                    <a:p>
+                      <a:pPr marL="0" marR="0" lvl="0" indent="0" algn="ctr" defTabSz="914400" rtl="0" eaLnBrk="1" fontAlgn="auto" latinLnBrk="1" hangingPunct="1">
+                        <a:lnSpc>
+                          <a:spcPct val="100000"/>
+                        </a:lnSpc>
+                        <a:spcBef>
+                          <a:spcPts val="0"/>
+                        </a:spcBef>
+                        <a:spcAft>
+                          <a:spcPts val="0"/>
+                        </a:spcAft>
+                        <a:buClrTx/>
+                        <a:buSzTx/>
+                        <a:buFontTx/>
+                        <a:buNone/>
+                        <a:tabLst/>
+                        <a:defRPr/>
+                      </a:pPr>
+                      <a:r>
+                        <a:rPr lang="en-US" altLang="ko-KR" sz="1600" dirty="0" err="1"/>
+                        <a:t>CharField</a:t>
+                      </a:r>
+                      <a:endParaRPr lang="ko-KR" altLang="en-US" sz="1600" dirty="0"/>
+                    </a:p>
+                  </a:txBody>
+                  <a:tcPr anchor="ctr"/>
+                </a:tc>
+                <a:tc>
+                  <a:txBody>
+                    <a:bodyPr/>
+                    <a:lstStyle/>
+                    <a:p>
+                      <a:pPr algn="ctr" fontAlgn="b"/>
+                      <a:r>
+                        <a:rPr lang="ko-KR" altLang="en-US" sz="1600" b="0" i="0" u="none" strike="noStrike" dirty="0">
+                          <a:solidFill>
+                            <a:srgbClr val="000000"/>
+                          </a:solidFill>
+                          <a:effectLst/>
+                          <a:latin typeface="맑은 고딕" panose="020B0503020000020004" pitchFamily="50" charset="-127"/>
+                          <a:ea typeface="맑은 고딕" panose="020B0503020000020004" pitchFamily="50" charset="-127"/>
+                        </a:rPr>
+                        <a:t>서울행정법원</a:t>
+                      </a:r>
+                    </a:p>
+                  </a:txBody>
+                  <a:tcPr marL="9525" marR="9525" marT="9525" marB="0" anchor="ctr"/>
+                </a:tc>
+                <a:tc vMerge="1">
+                  <a:txBody>
+                    <a:bodyPr/>
+                    <a:lstStyle/>
+                    <a:p>
+                      <a:pPr latinLnBrk="1"/>
+                      <a:endParaRPr lang="ko-KR" altLang="en-US" sz="1200" dirty="0"/>
+                    </a:p>
+                  </a:txBody>
+                  <a:tcPr anchor="ctr"/>
+                </a:tc>
+                <a:extLst>
+                  <a:ext uri="{0D108BD9-81ED-4DB2-BD59-A6C34878D82A}">
+                    <a16:rowId xmlns:a16="http://schemas.microsoft.com/office/drawing/2014/main" val="2510539819"/>
+                  </a:ext>
+                </a:extLst>
+              </a:tr>
+              <a:tr h="334283">
+                <a:tc>
+                  <a:txBody>
+                    <a:bodyPr/>
+                    <a:lstStyle/>
+                    <a:p>
+                      <a:pPr algn="ctr" latinLnBrk="1"/>
+                      <a:r>
+                        <a:rPr lang="ko-KR" altLang="en-US" sz="1600" dirty="0"/>
+                        <a:t>판결유형</a:t>
+                      </a:r>
+                    </a:p>
+                  </a:txBody>
+                  <a:tcPr anchor="ctr"/>
+                </a:tc>
+                <a:tc>
+                  <a:txBody>
+                    <a:bodyPr/>
+                    <a:lstStyle/>
+                    <a:p>
+                      <a:pPr marL="0" marR="0" lvl="0" indent="0" algn="ctr" defTabSz="914400" rtl="0" eaLnBrk="1" fontAlgn="auto" latinLnBrk="1" hangingPunct="1">
+                        <a:lnSpc>
+                          <a:spcPct val="100000"/>
+                        </a:lnSpc>
+                        <a:spcBef>
+                          <a:spcPts val="0"/>
+                        </a:spcBef>
+                        <a:spcAft>
+                          <a:spcPts val="0"/>
+                        </a:spcAft>
+                        <a:buClrTx/>
+                        <a:buSzTx/>
+                        <a:buFontTx/>
+                        <a:buNone/>
+                        <a:tabLst/>
+                        <a:defRPr/>
+                      </a:pPr>
+                      <a:r>
+                        <a:rPr lang="en-US" altLang="ko-KR" sz="1600" dirty="0" err="1"/>
+                        <a:t>ruling_type</a:t>
+                      </a:r>
+                      <a:endParaRPr lang="ko-KR" altLang="en-US" sz="1600" dirty="0"/>
+                    </a:p>
+                  </a:txBody>
+                  <a:tcPr anchor="ctr"/>
+                </a:tc>
+                <a:tc>
+                  <a:txBody>
+                    <a:bodyPr/>
+                    <a:lstStyle/>
+                    <a:p>
+                      <a:pPr marL="0" marR="0" lvl="0" indent="0" algn="ctr" defTabSz="914400" rtl="0" eaLnBrk="1" fontAlgn="auto" latinLnBrk="1" hangingPunct="1">
+                        <a:lnSpc>
+                          <a:spcPct val="100000"/>
+                        </a:lnSpc>
+                        <a:spcBef>
+                          <a:spcPts val="0"/>
+                        </a:spcBef>
+                        <a:spcAft>
+                          <a:spcPts val="0"/>
+                        </a:spcAft>
+                        <a:buClrTx/>
+                        <a:buSzTx/>
+                        <a:buFontTx/>
+                        <a:buNone/>
+                        <a:tabLst/>
+                        <a:defRPr/>
+                      </a:pPr>
+                      <a:r>
+                        <a:rPr lang="en-US" altLang="ko-KR" sz="1600" dirty="0" err="1"/>
+                        <a:t>CharField</a:t>
+                      </a:r>
+                      <a:endParaRPr lang="ko-KR" altLang="en-US" sz="1600" dirty="0"/>
+                    </a:p>
+                  </a:txBody>
+                  <a:tcPr anchor="ctr"/>
+                </a:tc>
+                <a:tc>
+                  <a:txBody>
+                    <a:bodyPr/>
+                    <a:lstStyle/>
+                    <a:p>
+                      <a:pPr algn="ctr" fontAlgn="b"/>
+                      <a:r>
+                        <a:rPr lang="ko-KR" altLang="en-US" sz="1600" b="0" i="0" u="none" strike="noStrike" dirty="0">
+                          <a:solidFill>
+                            <a:srgbClr val="000000"/>
+                          </a:solidFill>
+                          <a:effectLst/>
+                          <a:latin typeface="맑은 고딕" panose="020B0503020000020004" pitchFamily="50" charset="-127"/>
+                          <a:ea typeface="맑은 고딕" panose="020B0503020000020004" pitchFamily="50" charset="-127"/>
+                        </a:rPr>
+                        <a:t>기각</a:t>
+                      </a:r>
+                    </a:p>
+                  </a:txBody>
+                  <a:tcPr marL="9525" marR="9525" marT="9525" marB="0" anchor="ctr"/>
+                </a:tc>
+                <a:tc vMerge="1">
+                  <a:txBody>
+                    <a:bodyPr/>
+                    <a:lstStyle/>
+                    <a:p>
+                      <a:pPr latinLnBrk="1"/>
+                      <a:endParaRPr lang="ko-KR" altLang="en-US" sz="1200" dirty="0"/>
+                    </a:p>
+                  </a:txBody>
+                  <a:tcPr anchor="ctr"/>
+                </a:tc>
+                <a:extLst>
+                  <a:ext uri="{0D108BD9-81ED-4DB2-BD59-A6C34878D82A}">
+                    <a16:rowId xmlns:a16="http://schemas.microsoft.com/office/drawing/2014/main" val="3786363188"/>
+                  </a:ext>
+                </a:extLst>
+              </a:tr>
+              <a:tr h="334283">
+                <a:tc>
+                  <a:txBody>
+                    <a:bodyPr/>
+                    <a:lstStyle/>
+                    <a:p>
+                      <a:pPr algn="ctr" latinLnBrk="1"/>
+                      <a:r>
+                        <a:rPr lang="ko-KR" altLang="en-US" sz="1600" dirty="0"/>
+                        <a:t>사건유형</a:t>
+                      </a:r>
+                    </a:p>
+                  </a:txBody>
+                  <a:tcPr anchor="ctr"/>
+                </a:tc>
+                <a:tc>
+                  <a:txBody>
+                    <a:bodyPr/>
+                    <a:lstStyle/>
+                    <a:p>
+                      <a:pPr marL="0" marR="0" lvl="0" indent="0" algn="ctr" defTabSz="914400" rtl="0" eaLnBrk="1" fontAlgn="auto" latinLnBrk="1" hangingPunct="1">
+                        <a:lnSpc>
+                          <a:spcPct val="100000"/>
+                        </a:lnSpc>
+                        <a:spcBef>
+                          <a:spcPts val="0"/>
+                        </a:spcBef>
+                        <a:spcAft>
+                          <a:spcPts val="0"/>
+                        </a:spcAft>
+                        <a:buClrTx/>
+                        <a:buSzTx/>
+                        <a:buFontTx/>
+                        <a:buNone/>
+                        <a:tabLst/>
+                        <a:defRPr/>
+                      </a:pPr>
+                      <a:r>
+                        <a:rPr lang="en-US" altLang="ko-KR" sz="1600" dirty="0" err="1"/>
+                        <a:t>case_type</a:t>
+                      </a:r>
+                      <a:endParaRPr lang="ko-KR" altLang="en-US" sz="1600" dirty="0"/>
+                    </a:p>
+                  </a:txBody>
+                  <a:tcPr anchor="ctr"/>
+                </a:tc>
+                <a:tc>
+                  <a:txBody>
+                    <a:bodyPr/>
+                    <a:lstStyle/>
+                    <a:p>
+                      <a:pPr marL="0" marR="0" lvl="0" indent="0" algn="ctr" defTabSz="914400" rtl="0" eaLnBrk="1" fontAlgn="auto" latinLnBrk="1" hangingPunct="1">
+                        <a:lnSpc>
+                          <a:spcPct val="100000"/>
+                        </a:lnSpc>
+                        <a:spcBef>
+                          <a:spcPts val="0"/>
+                        </a:spcBef>
+                        <a:spcAft>
+                          <a:spcPts val="0"/>
+                        </a:spcAft>
+                        <a:buClrTx/>
+                        <a:buSzTx/>
+                        <a:buFontTx/>
+                        <a:buNone/>
+                        <a:tabLst/>
+                        <a:defRPr/>
+                      </a:pPr>
+                      <a:r>
+                        <a:rPr lang="en-US" altLang="ko-KR" sz="1600" dirty="0" err="1"/>
+                        <a:t>CharField</a:t>
+                      </a:r>
+                      <a:endParaRPr lang="ko-KR" altLang="en-US" sz="1600" dirty="0"/>
+                    </a:p>
+                  </a:txBody>
+                  <a:tcPr anchor="ctr"/>
+                </a:tc>
+                <a:tc>
+                  <a:txBody>
+                    <a:bodyPr/>
+                    <a:lstStyle/>
+                    <a:p>
+                      <a:pPr algn="ctr" fontAlgn="b"/>
+                      <a:r>
+                        <a:rPr lang="ko-KR" altLang="en-US" sz="1600" b="0" i="0" u="none" strike="noStrike" dirty="0">
+                          <a:solidFill>
+                            <a:srgbClr val="000000"/>
+                          </a:solidFill>
+                          <a:effectLst/>
+                          <a:latin typeface="맑은 고딕" panose="020B0503020000020004" pitchFamily="50" charset="-127"/>
+                          <a:ea typeface="맑은 고딕" panose="020B0503020000020004" pitchFamily="50" charset="-127"/>
+                        </a:rPr>
+                        <a:t>장해</a:t>
+                      </a:r>
+                    </a:p>
+                  </a:txBody>
+                  <a:tcPr marL="9525" marR="9525" marT="9525" marB="0" anchor="ctr"/>
+                </a:tc>
+                <a:tc vMerge="1">
+                  <a:txBody>
+                    <a:bodyPr/>
+                    <a:lstStyle/>
+                    <a:p>
+                      <a:pPr latinLnBrk="1"/>
+                      <a:endParaRPr lang="ko-KR" altLang="en-US" sz="1200" dirty="0"/>
+                    </a:p>
+                  </a:txBody>
+                  <a:tcPr anchor="ctr"/>
+                </a:tc>
+                <a:extLst>
+                  <a:ext uri="{0D108BD9-81ED-4DB2-BD59-A6C34878D82A}">
+                    <a16:rowId xmlns:a16="http://schemas.microsoft.com/office/drawing/2014/main" val="662682761"/>
+                  </a:ext>
+                </a:extLst>
+              </a:tr>
+              <a:tr h="334283">
+                <a:tc>
+                  <a:txBody>
+                    <a:bodyPr/>
+                    <a:lstStyle/>
+                    <a:p>
+                      <a:pPr algn="ctr" latinLnBrk="1"/>
+                      <a:r>
+                        <a:rPr lang="ko-KR" altLang="en-US" sz="1600" dirty="0"/>
+                        <a:t>사고질병 구분</a:t>
+                      </a:r>
+                    </a:p>
+                  </a:txBody>
+                  <a:tcPr anchor="ctr"/>
+                </a:tc>
+                <a:tc>
+                  <a:txBody>
+                    <a:bodyPr/>
+                    <a:lstStyle/>
+                    <a:p>
+                      <a:pPr marL="0" marR="0" lvl="0" indent="0" algn="ctr" defTabSz="914400" rtl="0" eaLnBrk="1" fontAlgn="auto" latinLnBrk="1" hangingPunct="1">
+                        <a:lnSpc>
+                          <a:spcPct val="100000"/>
+                        </a:lnSpc>
+                        <a:spcBef>
+                          <a:spcPts val="0"/>
+                        </a:spcBef>
+                        <a:spcAft>
+                          <a:spcPts val="0"/>
+                        </a:spcAft>
+                        <a:buClrTx/>
+                        <a:buSzTx/>
+                        <a:buFontTx/>
+                        <a:buNone/>
+                        <a:tabLst/>
+                        <a:defRPr/>
+                      </a:pPr>
+                      <a:r>
+                        <a:rPr lang="en-US" altLang="ko-KR" sz="1600" dirty="0" err="1"/>
+                        <a:t>issue_category</a:t>
+                      </a:r>
+                      <a:endParaRPr lang="ko-KR" altLang="en-US" sz="1600" dirty="0"/>
+                    </a:p>
+                  </a:txBody>
+                  <a:tcPr anchor="ctr"/>
+                </a:tc>
+                <a:tc>
+                  <a:txBody>
+                    <a:bodyPr/>
+                    <a:lstStyle/>
+                    <a:p>
+                      <a:pPr marL="0" marR="0" lvl="0" indent="0" algn="ctr" defTabSz="914400" rtl="0" eaLnBrk="1" fontAlgn="auto" latinLnBrk="1" hangingPunct="1">
+                        <a:lnSpc>
+                          <a:spcPct val="100000"/>
+                        </a:lnSpc>
+                        <a:spcBef>
+                          <a:spcPts val="0"/>
+                        </a:spcBef>
+                        <a:spcAft>
+                          <a:spcPts val="0"/>
+                        </a:spcAft>
+                        <a:buClrTx/>
+                        <a:buSzTx/>
+                        <a:buFontTx/>
+                        <a:buNone/>
+                        <a:tabLst/>
+                        <a:defRPr/>
+                      </a:pPr>
+                      <a:r>
+                        <a:rPr lang="en-US" altLang="ko-KR" sz="1600" dirty="0" err="1"/>
+                        <a:t>CharField</a:t>
+                      </a:r>
+                      <a:endParaRPr lang="ko-KR" altLang="en-US" sz="1600" dirty="0"/>
+                    </a:p>
+                  </a:txBody>
+                  <a:tcPr anchor="ctr"/>
+                </a:tc>
+                <a:tc>
+                  <a:txBody>
+                    <a:bodyPr/>
+                    <a:lstStyle/>
+                    <a:p>
+                      <a:pPr algn="ctr" fontAlgn="b"/>
+                      <a:r>
+                        <a:rPr lang="ko-KR" altLang="en-US" sz="1600" b="0" i="0" u="none" strike="noStrike" dirty="0">
+                          <a:solidFill>
+                            <a:srgbClr val="000000"/>
+                          </a:solidFill>
+                          <a:effectLst/>
+                          <a:latin typeface="맑은 고딕" panose="020B0503020000020004" pitchFamily="50" charset="-127"/>
+                          <a:ea typeface="맑은 고딕" panose="020B0503020000020004" pitchFamily="50" charset="-127"/>
+                        </a:rPr>
+                        <a:t>업무상사고</a:t>
+                      </a:r>
+                    </a:p>
+                  </a:txBody>
+                  <a:tcPr marL="9525" marR="9525" marT="9525" marB="0" anchor="ctr"/>
+                </a:tc>
+                <a:tc vMerge="1">
+                  <a:txBody>
+                    <a:bodyPr/>
+                    <a:lstStyle/>
+                    <a:p>
+                      <a:pPr latinLnBrk="1"/>
+                      <a:endParaRPr lang="ko-KR" altLang="en-US" sz="1200" dirty="0"/>
+                    </a:p>
+                  </a:txBody>
+                  <a:tcPr anchor="ctr"/>
+                </a:tc>
+                <a:extLst>
+                  <a:ext uri="{0D108BD9-81ED-4DB2-BD59-A6C34878D82A}">
+                    <a16:rowId xmlns:a16="http://schemas.microsoft.com/office/drawing/2014/main" val="537443224"/>
+                  </a:ext>
+                </a:extLst>
+              </a:tr>
+              <a:tr h="741834">
+                <a:tc>
+                  <a:txBody>
+                    <a:bodyPr/>
+                    <a:lstStyle/>
+                    <a:p>
+                      <a:pPr algn="ctr" latinLnBrk="1"/>
+                      <a:r>
+                        <a:rPr lang="ko-KR" altLang="en-US" sz="1600" dirty="0"/>
+                        <a:t>판결문</a:t>
+                      </a:r>
+                    </a:p>
+                  </a:txBody>
+                  <a:tcPr anchor="ctr"/>
+                </a:tc>
+                <a:tc>
+                  <a:txBody>
+                    <a:bodyPr/>
+                    <a:lstStyle/>
+                    <a:p>
+                      <a:pPr algn="ctr" latinLnBrk="1"/>
+                      <a:r>
+                        <a:rPr lang="en-US" altLang="ko-KR" sz="1600" dirty="0" err="1"/>
+                        <a:t>ruling_text</a:t>
+                      </a:r>
+                      <a:endParaRPr lang="ko-KR" altLang="en-US" sz="1600" dirty="0"/>
+                    </a:p>
+                  </a:txBody>
+                  <a:tcPr anchor="ctr"/>
+                </a:tc>
+                <a:tc>
+                  <a:txBody>
+                    <a:bodyPr/>
+                    <a:lstStyle/>
+                    <a:p>
+                      <a:pPr algn="ctr" latinLnBrk="1"/>
+                      <a:r>
+                        <a:rPr lang="en-US" altLang="ko-KR" sz="1600" dirty="0" err="1"/>
+                        <a:t>TextField</a:t>
+                      </a:r>
+                      <a:endParaRPr lang="ko-KR" altLang="en-US" sz="1600" dirty="0"/>
+                    </a:p>
+                  </a:txBody>
+                  <a:tcPr anchor="ctr"/>
+                </a:tc>
+                <a:tc>
+                  <a:txBody>
+                    <a:bodyPr/>
+                    <a:lstStyle/>
+                    <a:p>
+                      <a:pPr latinLnBrk="1"/>
+                      <a:r>
+                        <a:rPr lang="ko-KR" altLang="en-US" sz="1200" dirty="0"/>
+                        <a:t> 주문</a:t>
+                      </a:r>
+                    </a:p>
+                    <a:p>
+                      <a:pPr latinLnBrk="1"/>
+                      <a:r>
+                        <a:rPr lang="en-US" altLang="ko-KR" sz="1200" dirty="0"/>
+                        <a:t>1. </a:t>
+                      </a:r>
+                      <a:r>
+                        <a:rPr lang="ko-KR" altLang="en-US" sz="1200" dirty="0"/>
+                        <a:t>이 사건 소를 각하한다</a:t>
+                      </a:r>
+                      <a:r>
+                        <a:rPr lang="en-US" altLang="ko-KR" sz="1200" dirty="0"/>
+                        <a:t>.</a:t>
+                      </a:r>
+                    </a:p>
+                    <a:p>
+                      <a:pPr latinLnBrk="1"/>
+                      <a:r>
+                        <a:rPr lang="en-US" altLang="ko-KR" sz="1200" dirty="0"/>
+                        <a:t>2. </a:t>
+                      </a:r>
+                      <a:r>
+                        <a:rPr lang="ko-KR" altLang="en-US" sz="1200" dirty="0"/>
+                        <a:t>소송비용은 피고가 부담한다</a:t>
+                      </a:r>
+                      <a:r>
+                        <a:rPr lang="en-US" altLang="ko-KR" sz="1200" dirty="0"/>
+                        <a:t>.</a:t>
+                      </a:r>
+                    </a:p>
+                    <a:p>
+                      <a:pPr latinLnBrk="1"/>
+                      <a:r>
+                        <a:rPr lang="ko-KR" altLang="en-US" sz="1200" dirty="0"/>
+                        <a:t>청구취지</a:t>
+                      </a:r>
+                      <a:r>
+                        <a:rPr lang="en-US" altLang="ko-KR" sz="1200" dirty="0"/>
+                        <a:t>….</a:t>
+                      </a:r>
+                      <a:endParaRPr lang="ko-KR" altLang="en-US" sz="1200" dirty="0"/>
+                    </a:p>
+                  </a:txBody>
+                  <a:tcPr anchor="ctr"/>
+                </a:tc>
+                <a:tc vMerge="1">
+                  <a:txBody>
+                    <a:bodyPr/>
+                    <a:lstStyle/>
+                    <a:p>
+                      <a:pPr latinLnBrk="1"/>
+                      <a:endParaRPr lang="ko-KR" altLang="en-US" sz="1200" dirty="0"/>
+                    </a:p>
+                  </a:txBody>
+                  <a:tcPr anchor="ctr"/>
+                </a:tc>
+                <a:extLst>
+                  <a:ext uri="{0D108BD9-81ED-4DB2-BD59-A6C34878D82A}">
+                    <a16:rowId xmlns:a16="http://schemas.microsoft.com/office/drawing/2014/main" val="269679802"/>
+                  </a:ext>
+                </a:extLst>
+              </a:tr>
+              <a:tr h="334283">
+                <a:tc>
+                  <a:txBody>
+                    <a:bodyPr/>
+                    <a:lstStyle/>
+                    <a:p>
+                      <a:pPr algn="ctr" latinLnBrk="1"/>
+                      <a:r>
+                        <a:rPr lang="ko-KR" altLang="en-US" sz="1600" dirty="0"/>
+                        <a:t>제목</a:t>
+                      </a:r>
+                    </a:p>
+                  </a:txBody>
+                  <a:tcPr anchor="ctr"/>
+                </a:tc>
+                <a:tc>
+                  <a:txBody>
+                    <a:bodyPr/>
+                    <a:lstStyle/>
+                    <a:p>
+                      <a:pPr marL="0" marR="0" lvl="0" indent="0" algn="ctr" defTabSz="914400" rtl="0" eaLnBrk="1" fontAlgn="auto" latinLnBrk="1" hangingPunct="1">
+                        <a:lnSpc>
+                          <a:spcPct val="100000"/>
+                        </a:lnSpc>
+                        <a:spcBef>
+                          <a:spcPts val="0"/>
+                        </a:spcBef>
+                        <a:spcAft>
+                          <a:spcPts val="0"/>
+                        </a:spcAft>
+                        <a:buClrTx/>
+                        <a:buSzTx/>
+                        <a:buFontTx/>
+                        <a:buNone/>
+                        <a:tabLst/>
+                        <a:defRPr/>
+                      </a:pPr>
+                      <a:r>
+                        <a:rPr lang="en-US" altLang="ko-KR" sz="1600" dirty="0" err="1"/>
+                        <a:t>case_title</a:t>
+                      </a:r>
+                      <a:endParaRPr lang="ko-KR" altLang="en-US" sz="1600" dirty="0"/>
+                    </a:p>
+                  </a:txBody>
+                  <a:tcPr anchor="ctr"/>
+                </a:tc>
+                <a:tc>
+                  <a:txBody>
+                    <a:bodyPr/>
+                    <a:lstStyle/>
+                    <a:p>
+                      <a:pPr marL="0" marR="0" lvl="0" indent="0" algn="ctr" defTabSz="914400" rtl="0" eaLnBrk="1" fontAlgn="auto" latinLnBrk="1" hangingPunct="1">
+                        <a:lnSpc>
+                          <a:spcPct val="100000"/>
+                        </a:lnSpc>
+                        <a:spcBef>
+                          <a:spcPts val="0"/>
+                        </a:spcBef>
+                        <a:spcAft>
+                          <a:spcPts val="0"/>
+                        </a:spcAft>
+                        <a:buClrTx/>
+                        <a:buSzTx/>
+                        <a:buFontTx/>
+                        <a:buNone/>
+                        <a:tabLst/>
+                        <a:defRPr/>
+                      </a:pPr>
+                      <a:r>
+                        <a:rPr lang="en-US" altLang="ko-KR" sz="1600" dirty="0" err="1"/>
+                        <a:t>CharField</a:t>
+                      </a:r>
+                      <a:endParaRPr lang="ko-KR" altLang="en-US" sz="1600" dirty="0"/>
+                    </a:p>
+                  </a:txBody>
+                  <a:tcPr anchor="ctr"/>
+                </a:tc>
+                <a:tc>
+                  <a:txBody>
+                    <a:bodyPr/>
+                    <a:lstStyle/>
+                    <a:p>
+                      <a:pPr latinLnBrk="1"/>
+                      <a:endParaRPr lang="ko-KR" altLang="en-US" sz="1600" dirty="0"/>
+                    </a:p>
+                  </a:txBody>
+                  <a:tcPr anchor="ctr"/>
+                </a:tc>
+                <a:tc vMerge="1">
+                  <a:txBody>
+                    <a:bodyPr/>
+                    <a:lstStyle/>
+                    <a:p>
+                      <a:pPr latinLnBrk="1"/>
+                      <a:endParaRPr lang="ko-KR" altLang="en-US" sz="1200" dirty="0"/>
+                    </a:p>
+                  </a:txBody>
+                  <a:tcPr anchor="ctr"/>
+                </a:tc>
+                <a:extLst>
+                  <a:ext uri="{0D108BD9-81ED-4DB2-BD59-A6C34878D82A}">
+                    <a16:rowId xmlns:a16="http://schemas.microsoft.com/office/drawing/2014/main" val="3050278817"/>
+                  </a:ext>
+                </a:extLst>
+              </a:tr>
+              <a:tr h="412130">
+                <a:tc>
+                  <a:txBody>
+                    <a:bodyPr/>
+                    <a:lstStyle/>
+                    <a:p>
+                      <a:pPr algn="ctr" latinLnBrk="1"/>
+                      <a:r>
+                        <a:rPr lang="ko-KR" altLang="en-US" sz="1600" dirty="0"/>
+                        <a:t>연관사건</a:t>
+                      </a:r>
+                    </a:p>
+                  </a:txBody>
+                  <a:tcPr anchor="ctr"/>
+                </a:tc>
+                <a:tc>
+                  <a:txBody>
+                    <a:bodyPr/>
+                    <a:lstStyle/>
+                    <a:p>
+                      <a:pPr marL="0" marR="0" lvl="0" indent="0" algn="ctr" defTabSz="914400" rtl="0" eaLnBrk="1" fontAlgn="auto" latinLnBrk="1" hangingPunct="1">
+                        <a:lnSpc>
+                          <a:spcPct val="100000"/>
+                        </a:lnSpc>
+                        <a:spcBef>
+                          <a:spcPts val="0"/>
+                        </a:spcBef>
+                        <a:spcAft>
+                          <a:spcPts val="0"/>
+                        </a:spcAft>
+                        <a:buClrTx/>
+                        <a:buSzTx/>
+                        <a:buFontTx/>
+                        <a:buNone/>
+                        <a:tabLst/>
+                        <a:defRPr/>
+                      </a:pPr>
+                      <a:r>
+                        <a:rPr lang="en-US" altLang="ko-KR" sz="1600" dirty="0" err="1"/>
+                        <a:t>related_case</a:t>
+                      </a:r>
+                      <a:endParaRPr lang="ko-KR" altLang="en-US" sz="1600" dirty="0"/>
+                    </a:p>
+                  </a:txBody>
+                  <a:tcPr anchor="ctr"/>
+                </a:tc>
+                <a:tc>
+                  <a:txBody>
+                    <a:bodyPr/>
+                    <a:lstStyle/>
+                    <a:p>
+                      <a:pPr marL="0" marR="0" lvl="0" indent="0" algn="ctr" defTabSz="914400" rtl="0" eaLnBrk="1" fontAlgn="auto" latinLnBrk="1" hangingPunct="1">
+                        <a:lnSpc>
+                          <a:spcPct val="100000"/>
+                        </a:lnSpc>
+                        <a:spcBef>
+                          <a:spcPts val="0"/>
+                        </a:spcBef>
+                        <a:spcAft>
+                          <a:spcPts val="0"/>
+                        </a:spcAft>
+                        <a:buClrTx/>
+                        <a:buSzTx/>
+                        <a:buFontTx/>
+                        <a:buNone/>
+                        <a:tabLst/>
+                        <a:defRPr/>
+                      </a:pPr>
+                      <a:r>
+                        <a:rPr lang="en-US" altLang="ko-KR" sz="1600" dirty="0" err="1"/>
+                        <a:t>CharField</a:t>
+                      </a:r>
+                      <a:endParaRPr lang="ko-KR" altLang="en-US" sz="1600" dirty="0"/>
+                    </a:p>
+                  </a:txBody>
+                  <a:tcPr anchor="ctr"/>
+                </a:tc>
+                <a:tc>
+                  <a:txBody>
+                    <a:bodyPr/>
+                    <a:lstStyle/>
+                    <a:p>
+                      <a:pPr latinLnBrk="1"/>
+                      <a:r>
+                        <a:rPr lang="ko-KR" altLang="en-US" sz="1200" dirty="0"/>
+                        <a:t>서울행정법원</a:t>
+                      </a:r>
+                      <a:r>
+                        <a:rPr lang="en-US" altLang="ko-KR" sz="1200" dirty="0"/>
+                        <a:t>,2010</a:t>
+                      </a:r>
+                      <a:r>
+                        <a:rPr lang="ko-KR" altLang="en-US" sz="1200" dirty="0"/>
+                        <a:t>구단</a:t>
+                      </a:r>
+                      <a:r>
+                        <a:rPr lang="en-US" altLang="ko-KR" sz="1200" dirty="0"/>
+                        <a:t>9801,1</a:t>
+                      </a:r>
+                      <a:r>
+                        <a:rPr lang="ko-KR" altLang="en-US" sz="1200" dirty="0"/>
+                        <a:t>심</a:t>
+                      </a:r>
+                      <a:r>
+                        <a:rPr lang="en-US" altLang="ko-KR" sz="1200" dirty="0"/>
+                        <a:t>-</a:t>
+                      </a:r>
+                      <a:r>
+                        <a:rPr lang="ko-KR" altLang="en-US" sz="1200" dirty="0"/>
+                        <a:t>서울고등법원</a:t>
+                      </a:r>
+                      <a:r>
+                        <a:rPr lang="en-US" altLang="ko-KR" sz="1200" dirty="0"/>
+                        <a:t>,2011</a:t>
+                      </a:r>
+                      <a:r>
+                        <a:rPr lang="ko-KR" altLang="en-US" sz="1200" dirty="0"/>
+                        <a:t>누</a:t>
+                      </a:r>
+                      <a:r>
+                        <a:rPr lang="en-US" altLang="ko-KR" sz="1200" dirty="0"/>
+                        <a:t>10036,2</a:t>
+                      </a:r>
+                      <a:r>
+                        <a:rPr lang="ko-KR" altLang="en-US" sz="1200" dirty="0"/>
+                        <a:t>심</a:t>
+                      </a:r>
+                    </a:p>
+                  </a:txBody>
+                  <a:tcPr anchor="ctr"/>
+                </a:tc>
+                <a:tc>
+                  <a:txBody>
+                    <a:bodyPr/>
+                    <a:lstStyle/>
+                    <a:p>
+                      <a:pPr latinLnBrk="1"/>
+                      <a:r>
+                        <a:rPr lang="ko-KR" altLang="en-US" sz="1200" dirty="0"/>
+                        <a:t>판결문의 </a:t>
+                      </a:r>
+                      <a:r>
+                        <a:rPr lang="en-US" altLang="ko-KR" sz="1200" dirty="0"/>
+                        <a:t>‘</a:t>
+                      </a:r>
+                      <a:r>
+                        <a:rPr lang="ko-KR" altLang="en-US" sz="1200" dirty="0"/>
+                        <a:t>연관사건 </a:t>
+                      </a:r>
+                      <a:r>
+                        <a:rPr lang="en-US" altLang="ko-KR" sz="1200" dirty="0"/>
+                        <a:t>: ‘ </a:t>
+                      </a:r>
+                      <a:r>
+                        <a:rPr lang="ko-KR" altLang="en-US" sz="1200" dirty="0"/>
+                        <a:t>문구와 </a:t>
+                      </a:r>
+                      <a:r>
+                        <a:rPr lang="en-US" altLang="ko-KR" sz="1200" dirty="0"/>
+                        <a:t>‘</a:t>
+                      </a:r>
+                      <a:r>
+                        <a:rPr lang="ko-KR" altLang="en-US" sz="1200" dirty="0"/>
+                        <a:t>주문</a:t>
+                      </a:r>
+                      <a:r>
+                        <a:rPr lang="en-US" altLang="ko-KR" sz="1200" dirty="0"/>
+                        <a:t>’ </a:t>
+                      </a:r>
+                      <a:r>
+                        <a:rPr lang="ko-KR" altLang="en-US" sz="1200" dirty="0"/>
+                        <a:t>사이</a:t>
+                      </a:r>
+                    </a:p>
+                  </a:txBody>
+                  <a:tcPr anchor="ctr"/>
+                </a:tc>
+                <a:extLst>
+                  <a:ext uri="{0D108BD9-81ED-4DB2-BD59-A6C34878D82A}">
+                    <a16:rowId xmlns:a16="http://schemas.microsoft.com/office/drawing/2014/main" val="2460718715"/>
+                  </a:ext>
+                </a:extLst>
+              </a:tr>
+              <a:tr h="334283">
+                <a:tc>
+                  <a:txBody>
+                    <a:bodyPr/>
+                    <a:lstStyle/>
+                    <a:p>
+                      <a:pPr algn="ctr" latinLnBrk="1"/>
+                      <a:r>
+                        <a:rPr lang="ko-KR" altLang="en-US" sz="1600" dirty="0"/>
+                        <a:t>업무환경</a:t>
+                      </a:r>
+                    </a:p>
+                  </a:txBody>
+                  <a:tcPr anchor="ctr"/>
+                </a:tc>
+                <a:tc>
+                  <a:txBody>
+                    <a:bodyPr/>
+                    <a:lstStyle/>
+                    <a:p>
+                      <a:pPr marL="0" marR="0" lvl="0" indent="0" algn="ctr" defTabSz="914400" rtl="0" eaLnBrk="1" fontAlgn="auto" latinLnBrk="1" hangingPunct="1">
+                        <a:lnSpc>
+                          <a:spcPct val="100000"/>
+                        </a:lnSpc>
+                        <a:spcBef>
+                          <a:spcPts val="0"/>
+                        </a:spcBef>
+                        <a:spcAft>
+                          <a:spcPts val="0"/>
+                        </a:spcAft>
+                        <a:buClrTx/>
+                        <a:buSzTx/>
+                        <a:buFontTx/>
+                        <a:buNone/>
+                        <a:tabLst/>
+                        <a:defRPr/>
+                      </a:pPr>
+                      <a:r>
+                        <a:rPr lang="en-US" altLang="ko-KR" sz="1600" dirty="0" err="1"/>
+                        <a:t>working_condition</a:t>
+                      </a:r>
+                      <a:endParaRPr lang="ko-KR" altLang="en-US" sz="1600" dirty="0"/>
+                    </a:p>
+                  </a:txBody>
+                  <a:tcPr anchor="ctr"/>
+                </a:tc>
+                <a:tc>
+                  <a:txBody>
+                    <a:bodyPr/>
+                    <a:lstStyle/>
+                    <a:p>
+                      <a:pPr marL="0" marR="0" lvl="0" indent="0" algn="ctr" defTabSz="914400" rtl="0" eaLnBrk="1" fontAlgn="auto" latinLnBrk="1" hangingPunct="1">
+                        <a:lnSpc>
+                          <a:spcPct val="100000"/>
+                        </a:lnSpc>
+                        <a:spcBef>
+                          <a:spcPts val="0"/>
+                        </a:spcBef>
+                        <a:spcAft>
+                          <a:spcPts val="0"/>
+                        </a:spcAft>
+                        <a:buClrTx/>
+                        <a:buSzTx/>
+                        <a:buFontTx/>
+                        <a:buNone/>
+                        <a:tabLst/>
+                        <a:defRPr/>
+                      </a:pPr>
+                      <a:r>
+                        <a:rPr lang="en-US" altLang="ko-KR" sz="1600" dirty="0" err="1"/>
+                        <a:t>CharField</a:t>
+                      </a:r>
+                      <a:endParaRPr lang="ko-KR" altLang="en-US" sz="1600" dirty="0"/>
+                    </a:p>
+                  </a:txBody>
+                  <a:tcPr anchor="ctr"/>
+                </a:tc>
+                <a:tc>
+                  <a:txBody>
+                    <a:bodyPr/>
+                    <a:lstStyle/>
+                    <a:p>
+                      <a:pPr algn="ctr" latinLnBrk="1"/>
+                      <a:r>
+                        <a:rPr lang="en-US" altLang="ko-KR" sz="1600" dirty="0"/>
+                        <a:t>…</a:t>
+                      </a:r>
+                      <a:endParaRPr lang="ko-KR" altLang="en-US" sz="1600" dirty="0"/>
+                    </a:p>
+                  </a:txBody>
+                  <a:tcPr anchor="ctr"/>
+                </a:tc>
+                <a:tc>
+                  <a:txBody>
+                    <a:bodyPr/>
+                    <a:lstStyle/>
+                    <a:p>
+                      <a:pPr latinLnBrk="1"/>
+                      <a:r>
+                        <a:rPr lang="ko-KR" altLang="en-US" sz="1200" dirty="0"/>
+                        <a:t>전문가 검토 후 입력</a:t>
+                      </a:r>
+                    </a:p>
+                  </a:txBody>
+                  <a:tcPr anchor="ctr"/>
+                </a:tc>
+                <a:extLst>
+                  <a:ext uri="{0D108BD9-81ED-4DB2-BD59-A6C34878D82A}">
+                    <a16:rowId xmlns:a16="http://schemas.microsoft.com/office/drawing/2014/main" val="2676782267"/>
+                  </a:ext>
+                </a:extLst>
+              </a:tr>
+              <a:tr h="334283">
+                <a:tc>
+                  <a:txBody>
+                    <a:bodyPr/>
+                    <a:lstStyle/>
+                    <a:p>
+                      <a:pPr algn="ctr" latinLnBrk="1"/>
+                      <a:r>
+                        <a:rPr lang="ko-KR" altLang="en-US" sz="1600" dirty="0"/>
+                        <a:t>질병분류</a:t>
+                      </a:r>
+                    </a:p>
+                  </a:txBody>
+                  <a:tcPr anchor="ctr"/>
+                </a:tc>
+                <a:tc>
+                  <a:txBody>
+                    <a:bodyPr/>
+                    <a:lstStyle/>
+                    <a:p>
+                      <a:pPr marL="0" marR="0" lvl="0" indent="0" algn="ctr" defTabSz="914400" rtl="0" eaLnBrk="1" fontAlgn="auto" latinLnBrk="1" hangingPunct="1">
+                        <a:lnSpc>
+                          <a:spcPct val="100000"/>
+                        </a:lnSpc>
+                        <a:spcBef>
+                          <a:spcPts val="0"/>
+                        </a:spcBef>
+                        <a:spcAft>
+                          <a:spcPts val="0"/>
+                        </a:spcAft>
+                        <a:buClrTx/>
+                        <a:buSzTx/>
+                        <a:buFontTx/>
+                        <a:buNone/>
+                        <a:tabLst/>
+                        <a:defRPr/>
+                      </a:pPr>
+                      <a:r>
+                        <a:rPr lang="en-US" altLang="ko-KR" sz="1600" dirty="0" err="1"/>
+                        <a:t>disease_type</a:t>
+                      </a:r>
+                      <a:endParaRPr lang="ko-KR" altLang="en-US" sz="1600" dirty="0"/>
+                    </a:p>
+                  </a:txBody>
+                  <a:tcPr anchor="ctr"/>
+                </a:tc>
+                <a:tc>
+                  <a:txBody>
+                    <a:bodyPr/>
+                    <a:lstStyle/>
+                    <a:p>
+                      <a:pPr marL="0" marR="0" lvl="0" indent="0" algn="ctr" defTabSz="914400" rtl="0" eaLnBrk="1" fontAlgn="auto" latinLnBrk="1" hangingPunct="1">
+                        <a:lnSpc>
+                          <a:spcPct val="100000"/>
+                        </a:lnSpc>
+                        <a:spcBef>
+                          <a:spcPts val="0"/>
+                        </a:spcBef>
+                        <a:spcAft>
+                          <a:spcPts val="0"/>
+                        </a:spcAft>
+                        <a:buClrTx/>
+                        <a:buSzTx/>
+                        <a:buFontTx/>
+                        <a:buNone/>
+                        <a:tabLst/>
+                        <a:defRPr/>
+                      </a:pPr>
+                      <a:r>
+                        <a:rPr lang="en-US" altLang="ko-KR" sz="1600" dirty="0" err="1"/>
+                        <a:t>CharField</a:t>
+                      </a:r>
+                      <a:endParaRPr lang="ko-KR" altLang="en-US" sz="1600" dirty="0"/>
+                    </a:p>
+                  </a:txBody>
+                  <a:tcPr anchor="ctr"/>
+                </a:tc>
+                <a:tc>
+                  <a:txBody>
+                    <a:bodyPr/>
+                    <a:lstStyle/>
+                    <a:p>
+                      <a:pPr algn="ctr" latinLnBrk="1"/>
+                      <a:r>
+                        <a:rPr lang="en-US" altLang="ko-KR" sz="1600" dirty="0"/>
+                        <a:t>…</a:t>
+                      </a:r>
+                      <a:endParaRPr lang="ko-KR" altLang="en-US" sz="1600" dirty="0"/>
+                    </a:p>
+                  </a:txBody>
+                  <a:tcPr anchor="ctr"/>
+                </a:tc>
+                <a:tc>
+                  <a:txBody>
+                    <a:bodyPr/>
+                    <a:lstStyle/>
+                    <a:p>
+                      <a:pPr marL="0" marR="0" lvl="0" indent="0" algn="l" defTabSz="914400" rtl="0" eaLnBrk="1" fontAlgn="auto" latinLnBrk="1" hangingPunct="1">
+                        <a:lnSpc>
+                          <a:spcPct val="100000"/>
+                        </a:lnSpc>
+                        <a:spcBef>
+                          <a:spcPts val="0"/>
+                        </a:spcBef>
+                        <a:spcAft>
+                          <a:spcPts val="0"/>
+                        </a:spcAft>
+                        <a:buClrTx/>
+                        <a:buSzTx/>
+                        <a:buFontTx/>
+                        <a:buNone/>
+                        <a:tabLst/>
+                        <a:defRPr/>
+                      </a:pPr>
+                      <a:r>
+                        <a:rPr lang="ko-KR" altLang="en-US" sz="1200" dirty="0"/>
+                        <a:t>전문가 검토 후 입력</a:t>
+                      </a:r>
+                    </a:p>
+                  </a:txBody>
+                  <a:tcPr anchor="ctr"/>
+                </a:tc>
+                <a:extLst>
+                  <a:ext uri="{0D108BD9-81ED-4DB2-BD59-A6C34878D82A}">
+                    <a16:rowId xmlns:a16="http://schemas.microsoft.com/office/drawing/2014/main" val="154579639"/>
+                  </a:ext>
+                </a:extLst>
+              </a:tr>
+              <a:tr h="334283">
+                <a:tc>
+                  <a:txBody>
+                    <a:bodyPr/>
+                    <a:lstStyle/>
+                    <a:p>
+                      <a:pPr latinLnBrk="1"/>
+                      <a:endParaRPr lang="ko-KR" altLang="en-US" sz="1600"/>
+                    </a:p>
+                  </a:txBody>
+                  <a:tcPr anchor="ctr"/>
+                </a:tc>
+                <a:tc>
+                  <a:txBody>
+                    <a:bodyPr/>
+                    <a:lstStyle/>
+                    <a:p>
+                      <a:pPr latinLnBrk="1"/>
+                      <a:endParaRPr lang="ko-KR" altLang="en-US" sz="1600"/>
+                    </a:p>
+                  </a:txBody>
+                  <a:tcPr anchor="ctr"/>
+                </a:tc>
+                <a:tc>
+                  <a:txBody>
+                    <a:bodyPr/>
+                    <a:lstStyle/>
+                    <a:p>
+                      <a:pPr latinLnBrk="1"/>
+                      <a:endParaRPr lang="ko-KR" altLang="en-US" sz="1600" dirty="0"/>
+                    </a:p>
+                  </a:txBody>
+                  <a:tcPr anchor="ctr"/>
+                </a:tc>
+                <a:tc>
+                  <a:txBody>
+                    <a:bodyPr/>
+                    <a:lstStyle/>
+                    <a:p>
+                      <a:pPr latinLnBrk="1"/>
+                      <a:endParaRPr lang="ko-KR" altLang="en-US" sz="1600" dirty="0"/>
+                    </a:p>
+                  </a:txBody>
+                  <a:tcPr anchor="ctr"/>
+                </a:tc>
+                <a:tc>
+                  <a:txBody>
+                    <a:bodyPr/>
+                    <a:lstStyle/>
+                    <a:p>
+                      <a:pPr latinLnBrk="1"/>
+                      <a:endParaRPr lang="ko-KR" altLang="en-US" sz="1200" dirty="0"/>
+                    </a:p>
+                  </a:txBody>
+                  <a:tcPr anchor="ctr"/>
+                </a:tc>
+                <a:extLst>
+                  <a:ext uri="{0D108BD9-81ED-4DB2-BD59-A6C34878D82A}">
+                    <a16:rowId xmlns:a16="http://schemas.microsoft.com/office/drawing/2014/main" val="4262425730"/>
+                  </a:ext>
+                </a:extLst>
+              </a:tr>
+            </a:tbl>
+          </a:graphicData>
+        </a:graphic>
+      </p:graphicFrame>
+      <p:sp>
+        <p:nvSpPr>
+          <p:cNvPr id="5" name="직사각형 4">
+            <a:extLst>
+              <a:ext uri="{FF2B5EF4-FFF2-40B4-BE49-F238E27FC236}">
+                <a16:creationId xmlns:a16="http://schemas.microsoft.com/office/drawing/2014/main" id="{2C100AB5-CAF1-42CE-BD04-D672AEA7EB8A}"/>
+              </a:ext>
+            </a:extLst>
+          </p:cNvPr>
+          <p:cNvSpPr/>
+          <p:nvPr/>
+        </p:nvSpPr>
+        <p:spPr>
+          <a:xfrm>
+            <a:off x="838199" y="6367427"/>
+            <a:ext cx="10670177" cy="462723"/>
+          </a:xfrm>
+          <a:prstGeom prst="rect">
+            <a:avLst/>
+          </a:prstGeom>
+        </p:spPr>
+        <p:style>
+          <a:lnRef idx="2">
+            <a:schemeClr val="dk1"/>
+          </a:lnRef>
+          <a:fillRef idx="1">
+            <a:schemeClr val="lt1"/>
+          </a:fillRef>
+          <a:effectRef idx="0">
+            <a:schemeClr val="dk1"/>
+          </a:effectRef>
+          <a:fontRef idx="minor">
+            <a:schemeClr val="dk1"/>
+          </a:fontRef>
+        </p:style>
+        <p:txBody>
+          <a:bodyPr rtlCol="0" anchor="ctr"/>
+          <a:lstStyle/>
+          <a:p>
+            <a:r>
+              <a:rPr lang="en-US" altLang="ko-KR" sz="1050" dirty="0"/>
+              <a:t>+. </a:t>
+            </a:r>
+            <a:r>
+              <a:rPr lang="ko-KR" altLang="en-US" sz="1050" dirty="0"/>
+              <a:t>댓글 추가 요청이 있었는데</a:t>
+            </a:r>
+            <a:r>
+              <a:rPr lang="en-US" altLang="ko-KR" sz="1050" dirty="0"/>
+              <a:t>, </a:t>
+            </a:r>
+            <a:r>
+              <a:rPr lang="ko-KR" altLang="en-US" sz="1050" dirty="0"/>
+              <a:t>일반 사용자 코멘트라면 </a:t>
+            </a:r>
+            <a:r>
+              <a:rPr lang="en-US" altLang="ko-KR" sz="1050" dirty="0"/>
+              <a:t>DISQUS </a:t>
+            </a:r>
+            <a:r>
+              <a:rPr lang="ko-KR" altLang="en-US" sz="1050" dirty="0" err="1"/>
+              <a:t>같은거</a:t>
+            </a:r>
+            <a:r>
+              <a:rPr lang="ko-KR" altLang="en-US" sz="1050" dirty="0"/>
+              <a:t> 붙여서 간단히 만들어도 좋을 것 같고</a:t>
+            </a:r>
+            <a:r>
+              <a:rPr lang="en-US" altLang="ko-KR" sz="1050" dirty="0"/>
+              <a:t>, </a:t>
+            </a:r>
+            <a:r>
+              <a:rPr lang="ko-KR" altLang="en-US" sz="1050" dirty="0"/>
+              <a:t>관리용 댓글이면 내부 데이터로 정의해서 쓰는 것이 좋겠습니다</a:t>
+            </a:r>
+            <a:r>
+              <a:rPr lang="en-US" altLang="ko-KR" sz="1050" dirty="0"/>
+              <a:t>.</a:t>
+            </a:r>
+          </a:p>
+          <a:p>
+            <a:r>
+              <a:rPr lang="en-US" altLang="ko-KR" sz="1050" dirty="0"/>
+              <a:t>+. </a:t>
+            </a:r>
+            <a:r>
+              <a:rPr lang="ko-KR" altLang="en-US" sz="1050" dirty="0"/>
+              <a:t>전문가 검토 후 입력하는 내용은 검토에 따라 내용이 달라질 수도 있어서 수정 이력을 남기는 것이 좋을지 고려 해 </a:t>
+            </a:r>
+            <a:r>
+              <a:rPr lang="ko-KR" altLang="en-US" sz="1050" dirty="0" err="1"/>
+              <a:t>봐야겠습니다</a:t>
+            </a:r>
+            <a:r>
+              <a:rPr lang="en-US" altLang="ko-KR" sz="1050" dirty="0"/>
+              <a:t>.</a:t>
+            </a:r>
+            <a:endParaRPr lang="ko-KR" altLang="en-US" sz="1050" dirty="0"/>
+          </a:p>
+        </p:txBody>
+      </p:sp>
+      <p:sp>
+        <p:nvSpPr>
+          <p:cNvPr id="6" name="직사각형 5">
+            <a:extLst>
+              <a:ext uri="{FF2B5EF4-FFF2-40B4-BE49-F238E27FC236}">
+                <a16:creationId xmlns:a16="http://schemas.microsoft.com/office/drawing/2014/main" id="{506E0664-444C-4A47-A8A1-672ABEBE16F0}"/>
+              </a:ext>
+            </a:extLst>
+          </p:cNvPr>
+          <p:cNvSpPr/>
+          <p:nvPr/>
+        </p:nvSpPr>
+        <p:spPr>
+          <a:xfrm>
+            <a:off x="3909060" y="201753"/>
+            <a:ext cx="7690758" cy="462723"/>
+          </a:xfrm>
+          <a:prstGeom prst="rect">
+            <a:avLst/>
+          </a:prstGeom>
+        </p:spPr>
+        <p:style>
+          <a:lnRef idx="2">
+            <a:schemeClr val="dk1">
+              <a:shade val="50000"/>
+            </a:schemeClr>
+          </a:lnRef>
+          <a:fillRef idx="1">
+            <a:schemeClr val="dk1"/>
+          </a:fillRef>
+          <a:effectRef idx="0">
+            <a:schemeClr val="dk1"/>
+          </a:effectRef>
+          <a:fontRef idx="minor">
+            <a:schemeClr val="lt1"/>
+          </a:fontRef>
+        </p:style>
+        <p:txBody>
+          <a:bodyPr rtlCol="0" anchor="ctr"/>
+          <a:lstStyle/>
+          <a:p>
+            <a:r>
+              <a:rPr lang="en-US" altLang="ko-KR" sz="1200" dirty="0"/>
+              <a:t>Attribute </a:t>
+            </a:r>
+            <a:r>
+              <a:rPr lang="ko-KR" altLang="en-US" sz="1200" dirty="0"/>
+              <a:t>영문 표기는 가급적 해당 분야 표준 용어를 쓰는 것이 좋을 것 같습니다</a:t>
+            </a:r>
+            <a:r>
+              <a:rPr lang="en-US" altLang="ko-KR" sz="1200" dirty="0"/>
+              <a:t>. </a:t>
+            </a:r>
+            <a:r>
+              <a:rPr lang="ko-KR" altLang="en-US" sz="1200" dirty="0"/>
+              <a:t>확인 후 적용 할 예정입니다</a:t>
+            </a:r>
+            <a:r>
+              <a:rPr lang="en-US" altLang="ko-KR" sz="1200" dirty="0"/>
+              <a:t>.</a:t>
+            </a:r>
+            <a:endParaRPr lang="ko-KR" altLang="en-US" sz="1200" dirty="0"/>
+          </a:p>
+        </p:txBody>
+      </p:sp>
+    </p:spTree>
+    <p:extLst>
+      <p:ext uri="{BB962C8B-B14F-4D97-AF65-F5344CB8AC3E}">
+        <p14:creationId xmlns:p14="http://schemas.microsoft.com/office/powerpoint/2010/main" val="591809942"/>
       </p:ext>
     </p:extLst>
   </p:cSld>

--- a/Documents/c4k_query_ID_sentences.pptx
+++ b/Documents/c4k_query_ID_sentences.pptx
@@ -14,6 +14,7 @@
     <p:sldId id="261" r:id="rId8"/>
     <p:sldId id="262" r:id="rId9"/>
     <p:sldId id="264" r:id="rId10"/>
+    <p:sldId id="265" r:id="rId11"/>
   </p:sldIdLst>
   <p:sldSz cx="12192000" cy="6858000"/>
   <p:notesSz cx="6858000" cy="9144000"/>
@@ -3546,6 +3547,638 @@
 </p:sld>
 </file>
 
+<file path=ppt/slides/slide10.xml><?xml version="1.0" encoding="utf-8"?>
+<p:sld xmlns:a="http://schemas.openxmlformats.org/drawingml/2006/main" xmlns:r="http://schemas.openxmlformats.org/officeDocument/2006/relationships" xmlns:p="http://schemas.openxmlformats.org/presentationml/2006/main">
+  <p:cSld>
+    <p:spTree>
+      <p:nvGrpSpPr>
+        <p:cNvPr id="1" name=""/>
+        <p:cNvGrpSpPr/>
+        <p:nvPr/>
+      </p:nvGrpSpPr>
+      <p:grpSpPr>
+        <a:xfrm>
+          <a:off x="0" y="0"/>
+          <a:ext cx="0" cy="0"/>
+          <a:chOff x="0" y="0"/>
+          <a:chExt cx="0" cy="0"/>
+        </a:xfrm>
+      </p:grpSpPr>
+      <p:sp>
+        <p:nvSpPr>
+          <p:cNvPr id="2" name="제목 1">
+            <a:extLst>
+              <a:ext uri="{FF2B5EF4-FFF2-40B4-BE49-F238E27FC236}">
+                <a16:creationId xmlns:a16="http://schemas.microsoft.com/office/drawing/2014/main" id="{0AB91AA1-44EC-438F-8113-CBEF759D98EF}"/>
+              </a:ext>
+            </a:extLst>
+          </p:cNvPr>
+          <p:cNvSpPr>
+            <a:spLocks noGrp="1"/>
+          </p:cNvSpPr>
+          <p:nvPr>
+            <p:ph type="title"/>
+          </p:nvPr>
+        </p:nvSpPr>
+        <p:spPr/>
+        <p:txBody>
+          <a:bodyPr/>
+          <a:lstStyle/>
+          <a:p>
+            <a:r>
+              <a:rPr lang="ko-KR" altLang="en-US" dirty="0"/>
+              <a:t>판결문 목록 화면 </a:t>
+            </a:r>
+            <a:r>
+              <a:rPr lang="en-US" altLang="ko-KR" dirty="0"/>
+              <a:t>layout</a:t>
+            </a:r>
+            <a:endParaRPr lang="ko-KR" altLang="en-US" dirty="0"/>
+          </a:p>
+        </p:txBody>
+      </p:sp>
+      <p:graphicFrame>
+        <p:nvGraphicFramePr>
+          <p:cNvPr id="6" name="내용 개체 틀 3">
+            <a:extLst>
+              <a:ext uri="{FF2B5EF4-FFF2-40B4-BE49-F238E27FC236}">
+                <a16:creationId xmlns:a16="http://schemas.microsoft.com/office/drawing/2014/main" id="{8AAE222A-3783-4603-B392-687B57F4C463}"/>
+              </a:ext>
+            </a:extLst>
+          </p:cNvPr>
+          <p:cNvGraphicFramePr>
+            <a:graphicFrameLocks/>
+          </p:cNvGraphicFramePr>
+          <p:nvPr>
+            <p:extLst>
+              <p:ext uri="{D42A27DB-BD31-4B8C-83A1-F6EECF244321}">
+                <p14:modId xmlns:p14="http://schemas.microsoft.com/office/powerpoint/2010/main" val="50902866"/>
+              </p:ext>
+            </p:extLst>
+          </p:nvPr>
+        </p:nvGraphicFramePr>
+        <p:xfrm>
+          <a:off x="838199" y="1825625"/>
+          <a:ext cx="10421983" cy="1854200"/>
+        </p:xfrm>
+        <a:graphic>
+          <a:graphicData uri="http://schemas.openxmlformats.org/drawingml/2006/table">
+            <a:tbl>
+              <a:tblPr firstRow="1" bandRow="1">
+                <a:tableStyleId>{F5AB1C69-6EDB-4FF4-983F-18BD219EF322}</a:tableStyleId>
+              </a:tblPr>
+              <a:tblGrid>
+                <a:gridCol w="1485689">
+                  <a:extLst>
+                    <a:ext uri="{9D8B030D-6E8A-4147-A177-3AD203B41FA5}">
+                      <a16:colId xmlns:a16="http://schemas.microsoft.com/office/drawing/2014/main" val="4002484795"/>
+                    </a:ext>
+                  </a:extLst>
+                </a:gridCol>
+                <a:gridCol w="840286">
+                  <a:extLst>
+                    <a:ext uri="{9D8B030D-6E8A-4147-A177-3AD203B41FA5}">
+                      <a16:colId xmlns:a16="http://schemas.microsoft.com/office/drawing/2014/main" val="2762566650"/>
+                    </a:ext>
+                  </a:extLst>
+                </a:gridCol>
+                <a:gridCol w="840286">
+                  <a:extLst>
+                    <a:ext uri="{9D8B030D-6E8A-4147-A177-3AD203B41FA5}">
+                      <a16:colId xmlns:a16="http://schemas.microsoft.com/office/drawing/2014/main" val="2333255030"/>
+                    </a:ext>
+                  </a:extLst>
+                </a:gridCol>
+                <a:gridCol w="1401876">
+                  <a:extLst>
+                    <a:ext uri="{9D8B030D-6E8A-4147-A177-3AD203B41FA5}">
+                      <a16:colId xmlns:a16="http://schemas.microsoft.com/office/drawing/2014/main" val="681844360"/>
+                    </a:ext>
+                  </a:extLst>
+                </a:gridCol>
+                <a:gridCol w="1461062">
+                  <a:extLst>
+                    <a:ext uri="{9D8B030D-6E8A-4147-A177-3AD203B41FA5}">
+                      <a16:colId xmlns:a16="http://schemas.microsoft.com/office/drawing/2014/main" val="1218110038"/>
+                    </a:ext>
+                  </a:extLst>
+                </a:gridCol>
+                <a:gridCol w="2196392">
+                  <a:extLst>
+                    <a:ext uri="{9D8B030D-6E8A-4147-A177-3AD203B41FA5}">
+                      <a16:colId xmlns:a16="http://schemas.microsoft.com/office/drawing/2014/main" val="1234095405"/>
+                    </a:ext>
+                  </a:extLst>
+                </a:gridCol>
+                <a:gridCol w="2196392">
+                  <a:extLst>
+                    <a:ext uri="{9D8B030D-6E8A-4147-A177-3AD203B41FA5}">
+                      <a16:colId xmlns:a16="http://schemas.microsoft.com/office/drawing/2014/main" val="3051036229"/>
+                    </a:ext>
+                  </a:extLst>
+                </a:gridCol>
+              </a:tblGrid>
+              <a:tr h="370840">
+                <a:tc>
+                  <a:txBody>
+                    <a:bodyPr/>
+                    <a:lstStyle/>
+                    <a:p>
+                      <a:pPr algn="ctr" latinLnBrk="1"/>
+                      <a:r>
+                        <a:rPr lang="ko-KR" altLang="en-US" dirty="0"/>
+                        <a:t>사건번호</a:t>
+                      </a:r>
+                    </a:p>
+                  </a:txBody>
+                  <a:tcPr/>
+                </a:tc>
+                <a:tc>
+                  <a:txBody>
+                    <a:bodyPr/>
+                    <a:lstStyle/>
+                    <a:p>
+                      <a:pPr algn="ctr" latinLnBrk="1"/>
+                      <a:r>
+                        <a:rPr lang="ko-KR" altLang="en-US" dirty="0"/>
+                        <a:t>제목</a:t>
+                      </a:r>
+                    </a:p>
+                  </a:txBody>
+                  <a:tcPr/>
+                </a:tc>
+                <a:tc>
+                  <a:txBody>
+                    <a:bodyPr/>
+                    <a:lstStyle/>
+                    <a:p>
+                      <a:pPr algn="ctr" latinLnBrk="1"/>
+                      <a:r>
+                        <a:rPr lang="ko-KR" altLang="en-US" dirty="0"/>
+                        <a:t>법원</a:t>
+                      </a:r>
+                    </a:p>
+                  </a:txBody>
+                  <a:tcPr/>
+                </a:tc>
+                <a:tc>
+                  <a:txBody>
+                    <a:bodyPr/>
+                    <a:lstStyle/>
+                    <a:p>
+                      <a:pPr algn="ctr" latinLnBrk="1"/>
+                      <a:r>
+                        <a:rPr lang="ko-KR" altLang="en-US" dirty="0"/>
+                        <a:t>판결유형</a:t>
+                      </a:r>
+                    </a:p>
+                  </a:txBody>
+                  <a:tcPr/>
+                </a:tc>
+                <a:tc>
+                  <a:txBody>
+                    <a:bodyPr/>
+                    <a:lstStyle/>
+                    <a:p>
+                      <a:pPr algn="ctr" latinLnBrk="1"/>
+                      <a:r>
+                        <a:rPr lang="ko-KR" altLang="en-US" dirty="0"/>
+                        <a:t>사건유형</a:t>
+                      </a:r>
+                    </a:p>
+                  </a:txBody>
+                  <a:tcPr/>
+                </a:tc>
+                <a:tc>
+                  <a:txBody>
+                    <a:bodyPr/>
+                    <a:lstStyle/>
+                    <a:p>
+                      <a:pPr algn="ctr" latinLnBrk="1"/>
+                      <a:r>
+                        <a:rPr lang="ko-KR" altLang="en-US" dirty="0"/>
+                        <a:t>사고질병 구분</a:t>
+                      </a:r>
+                    </a:p>
+                  </a:txBody>
+                  <a:tcPr/>
+                </a:tc>
+                <a:tc>
+                  <a:txBody>
+                    <a:bodyPr/>
+                    <a:lstStyle/>
+                    <a:p>
+                      <a:pPr algn="ctr" latinLnBrk="1"/>
+                      <a:r>
+                        <a:rPr lang="ko-KR" altLang="en-US" dirty="0"/>
+                        <a:t>연관사건</a:t>
+                      </a:r>
+                    </a:p>
+                  </a:txBody>
+                  <a:tcPr/>
+                </a:tc>
+                <a:extLst>
+                  <a:ext uri="{0D108BD9-81ED-4DB2-BD59-A6C34878D82A}">
+                    <a16:rowId xmlns:a16="http://schemas.microsoft.com/office/drawing/2014/main" val="3002792626"/>
+                  </a:ext>
+                </a:extLst>
+              </a:tr>
+              <a:tr h="370840">
+                <a:tc>
+                  <a:txBody>
+                    <a:bodyPr/>
+                    <a:lstStyle/>
+                    <a:p>
+                      <a:pPr algn="ctr" latinLnBrk="1"/>
+                      <a:endParaRPr lang="ko-KR" altLang="en-US" sz="1200" dirty="0"/>
+                    </a:p>
+                  </a:txBody>
+                  <a:tcPr anchor="ctr"/>
+                </a:tc>
+                <a:tc>
+                  <a:txBody>
+                    <a:bodyPr/>
+                    <a:lstStyle/>
+                    <a:p>
+                      <a:pPr latinLnBrk="1"/>
+                      <a:endParaRPr lang="ko-KR" altLang="en-US" sz="1200" dirty="0"/>
+                    </a:p>
+                  </a:txBody>
+                  <a:tcPr anchor="ctr"/>
+                </a:tc>
+                <a:tc>
+                  <a:txBody>
+                    <a:bodyPr/>
+                    <a:lstStyle/>
+                    <a:p>
+                      <a:pPr latinLnBrk="1"/>
+                      <a:endParaRPr lang="ko-KR" altLang="en-US" sz="1200" dirty="0"/>
+                    </a:p>
+                  </a:txBody>
+                  <a:tcPr anchor="ctr"/>
+                </a:tc>
+                <a:tc>
+                  <a:txBody>
+                    <a:bodyPr/>
+                    <a:lstStyle/>
+                    <a:p>
+                      <a:pPr algn="ctr" latinLnBrk="1"/>
+                      <a:endParaRPr lang="ko-KR" altLang="en-US" sz="1200" dirty="0"/>
+                    </a:p>
+                  </a:txBody>
+                  <a:tcPr anchor="ctr"/>
+                </a:tc>
+                <a:tc>
+                  <a:txBody>
+                    <a:bodyPr/>
+                    <a:lstStyle/>
+                    <a:p>
+                      <a:pPr algn="ctr" latinLnBrk="1"/>
+                      <a:endParaRPr lang="ko-KR" altLang="en-US" sz="1200" dirty="0"/>
+                    </a:p>
+                  </a:txBody>
+                  <a:tcPr anchor="ctr"/>
+                </a:tc>
+                <a:tc>
+                  <a:txBody>
+                    <a:bodyPr/>
+                    <a:lstStyle/>
+                    <a:p>
+                      <a:pPr algn="ctr" latinLnBrk="1"/>
+                      <a:endParaRPr lang="ko-KR" altLang="en-US" sz="1200" dirty="0"/>
+                    </a:p>
+                  </a:txBody>
+                  <a:tcPr anchor="ctr"/>
+                </a:tc>
+                <a:tc>
+                  <a:txBody>
+                    <a:bodyPr/>
+                    <a:lstStyle/>
+                    <a:p>
+                      <a:pPr algn="ctr" latinLnBrk="1"/>
+                      <a:endParaRPr lang="ko-KR" altLang="en-US" sz="1200" dirty="0"/>
+                    </a:p>
+                  </a:txBody>
+                  <a:tcPr anchor="ctr"/>
+                </a:tc>
+                <a:extLst>
+                  <a:ext uri="{0D108BD9-81ED-4DB2-BD59-A6C34878D82A}">
+                    <a16:rowId xmlns:a16="http://schemas.microsoft.com/office/drawing/2014/main" val="1471688509"/>
+                  </a:ext>
+                </a:extLst>
+              </a:tr>
+              <a:tr h="370840">
+                <a:tc>
+                  <a:txBody>
+                    <a:bodyPr/>
+                    <a:lstStyle/>
+                    <a:p>
+                      <a:pPr algn="ctr" latinLnBrk="1"/>
+                      <a:endParaRPr lang="ko-KR" altLang="en-US" sz="1200" dirty="0"/>
+                    </a:p>
+                  </a:txBody>
+                  <a:tcPr anchor="ctr"/>
+                </a:tc>
+                <a:tc>
+                  <a:txBody>
+                    <a:bodyPr/>
+                    <a:lstStyle/>
+                    <a:p>
+                      <a:pPr latinLnBrk="1"/>
+                      <a:endParaRPr lang="ko-KR" altLang="en-US" sz="1200" dirty="0"/>
+                    </a:p>
+                  </a:txBody>
+                  <a:tcPr anchor="ctr"/>
+                </a:tc>
+                <a:tc>
+                  <a:txBody>
+                    <a:bodyPr/>
+                    <a:lstStyle/>
+                    <a:p>
+                      <a:pPr latinLnBrk="1"/>
+                      <a:endParaRPr lang="ko-KR" altLang="en-US" sz="1200" dirty="0"/>
+                    </a:p>
+                  </a:txBody>
+                  <a:tcPr anchor="ctr"/>
+                </a:tc>
+                <a:tc>
+                  <a:txBody>
+                    <a:bodyPr/>
+                    <a:lstStyle/>
+                    <a:p>
+                      <a:pPr algn="ctr" latinLnBrk="1"/>
+                      <a:endParaRPr lang="ko-KR" altLang="en-US" sz="1200" dirty="0"/>
+                    </a:p>
+                  </a:txBody>
+                  <a:tcPr anchor="ctr"/>
+                </a:tc>
+                <a:tc>
+                  <a:txBody>
+                    <a:bodyPr/>
+                    <a:lstStyle/>
+                    <a:p>
+                      <a:pPr algn="ctr" latinLnBrk="1"/>
+                      <a:endParaRPr lang="ko-KR" altLang="en-US" sz="1200" dirty="0"/>
+                    </a:p>
+                  </a:txBody>
+                  <a:tcPr anchor="ctr"/>
+                </a:tc>
+                <a:tc>
+                  <a:txBody>
+                    <a:bodyPr/>
+                    <a:lstStyle/>
+                    <a:p>
+                      <a:pPr algn="ctr" latinLnBrk="1"/>
+                      <a:endParaRPr lang="ko-KR" altLang="en-US" sz="1200" dirty="0"/>
+                    </a:p>
+                  </a:txBody>
+                  <a:tcPr anchor="ctr"/>
+                </a:tc>
+                <a:tc>
+                  <a:txBody>
+                    <a:bodyPr/>
+                    <a:lstStyle/>
+                    <a:p>
+                      <a:pPr algn="ctr" latinLnBrk="1"/>
+                      <a:endParaRPr lang="ko-KR" altLang="en-US" sz="1200" dirty="0"/>
+                    </a:p>
+                  </a:txBody>
+                  <a:tcPr anchor="ctr"/>
+                </a:tc>
+                <a:extLst>
+                  <a:ext uri="{0D108BD9-81ED-4DB2-BD59-A6C34878D82A}">
+                    <a16:rowId xmlns:a16="http://schemas.microsoft.com/office/drawing/2014/main" val="3634608338"/>
+                  </a:ext>
+                </a:extLst>
+              </a:tr>
+              <a:tr h="370840">
+                <a:tc>
+                  <a:txBody>
+                    <a:bodyPr/>
+                    <a:lstStyle/>
+                    <a:p>
+                      <a:pPr algn="ctr" latinLnBrk="1"/>
+                      <a:endParaRPr lang="ko-KR" altLang="en-US" sz="1200" dirty="0"/>
+                    </a:p>
+                  </a:txBody>
+                  <a:tcPr anchor="ctr"/>
+                </a:tc>
+                <a:tc>
+                  <a:txBody>
+                    <a:bodyPr/>
+                    <a:lstStyle/>
+                    <a:p>
+                      <a:pPr latinLnBrk="1"/>
+                      <a:endParaRPr lang="ko-KR" altLang="en-US" sz="1200" dirty="0"/>
+                    </a:p>
+                  </a:txBody>
+                  <a:tcPr anchor="ctr"/>
+                </a:tc>
+                <a:tc>
+                  <a:txBody>
+                    <a:bodyPr/>
+                    <a:lstStyle/>
+                    <a:p>
+                      <a:pPr latinLnBrk="1"/>
+                      <a:endParaRPr lang="ko-KR" altLang="en-US" sz="1200" dirty="0"/>
+                    </a:p>
+                  </a:txBody>
+                  <a:tcPr anchor="ctr"/>
+                </a:tc>
+                <a:tc>
+                  <a:txBody>
+                    <a:bodyPr/>
+                    <a:lstStyle/>
+                    <a:p>
+                      <a:pPr algn="ctr" latinLnBrk="1"/>
+                      <a:endParaRPr lang="ko-KR" altLang="en-US" sz="1200" dirty="0"/>
+                    </a:p>
+                  </a:txBody>
+                  <a:tcPr anchor="ctr"/>
+                </a:tc>
+                <a:tc>
+                  <a:txBody>
+                    <a:bodyPr/>
+                    <a:lstStyle/>
+                    <a:p>
+                      <a:pPr algn="ctr" latinLnBrk="1"/>
+                      <a:endParaRPr lang="ko-KR" altLang="en-US" sz="1200" dirty="0"/>
+                    </a:p>
+                  </a:txBody>
+                  <a:tcPr anchor="ctr"/>
+                </a:tc>
+                <a:tc>
+                  <a:txBody>
+                    <a:bodyPr/>
+                    <a:lstStyle/>
+                    <a:p>
+                      <a:pPr algn="ctr" latinLnBrk="1"/>
+                      <a:endParaRPr lang="ko-KR" altLang="en-US" sz="1200" dirty="0"/>
+                    </a:p>
+                  </a:txBody>
+                  <a:tcPr anchor="ctr"/>
+                </a:tc>
+                <a:tc>
+                  <a:txBody>
+                    <a:bodyPr/>
+                    <a:lstStyle/>
+                    <a:p>
+                      <a:pPr algn="ctr" latinLnBrk="1"/>
+                      <a:endParaRPr lang="ko-KR" altLang="en-US" sz="1200" dirty="0"/>
+                    </a:p>
+                  </a:txBody>
+                  <a:tcPr anchor="ctr"/>
+                </a:tc>
+                <a:extLst>
+                  <a:ext uri="{0D108BD9-81ED-4DB2-BD59-A6C34878D82A}">
+                    <a16:rowId xmlns:a16="http://schemas.microsoft.com/office/drawing/2014/main" val="3097298659"/>
+                  </a:ext>
+                </a:extLst>
+              </a:tr>
+              <a:tr h="370840">
+                <a:tc>
+                  <a:txBody>
+                    <a:bodyPr/>
+                    <a:lstStyle/>
+                    <a:p>
+                      <a:pPr algn="ctr" latinLnBrk="1"/>
+                      <a:endParaRPr lang="ko-KR" altLang="en-US" sz="1200" dirty="0"/>
+                    </a:p>
+                  </a:txBody>
+                  <a:tcPr anchor="ctr"/>
+                </a:tc>
+                <a:tc>
+                  <a:txBody>
+                    <a:bodyPr/>
+                    <a:lstStyle/>
+                    <a:p>
+                      <a:pPr latinLnBrk="1"/>
+                      <a:endParaRPr lang="ko-KR" altLang="en-US" sz="1200" dirty="0"/>
+                    </a:p>
+                  </a:txBody>
+                  <a:tcPr anchor="ctr"/>
+                </a:tc>
+                <a:tc>
+                  <a:txBody>
+                    <a:bodyPr/>
+                    <a:lstStyle/>
+                    <a:p>
+                      <a:pPr latinLnBrk="1"/>
+                      <a:endParaRPr lang="ko-KR" altLang="en-US" sz="1200" dirty="0"/>
+                    </a:p>
+                  </a:txBody>
+                  <a:tcPr anchor="ctr"/>
+                </a:tc>
+                <a:tc>
+                  <a:txBody>
+                    <a:bodyPr/>
+                    <a:lstStyle/>
+                    <a:p>
+                      <a:pPr algn="ctr" latinLnBrk="1"/>
+                      <a:endParaRPr lang="ko-KR" altLang="en-US" sz="1200" dirty="0"/>
+                    </a:p>
+                  </a:txBody>
+                  <a:tcPr anchor="ctr"/>
+                </a:tc>
+                <a:tc>
+                  <a:txBody>
+                    <a:bodyPr/>
+                    <a:lstStyle/>
+                    <a:p>
+                      <a:pPr algn="ctr" latinLnBrk="1"/>
+                      <a:endParaRPr lang="ko-KR" altLang="en-US" sz="1200" dirty="0"/>
+                    </a:p>
+                  </a:txBody>
+                  <a:tcPr anchor="ctr"/>
+                </a:tc>
+                <a:tc>
+                  <a:txBody>
+                    <a:bodyPr/>
+                    <a:lstStyle/>
+                    <a:p>
+                      <a:pPr algn="ctr" latinLnBrk="1"/>
+                      <a:endParaRPr lang="ko-KR" altLang="en-US" sz="1200" dirty="0"/>
+                    </a:p>
+                  </a:txBody>
+                  <a:tcPr anchor="ctr"/>
+                </a:tc>
+                <a:tc>
+                  <a:txBody>
+                    <a:bodyPr/>
+                    <a:lstStyle/>
+                    <a:p>
+                      <a:pPr algn="ctr" latinLnBrk="1"/>
+                      <a:endParaRPr lang="ko-KR" altLang="en-US" sz="1200" dirty="0"/>
+                    </a:p>
+                  </a:txBody>
+                  <a:tcPr anchor="ctr"/>
+                </a:tc>
+                <a:extLst>
+                  <a:ext uri="{0D108BD9-81ED-4DB2-BD59-A6C34878D82A}">
+                    <a16:rowId xmlns:a16="http://schemas.microsoft.com/office/drawing/2014/main" val="1672674825"/>
+                  </a:ext>
+                </a:extLst>
+              </a:tr>
+            </a:tbl>
+          </a:graphicData>
+        </a:graphic>
+      </p:graphicFrame>
+      <p:sp>
+        <p:nvSpPr>
+          <p:cNvPr id="9" name="직사각형 8">
+            <a:extLst>
+              <a:ext uri="{FF2B5EF4-FFF2-40B4-BE49-F238E27FC236}">
+                <a16:creationId xmlns:a16="http://schemas.microsoft.com/office/drawing/2014/main" id="{BD4D095F-9170-4E47-9365-714E61F601B1}"/>
+              </a:ext>
+            </a:extLst>
+          </p:cNvPr>
+          <p:cNvSpPr/>
+          <p:nvPr/>
+        </p:nvSpPr>
+        <p:spPr>
+          <a:xfrm>
+            <a:off x="838199" y="4002326"/>
+            <a:ext cx="10421983" cy="462723"/>
+          </a:xfrm>
+          <a:prstGeom prst="rect">
+            <a:avLst/>
+          </a:prstGeom>
+        </p:spPr>
+        <p:style>
+          <a:lnRef idx="2">
+            <a:schemeClr val="dk1"/>
+          </a:lnRef>
+          <a:fillRef idx="1">
+            <a:schemeClr val="lt1"/>
+          </a:fillRef>
+          <a:effectRef idx="0">
+            <a:schemeClr val="dk1"/>
+          </a:effectRef>
+          <a:fontRef idx="minor">
+            <a:schemeClr val="dk1"/>
+          </a:fontRef>
+        </p:style>
+        <p:txBody>
+          <a:bodyPr rtlCol="0" anchor="ctr"/>
+          <a:lstStyle/>
+          <a:p>
+            <a:endParaRPr lang="ko-KR" altLang="en-US" sz="1050" dirty="0"/>
+          </a:p>
+        </p:txBody>
+      </p:sp>
+    </p:spTree>
+    <p:extLst>
+      <p:ext uri="{BB962C8B-B14F-4D97-AF65-F5344CB8AC3E}">
+        <p14:creationId xmlns:p14="http://schemas.microsoft.com/office/powerpoint/2010/main" val="652890418"/>
+      </p:ext>
+    </p:extLst>
+  </p:cSld>
+  <p:clrMapOvr>
+    <a:masterClrMapping/>
+  </p:clrMapOvr>
+</p:sld>
+</file>
+
 <file path=ppt/slides/slide2.xml><?xml version="1.0" encoding="utf-8"?>
 <p:sld xmlns:a="http://schemas.openxmlformats.org/drawingml/2006/main" xmlns:r="http://schemas.openxmlformats.org/officeDocument/2006/relationships" xmlns:p="http://schemas.openxmlformats.org/presentationml/2006/main">
   <p:cSld>

--- a/Documents/c4k_query_ID_sentences.pptx
+++ b/Documents/c4k_query_ID_sentences.pptx
@@ -15,6 +15,7 @@
     <p:sldId id="262" r:id="rId9"/>
     <p:sldId id="264" r:id="rId10"/>
     <p:sldId id="265" r:id="rId11"/>
+    <p:sldId id="266" r:id="rId12"/>
   </p:sldIdLst>
   <p:sldSz cx="12192000" cy="6858000"/>
   <p:notesSz cx="6858000" cy="9144000"/>
@@ -3591,7 +3592,7 @@
             </a:r>
             <a:r>
               <a:rPr lang="en-US" altLang="ko-KR" dirty="0"/>
-              <a:t>layout</a:t>
+              <a:t>layout  - /ruling</a:t>
             </a:r>
             <a:endParaRPr lang="ko-KR" altLang="en-US" dirty="0"/>
           </a:p>
@@ -3612,13 +3613,13 @@
           <p:nvPr>
             <p:extLst>
               <p:ext uri="{D42A27DB-BD31-4B8C-83A1-F6EECF244321}">
-                <p14:modId xmlns:p14="http://schemas.microsoft.com/office/powerpoint/2010/main" val="50902866"/>
+                <p14:modId xmlns:p14="http://schemas.microsoft.com/office/powerpoint/2010/main" val="3621134238"/>
               </p:ext>
             </p:extLst>
           </p:nvPr>
         </p:nvGraphicFramePr>
         <p:xfrm>
-          <a:off x="838199" y="1825625"/>
+          <a:off x="911134" y="3303559"/>
           <a:ext cx="10421983" cy="1854200"/>
         </p:xfrm>
         <a:graphic>
@@ -4137,8 +4138,8 @@
         </p:nvSpPr>
         <p:spPr>
           <a:xfrm>
-            <a:off x="838199" y="4002326"/>
-            <a:ext cx="10421983" cy="462723"/>
+            <a:off x="728254" y="5778789"/>
+            <a:ext cx="1813561" cy="734955"/>
           </a:xfrm>
           <a:prstGeom prst="rect">
             <a:avLst/>
@@ -4146,23 +4147,647 @@
         </p:spPr>
         <p:style>
           <a:lnRef idx="2">
-            <a:schemeClr val="dk1"/>
+            <a:schemeClr val="accent2">
+              <a:shade val="50000"/>
+            </a:schemeClr>
           </a:lnRef>
           <a:fillRef idx="1">
+            <a:schemeClr val="accent2"/>
+          </a:fillRef>
+          <a:effectRef idx="0">
+            <a:schemeClr val="accent2"/>
+          </a:effectRef>
+          <a:fontRef idx="minor">
             <a:schemeClr val="lt1"/>
+          </a:fontRef>
+        </p:style>
+        <p:txBody>
+          <a:bodyPr rtlCol="0" anchor="ctr"/>
+          <a:lstStyle/>
+          <a:p>
+            <a:pPr algn="ctr"/>
+            <a:r>
+              <a:rPr lang="ko-KR" altLang="en-US" sz="1400" dirty="0"/>
+              <a:t>사건 상세정보 화면</a:t>
+            </a:r>
+            <a:endParaRPr lang="en-US" altLang="ko-KR" sz="1400" dirty="0"/>
+          </a:p>
+          <a:p>
+            <a:pPr algn="ctr"/>
+            <a:r>
+              <a:rPr lang="en-US" altLang="ko-KR" sz="1400" dirty="0"/>
+              <a:t>/ruling/&lt;</a:t>
+            </a:r>
+            <a:r>
+              <a:rPr lang="en-US" altLang="ko-KR" sz="1400" dirty="0" err="1"/>
+              <a:t>int:pk</a:t>
+            </a:r>
+            <a:r>
+              <a:rPr lang="en-US" altLang="ko-KR" sz="1400" dirty="0"/>
+              <a:t>&gt;</a:t>
+            </a:r>
+            <a:endParaRPr lang="ko-KR" altLang="en-US" sz="1400" dirty="0"/>
+          </a:p>
+        </p:txBody>
+      </p:sp>
+      <p:sp>
+        <p:nvSpPr>
+          <p:cNvPr id="3" name="직사각형 2">
+            <a:extLst>
+              <a:ext uri="{FF2B5EF4-FFF2-40B4-BE49-F238E27FC236}">
+                <a16:creationId xmlns:a16="http://schemas.microsoft.com/office/drawing/2014/main" id="{395E95ED-4CC6-41C2-B7C7-016CE802695E}"/>
+              </a:ext>
+            </a:extLst>
+          </p:cNvPr>
+          <p:cNvSpPr/>
+          <p:nvPr/>
+        </p:nvSpPr>
+        <p:spPr>
+          <a:xfrm>
+            <a:off x="1004753" y="3737808"/>
+            <a:ext cx="1275805" cy="1606732"/>
+          </a:xfrm>
+          <a:prstGeom prst="rect">
+            <a:avLst/>
+          </a:prstGeom>
+          <a:noFill/>
+          <a:ln>
+            <a:solidFill>
+              <a:srgbClr val="FF0000"/>
+            </a:solidFill>
+            <a:prstDash val="dash"/>
+          </a:ln>
+        </p:spPr>
+        <p:style>
+          <a:lnRef idx="2">
+            <a:schemeClr val="accent1">
+              <a:shade val="50000"/>
+            </a:schemeClr>
+          </a:lnRef>
+          <a:fillRef idx="1">
+            <a:schemeClr val="accent1"/>
+          </a:fillRef>
+          <a:effectRef idx="0">
+            <a:schemeClr val="accent1"/>
+          </a:effectRef>
+          <a:fontRef idx="minor">
+            <a:schemeClr val="lt1"/>
+          </a:fontRef>
+        </p:style>
+        <p:txBody>
+          <a:bodyPr rtlCol="0" anchor="ctr"/>
+          <a:lstStyle/>
+          <a:p>
+            <a:pPr algn="ctr"/>
+            <a:endParaRPr lang="ko-KR" altLang="en-US"/>
+          </a:p>
+        </p:txBody>
+      </p:sp>
+      <p:sp>
+        <p:nvSpPr>
+          <p:cNvPr id="4" name="화살표: 아래쪽 3">
+            <a:extLst>
+              <a:ext uri="{FF2B5EF4-FFF2-40B4-BE49-F238E27FC236}">
+                <a16:creationId xmlns:a16="http://schemas.microsoft.com/office/drawing/2014/main" id="{95C55A7B-4F28-4EC0-877F-E855D92EE6B1}"/>
+              </a:ext>
+            </a:extLst>
+          </p:cNvPr>
+          <p:cNvSpPr/>
+          <p:nvPr/>
+        </p:nvSpPr>
+        <p:spPr>
+          <a:xfrm>
+            <a:off x="1405346" y="5344540"/>
+            <a:ext cx="444138" cy="434249"/>
+          </a:xfrm>
+          <a:prstGeom prst="downArrow">
+            <a:avLst/>
+          </a:prstGeom>
+        </p:spPr>
+        <p:style>
+          <a:lnRef idx="2">
+            <a:schemeClr val="dk1">
+              <a:shade val="50000"/>
+            </a:schemeClr>
+          </a:lnRef>
+          <a:fillRef idx="1">
+            <a:schemeClr val="dk1"/>
           </a:fillRef>
           <a:effectRef idx="0">
             <a:schemeClr val="dk1"/>
           </a:effectRef>
           <a:fontRef idx="minor">
-            <a:schemeClr val="dk1"/>
+            <a:schemeClr val="lt1"/>
           </a:fontRef>
         </p:style>
         <p:txBody>
           <a:bodyPr rtlCol="0" anchor="ctr"/>
           <a:lstStyle/>
           <a:p>
-            <a:endParaRPr lang="ko-KR" altLang="en-US" sz="1050" dirty="0"/>
+            <a:pPr algn="ctr"/>
+            <a:endParaRPr lang="ko-KR" altLang="en-US"/>
+          </a:p>
+        </p:txBody>
+      </p:sp>
+      <p:sp>
+        <p:nvSpPr>
+          <p:cNvPr id="7" name="직사각형 6">
+            <a:extLst>
+              <a:ext uri="{FF2B5EF4-FFF2-40B4-BE49-F238E27FC236}">
+                <a16:creationId xmlns:a16="http://schemas.microsoft.com/office/drawing/2014/main" id="{0DE2A48B-13F4-4438-A838-141EA6A3FBAC}"/>
+              </a:ext>
+            </a:extLst>
+          </p:cNvPr>
+          <p:cNvSpPr/>
+          <p:nvPr/>
+        </p:nvSpPr>
+        <p:spPr>
+          <a:xfrm>
+            <a:off x="9234353" y="3737808"/>
+            <a:ext cx="1928948" cy="1606732"/>
+          </a:xfrm>
+          <a:prstGeom prst="rect">
+            <a:avLst/>
+          </a:prstGeom>
+          <a:noFill/>
+          <a:ln>
+            <a:solidFill>
+              <a:srgbClr val="FF0000"/>
+            </a:solidFill>
+            <a:prstDash val="dash"/>
+          </a:ln>
+        </p:spPr>
+        <p:style>
+          <a:lnRef idx="2">
+            <a:schemeClr val="accent1">
+              <a:shade val="50000"/>
+            </a:schemeClr>
+          </a:lnRef>
+          <a:fillRef idx="1">
+            <a:schemeClr val="accent1"/>
+          </a:fillRef>
+          <a:effectRef idx="0">
+            <a:schemeClr val="accent1"/>
+          </a:effectRef>
+          <a:fontRef idx="minor">
+            <a:schemeClr val="lt1"/>
+          </a:fontRef>
+        </p:style>
+        <p:txBody>
+          <a:bodyPr rtlCol="0" anchor="ctr"/>
+          <a:lstStyle/>
+          <a:p>
+            <a:pPr algn="ctr"/>
+            <a:endParaRPr lang="ko-KR" altLang="en-US"/>
+          </a:p>
+        </p:txBody>
+      </p:sp>
+      <p:sp>
+        <p:nvSpPr>
+          <p:cNvPr id="8" name="직사각형 7">
+            <a:extLst>
+              <a:ext uri="{FF2B5EF4-FFF2-40B4-BE49-F238E27FC236}">
+                <a16:creationId xmlns:a16="http://schemas.microsoft.com/office/drawing/2014/main" id="{69C03C08-0096-4411-85B5-354AC4B3E4F8}"/>
+              </a:ext>
+            </a:extLst>
+          </p:cNvPr>
+          <p:cNvSpPr/>
+          <p:nvPr/>
+        </p:nvSpPr>
+        <p:spPr>
+          <a:xfrm>
+            <a:off x="9349740" y="5778789"/>
+            <a:ext cx="1813561" cy="734955"/>
+          </a:xfrm>
+          <a:prstGeom prst="rect">
+            <a:avLst/>
+          </a:prstGeom>
+        </p:spPr>
+        <p:style>
+          <a:lnRef idx="2">
+            <a:schemeClr val="accent2">
+              <a:shade val="50000"/>
+            </a:schemeClr>
+          </a:lnRef>
+          <a:fillRef idx="1">
+            <a:schemeClr val="accent2"/>
+          </a:fillRef>
+          <a:effectRef idx="0">
+            <a:schemeClr val="accent2"/>
+          </a:effectRef>
+          <a:fontRef idx="minor">
+            <a:schemeClr val="lt1"/>
+          </a:fontRef>
+        </p:style>
+        <p:txBody>
+          <a:bodyPr rtlCol="0" anchor="ctr"/>
+          <a:lstStyle/>
+          <a:p>
+            <a:pPr algn="ctr"/>
+            <a:r>
+              <a:rPr lang="ko-KR" altLang="en-US" sz="1400" dirty="0"/>
+              <a:t>사건 상세정보 화면</a:t>
+            </a:r>
+            <a:endParaRPr lang="en-US" altLang="ko-KR" sz="1400" dirty="0"/>
+          </a:p>
+          <a:p>
+            <a:pPr algn="ctr"/>
+            <a:r>
+              <a:rPr lang="en-US" altLang="ko-KR" sz="1400" dirty="0"/>
+              <a:t>/ruling/&lt;</a:t>
+            </a:r>
+            <a:r>
+              <a:rPr lang="en-US" altLang="ko-KR" sz="1400" dirty="0" err="1"/>
+              <a:t>int:pk</a:t>
+            </a:r>
+            <a:r>
+              <a:rPr lang="en-US" altLang="ko-KR" sz="1400" dirty="0"/>
+              <a:t>&gt;</a:t>
+            </a:r>
+            <a:endParaRPr lang="ko-KR" altLang="en-US" sz="1400" dirty="0"/>
+          </a:p>
+        </p:txBody>
+      </p:sp>
+      <p:sp>
+        <p:nvSpPr>
+          <p:cNvPr id="10" name="화살표: 아래쪽 9">
+            <a:extLst>
+              <a:ext uri="{FF2B5EF4-FFF2-40B4-BE49-F238E27FC236}">
+                <a16:creationId xmlns:a16="http://schemas.microsoft.com/office/drawing/2014/main" id="{2D06AD8C-FE31-4177-A22E-A1A068E22678}"/>
+              </a:ext>
+            </a:extLst>
+          </p:cNvPr>
+          <p:cNvSpPr/>
+          <p:nvPr/>
+        </p:nvSpPr>
+        <p:spPr>
+          <a:xfrm>
+            <a:off x="10026832" y="5344540"/>
+            <a:ext cx="444138" cy="434249"/>
+          </a:xfrm>
+          <a:prstGeom prst="downArrow">
+            <a:avLst/>
+          </a:prstGeom>
+        </p:spPr>
+        <p:style>
+          <a:lnRef idx="2">
+            <a:schemeClr val="dk1">
+              <a:shade val="50000"/>
+            </a:schemeClr>
+          </a:lnRef>
+          <a:fillRef idx="1">
+            <a:schemeClr val="dk1"/>
+          </a:fillRef>
+          <a:effectRef idx="0">
+            <a:schemeClr val="dk1"/>
+          </a:effectRef>
+          <a:fontRef idx="minor">
+            <a:schemeClr val="lt1"/>
+          </a:fontRef>
+        </p:style>
+        <p:txBody>
+          <a:bodyPr rtlCol="0" anchor="ctr"/>
+          <a:lstStyle/>
+          <a:p>
+            <a:pPr algn="ctr"/>
+            <a:endParaRPr lang="ko-KR" altLang="en-US"/>
+          </a:p>
+        </p:txBody>
+      </p:sp>
+      <p:sp>
+        <p:nvSpPr>
+          <p:cNvPr id="5" name="사각형: 둥근 모서리 4">
+            <a:extLst>
+              <a:ext uri="{FF2B5EF4-FFF2-40B4-BE49-F238E27FC236}">
+                <a16:creationId xmlns:a16="http://schemas.microsoft.com/office/drawing/2014/main" id="{E76C5884-EFC8-40F3-AEE1-B817598AF708}"/>
+              </a:ext>
+            </a:extLst>
+          </p:cNvPr>
+          <p:cNvSpPr/>
+          <p:nvPr/>
+        </p:nvSpPr>
+        <p:spPr>
+          <a:xfrm>
+            <a:off x="6714309" y="2648937"/>
+            <a:ext cx="2215242" cy="360515"/>
+          </a:xfrm>
+          <a:prstGeom prst="roundRect">
+            <a:avLst/>
+          </a:prstGeom>
+          <a:ln>
+            <a:solidFill>
+              <a:schemeClr val="bg1">
+                <a:lumMod val="95000"/>
+              </a:schemeClr>
+            </a:solidFill>
+          </a:ln>
+          <a:effectLst>
+            <a:glow rad="63500">
+              <a:schemeClr val="accent3">
+                <a:satMod val="175000"/>
+                <a:alpha val="40000"/>
+              </a:schemeClr>
+            </a:glow>
+          </a:effectLst>
+        </p:spPr>
+        <p:style>
+          <a:lnRef idx="2">
+            <a:schemeClr val="accent3">
+              <a:shade val="50000"/>
+            </a:schemeClr>
+          </a:lnRef>
+          <a:fillRef idx="1">
+            <a:schemeClr val="accent3"/>
+          </a:fillRef>
+          <a:effectRef idx="0">
+            <a:schemeClr val="accent3"/>
+          </a:effectRef>
+          <a:fontRef idx="minor">
+            <a:schemeClr val="lt1"/>
+          </a:fontRef>
+        </p:style>
+        <p:txBody>
+          <a:bodyPr rtlCol="0" anchor="ctr"/>
+          <a:lstStyle/>
+          <a:p>
+            <a:pPr algn="ctr"/>
+            <a:r>
+              <a:rPr lang="en-US" altLang="ko-KR" dirty="0"/>
+              <a:t>Excel Export</a:t>
+            </a:r>
+            <a:endParaRPr lang="ko-KR" altLang="en-US" dirty="0"/>
+          </a:p>
+        </p:txBody>
+      </p:sp>
+      <p:sp>
+        <p:nvSpPr>
+          <p:cNvPr id="11" name="직사각형 10">
+            <a:extLst>
+              <a:ext uri="{FF2B5EF4-FFF2-40B4-BE49-F238E27FC236}">
+                <a16:creationId xmlns:a16="http://schemas.microsoft.com/office/drawing/2014/main" id="{B7819DBD-F3DC-422B-8D12-F898A0136F2F}"/>
+              </a:ext>
+            </a:extLst>
+          </p:cNvPr>
+          <p:cNvSpPr/>
+          <p:nvPr/>
+        </p:nvSpPr>
+        <p:spPr>
+          <a:xfrm>
+            <a:off x="4294414" y="2274497"/>
+            <a:ext cx="1813561" cy="734955"/>
+          </a:xfrm>
+          <a:prstGeom prst="rect">
+            <a:avLst/>
+          </a:prstGeom>
+        </p:spPr>
+        <p:style>
+          <a:lnRef idx="2">
+            <a:schemeClr val="accent2">
+              <a:shade val="50000"/>
+            </a:schemeClr>
+          </a:lnRef>
+          <a:fillRef idx="1">
+            <a:schemeClr val="accent2"/>
+          </a:fillRef>
+          <a:effectRef idx="0">
+            <a:schemeClr val="accent2"/>
+          </a:effectRef>
+          <a:fontRef idx="minor">
+            <a:schemeClr val="lt1"/>
+          </a:fontRef>
+        </p:style>
+        <p:txBody>
+          <a:bodyPr rtlCol="0" anchor="ctr"/>
+          <a:lstStyle/>
+          <a:p>
+            <a:pPr algn="ctr"/>
+            <a:r>
+              <a:rPr lang="ko-KR" altLang="en-US" sz="1400" dirty="0"/>
+              <a:t>현재 상태를 </a:t>
+            </a:r>
+            <a:r>
+              <a:rPr lang="en-US" altLang="ko-KR" sz="1400" dirty="0"/>
+              <a:t>XLSX</a:t>
+            </a:r>
+            <a:r>
+              <a:rPr lang="ko-KR" altLang="en-US" sz="1400" dirty="0"/>
+              <a:t>로 다운로드</a:t>
+            </a:r>
+          </a:p>
+        </p:txBody>
+      </p:sp>
+      <p:sp>
+        <p:nvSpPr>
+          <p:cNvPr id="12" name="화살표: 아래쪽 11">
+            <a:extLst>
+              <a:ext uri="{FF2B5EF4-FFF2-40B4-BE49-F238E27FC236}">
+                <a16:creationId xmlns:a16="http://schemas.microsoft.com/office/drawing/2014/main" id="{EB9C1237-313B-4204-A863-7DFA103D98A5}"/>
+              </a:ext>
+            </a:extLst>
+          </p:cNvPr>
+          <p:cNvSpPr/>
+          <p:nvPr/>
+        </p:nvSpPr>
+        <p:spPr>
+          <a:xfrm rot="5400000">
+            <a:off x="6228012" y="2612070"/>
+            <a:ext cx="444138" cy="434249"/>
+          </a:xfrm>
+          <a:prstGeom prst="downArrow">
+            <a:avLst/>
+          </a:prstGeom>
+        </p:spPr>
+        <p:style>
+          <a:lnRef idx="2">
+            <a:schemeClr val="dk1">
+              <a:shade val="50000"/>
+            </a:schemeClr>
+          </a:lnRef>
+          <a:fillRef idx="1">
+            <a:schemeClr val="dk1"/>
+          </a:fillRef>
+          <a:effectRef idx="0">
+            <a:schemeClr val="dk1"/>
+          </a:effectRef>
+          <a:fontRef idx="minor">
+            <a:schemeClr val="lt1"/>
+          </a:fontRef>
+        </p:style>
+        <p:txBody>
+          <a:bodyPr rtlCol="0" anchor="ctr"/>
+          <a:lstStyle/>
+          <a:p>
+            <a:pPr algn="ctr"/>
+            <a:endParaRPr lang="ko-KR" altLang="en-US"/>
+          </a:p>
+        </p:txBody>
+      </p:sp>
+      <p:sp>
+        <p:nvSpPr>
+          <p:cNvPr id="13" name="사각형: 둥근 모서리 12">
+            <a:extLst>
+              <a:ext uri="{FF2B5EF4-FFF2-40B4-BE49-F238E27FC236}">
+                <a16:creationId xmlns:a16="http://schemas.microsoft.com/office/drawing/2014/main" id="{75ECBE37-9224-477E-8E15-0228E6C429C2}"/>
+              </a:ext>
+            </a:extLst>
+          </p:cNvPr>
+          <p:cNvSpPr/>
+          <p:nvPr/>
+        </p:nvSpPr>
+        <p:spPr>
+          <a:xfrm>
+            <a:off x="9117875" y="2648937"/>
+            <a:ext cx="2215242" cy="360515"/>
+          </a:xfrm>
+          <a:prstGeom prst="roundRect">
+            <a:avLst/>
+          </a:prstGeom>
+          <a:ln>
+            <a:solidFill>
+              <a:schemeClr val="bg1">
+                <a:lumMod val="95000"/>
+              </a:schemeClr>
+            </a:solidFill>
+          </a:ln>
+          <a:effectLst>
+            <a:glow rad="63500">
+              <a:schemeClr val="accent3">
+                <a:satMod val="175000"/>
+                <a:alpha val="40000"/>
+              </a:schemeClr>
+            </a:glow>
+          </a:effectLst>
+        </p:spPr>
+        <p:style>
+          <a:lnRef idx="2">
+            <a:schemeClr val="accent3">
+              <a:shade val="50000"/>
+            </a:schemeClr>
+          </a:lnRef>
+          <a:fillRef idx="1">
+            <a:schemeClr val="accent3"/>
+          </a:fillRef>
+          <a:effectRef idx="0">
+            <a:schemeClr val="accent3"/>
+          </a:effectRef>
+          <a:fontRef idx="minor">
+            <a:schemeClr val="lt1"/>
+          </a:fontRef>
+        </p:style>
+        <p:txBody>
+          <a:bodyPr rtlCol="0" anchor="ctr"/>
+          <a:lstStyle/>
+          <a:p>
+            <a:pPr algn="ctr"/>
+            <a:r>
+              <a:rPr lang="en-US" altLang="ko-KR" dirty="0"/>
+              <a:t>Check update</a:t>
+            </a:r>
+            <a:endParaRPr lang="ko-KR" altLang="en-US" dirty="0"/>
+          </a:p>
+        </p:txBody>
+      </p:sp>
+      <p:sp>
+        <p:nvSpPr>
+          <p:cNvPr id="14" name="직사각형 13">
+            <a:extLst>
+              <a:ext uri="{FF2B5EF4-FFF2-40B4-BE49-F238E27FC236}">
+                <a16:creationId xmlns:a16="http://schemas.microsoft.com/office/drawing/2014/main" id="{B0726EA2-F434-409D-982D-4F719A71264F}"/>
+              </a:ext>
+            </a:extLst>
+          </p:cNvPr>
+          <p:cNvSpPr/>
+          <p:nvPr/>
+        </p:nvSpPr>
+        <p:spPr>
+          <a:xfrm>
+            <a:off x="8848452" y="1725468"/>
+            <a:ext cx="2842805" cy="549029"/>
+          </a:xfrm>
+          <a:prstGeom prst="rect">
+            <a:avLst/>
+          </a:prstGeom>
+        </p:spPr>
+        <p:style>
+          <a:lnRef idx="2">
+            <a:schemeClr val="accent2">
+              <a:shade val="50000"/>
+            </a:schemeClr>
+          </a:lnRef>
+          <a:fillRef idx="1">
+            <a:schemeClr val="accent2"/>
+          </a:fillRef>
+          <a:effectRef idx="0">
+            <a:schemeClr val="accent2"/>
+          </a:effectRef>
+          <a:fontRef idx="minor">
+            <a:schemeClr val="lt1"/>
+          </a:fontRef>
+        </p:style>
+        <p:txBody>
+          <a:bodyPr rtlCol="0" anchor="ctr"/>
+          <a:lstStyle/>
+          <a:p>
+            <a:pPr algn="ctr"/>
+            <a:r>
+              <a:rPr lang="ko-KR" altLang="en-US" sz="1400" dirty="0" err="1"/>
+              <a:t>공공포털에서</a:t>
+            </a:r>
+            <a:r>
+              <a:rPr lang="ko-KR" altLang="en-US" sz="1400" dirty="0"/>
+              <a:t> 새로운 데이터를 확인하여 추가한다</a:t>
+            </a:r>
+            <a:r>
+              <a:rPr lang="en-US" altLang="ko-KR" sz="1400" dirty="0"/>
+              <a:t>.</a:t>
+            </a:r>
+            <a:endParaRPr lang="ko-KR" altLang="en-US" sz="1400" dirty="0"/>
+          </a:p>
+        </p:txBody>
+      </p:sp>
+      <p:sp>
+        <p:nvSpPr>
+          <p:cNvPr id="15" name="화살표: 아래쪽 14">
+            <a:extLst>
+              <a:ext uri="{FF2B5EF4-FFF2-40B4-BE49-F238E27FC236}">
+                <a16:creationId xmlns:a16="http://schemas.microsoft.com/office/drawing/2014/main" id="{40A52B58-5D30-4B53-9773-ACCE25E38ED5}"/>
+              </a:ext>
+            </a:extLst>
+          </p:cNvPr>
+          <p:cNvSpPr/>
+          <p:nvPr/>
+        </p:nvSpPr>
+        <p:spPr>
+          <a:xfrm rot="10800000">
+            <a:off x="10034453" y="2248280"/>
+            <a:ext cx="444138" cy="434249"/>
+          </a:xfrm>
+          <a:prstGeom prst="downArrow">
+            <a:avLst/>
+          </a:prstGeom>
+        </p:spPr>
+        <p:style>
+          <a:lnRef idx="2">
+            <a:schemeClr val="dk1">
+              <a:shade val="50000"/>
+            </a:schemeClr>
+          </a:lnRef>
+          <a:fillRef idx="1">
+            <a:schemeClr val="dk1"/>
+          </a:fillRef>
+          <a:effectRef idx="0">
+            <a:schemeClr val="dk1"/>
+          </a:effectRef>
+          <a:fontRef idx="minor">
+            <a:schemeClr val="lt1"/>
+          </a:fontRef>
+        </p:style>
+        <p:txBody>
+          <a:bodyPr rtlCol="0" anchor="ctr"/>
+          <a:lstStyle/>
+          <a:p>
+            <a:pPr algn="ctr"/>
+            <a:endParaRPr lang="ko-KR" altLang="en-US"/>
           </a:p>
         </p:txBody>
       </p:sp>
@@ -4170,6 +4795,1636 @@
     <p:extLst>
       <p:ext uri="{BB962C8B-B14F-4D97-AF65-F5344CB8AC3E}">
         <p14:creationId xmlns:p14="http://schemas.microsoft.com/office/powerpoint/2010/main" val="652890418"/>
+      </p:ext>
+    </p:extLst>
+  </p:cSld>
+  <p:clrMapOvr>
+    <a:masterClrMapping/>
+  </p:clrMapOvr>
+</p:sld>
+</file>
+
+<file path=ppt/slides/slide11.xml><?xml version="1.0" encoding="utf-8"?>
+<p:sld xmlns:a="http://schemas.openxmlformats.org/drawingml/2006/main" xmlns:r="http://schemas.openxmlformats.org/officeDocument/2006/relationships" xmlns:p="http://schemas.openxmlformats.org/presentationml/2006/main">
+  <p:cSld>
+    <p:spTree>
+      <p:nvGrpSpPr>
+        <p:cNvPr id="1" name=""/>
+        <p:cNvGrpSpPr/>
+        <p:nvPr/>
+      </p:nvGrpSpPr>
+      <p:grpSpPr>
+        <a:xfrm>
+          <a:off x="0" y="0"/>
+          <a:ext cx="0" cy="0"/>
+          <a:chOff x="0" y="0"/>
+          <a:chExt cx="0" cy="0"/>
+        </a:xfrm>
+      </p:grpSpPr>
+      <p:sp>
+        <p:nvSpPr>
+          <p:cNvPr id="2" name="제목 1">
+            <a:extLst>
+              <a:ext uri="{FF2B5EF4-FFF2-40B4-BE49-F238E27FC236}">
+                <a16:creationId xmlns:a16="http://schemas.microsoft.com/office/drawing/2014/main" id="{0AB91AA1-44EC-438F-8113-CBEF759D98EF}"/>
+              </a:ext>
+            </a:extLst>
+          </p:cNvPr>
+          <p:cNvSpPr>
+            <a:spLocks noGrp="1"/>
+          </p:cNvSpPr>
+          <p:nvPr>
+            <p:ph type="title"/>
+          </p:nvPr>
+        </p:nvSpPr>
+        <p:spPr/>
+        <p:txBody>
+          <a:bodyPr/>
+          <a:lstStyle/>
+          <a:p>
+            <a:r>
+              <a:rPr lang="ko-KR" altLang="en-US" dirty="0"/>
+              <a:t>판결문 상세 화면 </a:t>
+            </a:r>
+            <a:r>
+              <a:rPr lang="en-US" altLang="ko-KR" dirty="0"/>
+              <a:t>layout  - /ruling/&lt;</a:t>
+            </a:r>
+            <a:r>
+              <a:rPr lang="en-US" altLang="ko-KR" dirty="0" err="1"/>
+              <a:t>int:pk</a:t>
+            </a:r>
+            <a:r>
+              <a:rPr lang="en-US" altLang="ko-KR" dirty="0"/>
+              <a:t>&gt;</a:t>
+            </a:r>
+            <a:endParaRPr lang="ko-KR" altLang="en-US" dirty="0"/>
+          </a:p>
+        </p:txBody>
+      </p:sp>
+      <p:graphicFrame>
+        <p:nvGraphicFramePr>
+          <p:cNvPr id="16" name="표 4">
+            <a:extLst>
+              <a:ext uri="{FF2B5EF4-FFF2-40B4-BE49-F238E27FC236}">
+                <a16:creationId xmlns:a16="http://schemas.microsoft.com/office/drawing/2014/main" id="{F1F9499B-A9D6-48B5-B34B-555E0B849D4F}"/>
+              </a:ext>
+            </a:extLst>
+          </p:cNvPr>
+          <p:cNvGraphicFramePr>
+            <a:graphicFrameLocks noGrp="1"/>
+          </p:cNvGraphicFramePr>
+          <p:nvPr>
+            <p:ph idx="1"/>
+            <p:extLst>
+              <p:ext uri="{D42A27DB-BD31-4B8C-83A1-F6EECF244321}">
+                <p14:modId xmlns:p14="http://schemas.microsoft.com/office/powerpoint/2010/main" val="511693880"/>
+              </p:ext>
+            </p:extLst>
+          </p:nvPr>
+        </p:nvGraphicFramePr>
+        <p:xfrm>
+          <a:off x="375398" y="1601579"/>
+          <a:ext cx="4801720" cy="2804160"/>
+        </p:xfrm>
+        <a:graphic>
+          <a:graphicData uri="http://schemas.openxmlformats.org/drawingml/2006/table">
+            <a:tbl>
+              <a:tblPr firstRow="1" bandRow="1">
+                <a:tableStyleId>{8799B23B-EC83-4686-B30A-512413B5E67A}</a:tableStyleId>
+              </a:tblPr>
+              <a:tblGrid>
+                <a:gridCol w="2326466">
+                  <a:extLst>
+                    <a:ext uri="{9D8B030D-6E8A-4147-A177-3AD203B41FA5}">
+                      <a16:colId xmlns:a16="http://schemas.microsoft.com/office/drawing/2014/main" val="2873015861"/>
+                    </a:ext>
+                  </a:extLst>
+                </a:gridCol>
+                <a:gridCol w="2475254">
+                  <a:extLst>
+                    <a:ext uri="{9D8B030D-6E8A-4147-A177-3AD203B41FA5}">
+                      <a16:colId xmlns:a16="http://schemas.microsoft.com/office/drawing/2014/main" val="1670139134"/>
+                    </a:ext>
+                  </a:extLst>
+                </a:gridCol>
+              </a:tblGrid>
+              <a:tr h="231818">
+                <a:tc>
+                  <a:txBody>
+                    <a:bodyPr/>
+                    <a:lstStyle/>
+                    <a:p>
+                      <a:pPr algn="ctr" latinLnBrk="1"/>
+                      <a:r>
+                        <a:rPr lang="ko-KR" altLang="en-US" sz="1600" b="0" dirty="0"/>
+                        <a:t>사건번호</a:t>
+                      </a:r>
+                    </a:p>
+                  </a:txBody>
+                  <a:tcPr anchor="ctr"/>
+                </a:tc>
+                <a:tc>
+                  <a:txBody>
+                    <a:bodyPr/>
+                    <a:lstStyle/>
+                    <a:p>
+                      <a:pPr algn="ctr" latinLnBrk="1"/>
+                      <a:r>
+                        <a:rPr lang="en-US" altLang="ko-KR" sz="1600" b="0" dirty="0"/>
+                        <a:t>2008</a:t>
+                      </a:r>
+                      <a:r>
+                        <a:rPr lang="ko-KR" altLang="en-US" sz="1600" b="0" dirty="0" err="1"/>
+                        <a:t>구합</a:t>
+                      </a:r>
+                      <a:r>
+                        <a:rPr lang="en-US" altLang="ko-KR" sz="1600" b="0" dirty="0"/>
+                        <a:t>7823</a:t>
+                      </a:r>
+                      <a:endParaRPr lang="ko-KR" altLang="en-US" sz="1600" b="0" dirty="0"/>
+                    </a:p>
+                  </a:txBody>
+                  <a:tcPr anchor="ctr"/>
+                </a:tc>
+                <a:extLst>
+                  <a:ext uri="{0D108BD9-81ED-4DB2-BD59-A6C34878D82A}">
+                    <a16:rowId xmlns:a16="http://schemas.microsoft.com/office/drawing/2014/main" val="3158361180"/>
+                  </a:ext>
+                </a:extLst>
+              </a:tr>
+              <a:tr h="231818">
+                <a:tc>
+                  <a:txBody>
+                    <a:bodyPr/>
+                    <a:lstStyle/>
+                    <a:p>
+                      <a:pPr algn="ctr" latinLnBrk="1"/>
+                      <a:r>
+                        <a:rPr lang="ko-KR" altLang="en-US" sz="1600" dirty="0"/>
+                        <a:t>제목</a:t>
+                      </a:r>
+                    </a:p>
+                  </a:txBody>
+                  <a:tcPr anchor="ctr"/>
+                </a:tc>
+                <a:tc>
+                  <a:txBody>
+                    <a:bodyPr/>
+                    <a:lstStyle/>
+                    <a:p>
+                      <a:pPr algn="ctr" fontAlgn="b"/>
+                      <a:r>
+                        <a:rPr lang="en-US" altLang="ko-KR" sz="1600" b="0" u="none" strike="noStrike" dirty="0">
+                          <a:solidFill>
+                            <a:srgbClr val="000000"/>
+                          </a:solidFill>
+                          <a:effectLst/>
+                        </a:rPr>
+                        <a:t>…</a:t>
+                      </a:r>
+                      <a:endParaRPr lang="ko-KR" altLang="en-US" sz="1600" b="0" i="0" u="none" strike="noStrike" dirty="0">
+                        <a:solidFill>
+                          <a:srgbClr val="000000"/>
+                        </a:solidFill>
+                        <a:effectLst/>
+                        <a:latin typeface="맑은 고딕" panose="020B0503020000020004" pitchFamily="50" charset="-127"/>
+                        <a:ea typeface="맑은 고딕" panose="020B0503020000020004" pitchFamily="50" charset="-127"/>
+                      </a:endParaRPr>
+                    </a:p>
+                  </a:txBody>
+                  <a:tcPr marL="9525" marR="9525" marT="9525" marB="0" anchor="ctr"/>
+                </a:tc>
+                <a:extLst>
+                  <a:ext uri="{0D108BD9-81ED-4DB2-BD59-A6C34878D82A}">
+                    <a16:rowId xmlns:a16="http://schemas.microsoft.com/office/drawing/2014/main" val="2510539819"/>
+                  </a:ext>
+                </a:extLst>
+              </a:tr>
+              <a:tr h="231818">
+                <a:tc>
+                  <a:txBody>
+                    <a:bodyPr/>
+                    <a:lstStyle/>
+                    <a:p>
+                      <a:pPr algn="ctr" latinLnBrk="1"/>
+                      <a:r>
+                        <a:rPr lang="ko-KR" altLang="en-US" sz="1600" dirty="0"/>
+                        <a:t>법원</a:t>
+                      </a:r>
+                    </a:p>
+                  </a:txBody>
+                  <a:tcPr anchor="ctr"/>
+                </a:tc>
+                <a:tc>
+                  <a:txBody>
+                    <a:bodyPr/>
+                    <a:lstStyle/>
+                    <a:p>
+                      <a:pPr algn="ctr" fontAlgn="b"/>
+                      <a:r>
+                        <a:rPr lang="ko-KR" altLang="en-US" sz="1600" b="0" i="0" u="none" strike="noStrike" dirty="0">
+                          <a:solidFill>
+                            <a:srgbClr val="000000"/>
+                          </a:solidFill>
+                          <a:effectLst/>
+                          <a:latin typeface="맑은 고딕" panose="020B0503020000020004" pitchFamily="50" charset="-127"/>
+                          <a:ea typeface="맑은 고딕" panose="020B0503020000020004" pitchFamily="50" charset="-127"/>
+                        </a:rPr>
+                        <a:t>서울행정법원</a:t>
+                      </a:r>
+                    </a:p>
+                  </a:txBody>
+                  <a:tcPr marL="9525" marR="9525" marT="9525" marB="0" anchor="ctr"/>
+                </a:tc>
+                <a:extLst>
+                  <a:ext uri="{0D108BD9-81ED-4DB2-BD59-A6C34878D82A}">
+                    <a16:rowId xmlns:a16="http://schemas.microsoft.com/office/drawing/2014/main" val="3786363188"/>
+                  </a:ext>
+                </a:extLst>
+              </a:tr>
+              <a:tr h="231818">
+                <a:tc>
+                  <a:txBody>
+                    <a:bodyPr/>
+                    <a:lstStyle/>
+                    <a:p>
+                      <a:pPr algn="ctr" latinLnBrk="1"/>
+                      <a:r>
+                        <a:rPr lang="ko-KR" altLang="en-US" sz="1600" dirty="0"/>
+                        <a:t>판결유형</a:t>
+                      </a:r>
+                    </a:p>
+                  </a:txBody>
+                  <a:tcPr anchor="ctr"/>
+                </a:tc>
+                <a:tc>
+                  <a:txBody>
+                    <a:bodyPr/>
+                    <a:lstStyle/>
+                    <a:p>
+                      <a:pPr algn="ctr" fontAlgn="b"/>
+                      <a:r>
+                        <a:rPr lang="ko-KR" altLang="en-US" sz="1600" b="0" i="0" u="none" strike="noStrike" dirty="0">
+                          <a:solidFill>
+                            <a:srgbClr val="000000"/>
+                          </a:solidFill>
+                          <a:effectLst/>
+                          <a:latin typeface="맑은 고딕" panose="020B0503020000020004" pitchFamily="50" charset="-127"/>
+                          <a:ea typeface="맑은 고딕" panose="020B0503020000020004" pitchFamily="50" charset="-127"/>
+                        </a:rPr>
+                        <a:t>기각</a:t>
+                      </a:r>
+                    </a:p>
+                  </a:txBody>
+                  <a:tcPr marL="9525" marR="9525" marT="9525" marB="0" anchor="ctr"/>
+                </a:tc>
+                <a:extLst>
+                  <a:ext uri="{0D108BD9-81ED-4DB2-BD59-A6C34878D82A}">
+                    <a16:rowId xmlns:a16="http://schemas.microsoft.com/office/drawing/2014/main" val="662682761"/>
+                  </a:ext>
+                </a:extLst>
+              </a:tr>
+              <a:tr h="231818">
+                <a:tc>
+                  <a:txBody>
+                    <a:bodyPr/>
+                    <a:lstStyle/>
+                    <a:p>
+                      <a:pPr algn="ctr" latinLnBrk="1"/>
+                      <a:r>
+                        <a:rPr lang="ko-KR" altLang="en-US" sz="1600" dirty="0"/>
+                        <a:t>사건유형</a:t>
+                      </a:r>
+                    </a:p>
+                  </a:txBody>
+                  <a:tcPr anchor="ctr"/>
+                </a:tc>
+                <a:tc>
+                  <a:txBody>
+                    <a:bodyPr/>
+                    <a:lstStyle/>
+                    <a:p>
+                      <a:pPr algn="ctr" fontAlgn="b"/>
+                      <a:r>
+                        <a:rPr lang="ko-KR" altLang="en-US" sz="1600" b="0" i="0" u="none" strike="noStrike" dirty="0">
+                          <a:solidFill>
+                            <a:srgbClr val="000000"/>
+                          </a:solidFill>
+                          <a:effectLst/>
+                          <a:latin typeface="맑은 고딕" panose="020B0503020000020004" pitchFamily="50" charset="-127"/>
+                          <a:ea typeface="맑은 고딕" panose="020B0503020000020004" pitchFamily="50" charset="-127"/>
+                        </a:rPr>
+                        <a:t>장해</a:t>
+                      </a:r>
+                    </a:p>
+                  </a:txBody>
+                  <a:tcPr marL="9525" marR="9525" marT="9525" marB="0" anchor="ctr"/>
+                </a:tc>
+                <a:extLst>
+                  <a:ext uri="{0D108BD9-81ED-4DB2-BD59-A6C34878D82A}">
+                    <a16:rowId xmlns:a16="http://schemas.microsoft.com/office/drawing/2014/main" val="537443224"/>
+                  </a:ext>
+                </a:extLst>
+              </a:tr>
+              <a:tr h="231818">
+                <a:tc>
+                  <a:txBody>
+                    <a:bodyPr/>
+                    <a:lstStyle/>
+                    <a:p>
+                      <a:pPr algn="ctr" latinLnBrk="1"/>
+                      <a:r>
+                        <a:rPr lang="ko-KR" altLang="en-US" sz="1600" dirty="0"/>
+                        <a:t>사고질병 구분</a:t>
+                      </a:r>
+                    </a:p>
+                  </a:txBody>
+                  <a:tcPr anchor="ctr"/>
+                </a:tc>
+                <a:tc>
+                  <a:txBody>
+                    <a:bodyPr/>
+                    <a:lstStyle/>
+                    <a:p>
+                      <a:pPr algn="ctr" fontAlgn="b"/>
+                      <a:r>
+                        <a:rPr lang="ko-KR" altLang="en-US" sz="1600" b="0" i="0" u="none" strike="noStrike" dirty="0">
+                          <a:solidFill>
+                            <a:srgbClr val="000000"/>
+                          </a:solidFill>
+                          <a:effectLst/>
+                          <a:latin typeface="맑은 고딕" panose="020B0503020000020004" pitchFamily="50" charset="-127"/>
+                          <a:ea typeface="맑은 고딕" panose="020B0503020000020004" pitchFamily="50" charset="-127"/>
+                        </a:rPr>
+                        <a:t>업무상사고</a:t>
+                      </a:r>
+                    </a:p>
+                  </a:txBody>
+                  <a:tcPr marL="9525" marR="9525" marT="9525" marB="0" anchor="ctr"/>
+                </a:tc>
+                <a:extLst>
+                  <a:ext uri="{0D108BD9-81ED-4DB2-BD59-A6C34878D82A}">
+                    <a16:rowId xmlns:a16="http://schemas.microsoft.com/office/drawing/2014/main" val="269679802"/>
+                  </a:ext>
+                </a:extLst>
+              </a:tr>
+              <a:tr h="316116">
+                <a:tc>
+                  <a:txBody>
+                    <a:bodyPr/>
+                    <a:lstStyle/>
+                    <a:p>
+                      <a:pPr algn="ctr" latinLnBrk="1"/>
+                      <a:r>
+                        <a:rPr lang="ko-KR" altLang="en-US" sz="1600" dirty="0"/>
+                        <a:t>연관사건</a:t>
+                      </a:r>
+                    </a:p>
+                  </a:txBody>
+                  <a:tcPr anchor="ctr"/>
+                </a:tc>
+                <a:tc>
+                  <a:txBody>
+                    <a:bodyPr/>
+                    <a:lstStyle/>
+                    <a:p>
+                      <a:pPr latinLnBrk="1"/>
+                      <a:r>
+                        <a:rPr lang="ko-KR" altLang="en-US" sz="1200" dirty="0"/>
+                        <a:t>서울행정법원</a:t>
+                      </a:r>
+                      <a:r>
+                        <a:rPr lang="en-US" altLang="ko-KR" sz="1200" dirty="0"/>
+                        <a:t>,2010</a:t>
+                      </a:r>
+                      <a:r>
+                        <a:rPr lang="ko-KR" altLang="en-US" sz="1200" dirty="0"/>
+                        <a:t>구단</a:t>
+                      </a:r>
+                      <a:r>
+                        <a:rPr lang="en-US" altLang="ko-KR" sz="1200" dirty="0"/>
+                        <a:t>9801,1</a:t>
+                      </a:r>
+                      <a:r>
+                        <a:rPr lang="ko-KR" altLang="en-US" sz="1200" dirty="0"/>
+                        <a:t>심</a:t>
+                      </a:r>
+                      <a:r>
+                        <a:rPr lang="en-US" altLang="ko-KR" sz="1200" dirty="0"/>
+                        <a:t>-</a:t>
+                      </a:r>
+                      <a:r>
+                        <a:rPr lang="ko-KR" altLang="en-US" sz="1200" dirty="0"/>
+                        <a:t>서울고등법원</a:t>
+                      </a:r>
+                      <a:r>
+                        <a:rPr lang="en-US" altLang="ko-KR" sz="1200" dirty="0"/>
+                        <a:t>,2011</a:t>
+                      </a:r>
+                      <a:r>
+                        <a:rPr lang="ko-KR" altLang="en-US" sz="1200" dirty="0"/>
+                        <a:t>누</a:t>
+                      </a:r>
+                      <a:r>
+                        <a:rPr lang="en-US" altLang="ko-KR" sz="1200" dirty="0"/>
+                        <a:t>10036,2</a:t>
+                      </a:r>
+                      <a:r>
+                        <a:rPr lang="ko-KR" altLang="en-US" sz="1200" dirty="0"/>
+                        <a:t>심</a:t>
+                      </a:r>
+                    </a:p>
+                  </a:txBody>
+                  <a:tcPr anchor="ctr"/>
+                </a:tc>
+                <a:extLst>
+                  <a:ext uri="{0D108BD9-81ED-4DB2-BD59-A6C34878D82A}">
+                    <a16:rowId xmlns:a16="http://schemas.microsoft.com/office/drawing/2014/main" val="2460718715"/>
+                  </a:ext>
+                </a:extLst>
+              </a:tr>
+              <a:tr h="231818">
+                <a:tc>
+                  <a:txBody>
+                    <a:bodyPr/>
+                    <a:lstStyle/>
+                    <a:p>
+                      <a:pPr algn="ctr" latinLnBrk="1"/>
+                      <a:r>
+                        <a:rPr lang="ko-KR" altLang="en-US" sz="1600" dirty="0"/>
+                        <a:t>질병분류</a:t>
+                      </a:r>
+                    </a:p>
+                  </a:txBody>
+                  <a:tcPr anchor="ctr"/>
+                </a:tc>
+                <a:tc>
+                  <a:txBody>
+                    <a:bodyPr/>
+                    <a:lstStyle/>
+                    <a:p>
+                      <a:pPr algn="ctr" latinLnBrk="1"/>
+                      <a:endParaRPr lang="ko-KR" altLang="en-US" sz="1600" dirty="0"/>
+                    </a:p>
+                  </a:txBody>
+                  <a:tcPr anchor="ctr"/>
+                </a:tc>
+                <a:extLst>
+                  <a:ext uri="{0D108BD9-81ED-4DB2-BD59-A6C34878D82A}">
+                    <a16:rowId xmlns:a16="http://schemas.microsoft.com/office/drawing/2014/main" val="154579639"/>
+                  </a:ext>
+                </a:extLst>
+              </a:tr>
+            </a:tbl>
+          </a:graphicData>
+        </a:graphic>
+      </p:graphicFrame>
+      <p:graphicFrame>
+        <p:nvGraphicFramePr>
+          <p:cNvPr id="18" name="표 4">
+            <a:extLst>
+              <a:ext uri="{FF2B5EF4-FFF2-40B4-BE49-F238E27FC236}">
+                <a16:creationId xmlns:a16="http://schemas.microsoft.com/office/drawing/2014/main" id="{0E8ADB8B-FCA2-4941-8677-B95C3D6CA6DD}"/>
+              </a:ext>
+            </a:extLst>
+          </p:cNvPr>
+          <p:cNvGraphicFramePr>
+            <a:graphicFrameLocks/>
+          </p:cNvGraphicFramePr>
+          <p:nvPr>
+            <p:extLst>
+              <p:ext uri="{D42A27DB-BD31-4B8C-83A1-F6EECF244321}">
+                <p14:modId xmlns:p14="http://schemas.microsoft.com/office/powerpoint/2010/main" val="1908112140"/>
+              </p:ext>
+            </p:extLst>
+          </p:nvPr>
+        </p:nvGraphicFramePr>
+        <p:xfrm>
+          <a:off x="375397" y="4475166"/>
+          <a:ext cx="11441203" cy="2070204"/>
+        </p:xfrm>
+        <a:graphic>
+          <a:graphicData uri="http://schemas.openxmlformats.org/drawingml/2006/table">
+            <a:tbl>
+              <a:tblPr firstRow="1" bandRow="1">
+                <a:tableStyleId>{8799B23B-EC83-4686-B30A-512413B5E67A}</a:tableStyleId>
+              </a:tblPr>
+              <a:tblGrid>
+                <a:gridCol w="11441203">
+                  <a:extLst>
+                    <a:ext uri="{9D8B030D-6E8A-4147-A177-3AD203B41FA5}">
+                      <a16:colId xmlns:a16="http://schemas.microsoft.com/office/drawing/2014/main" val="2873015861"/>
+                    </a:ext>
+                  </a:extLst>
+                </a:gridCol>
+              </a:tblGrid>
+              <a:tr h="132659">
+                <a:tc>
+                  <a:txBody>
+                    <a:bodyPr/>
+                    <a:lstStyle/>
+                    <a:p>
+                      <a:pPr algn="ctr" latinLnBrk="1"/>
+                      <a:r>
+                        <a:rPr lang="ko-KR" altLang="en-US" sz="1600" dirty="0"/>
+                        <a:t>판결문</a:t>
+                      </a:r>
+                      <a:endParaRPr lang="ko-KR" altLang="en-US" sz="1600" b="0" dirty="0"/>
+                    </a:p>
+                  </a:txBody>
+                  <a:tcPr anchor="ctr"/>
+                </a:tc>
+                <a:extLst>
+                  <a:ext uri="{0D108BD9-81ED-4DB2-BD59-A6C34878D82A}">
+                    <a16:rowId xmlns:a16="http://schemas.microsoft.com/office/drawing/2014/main" val="3158361180"/>
+                  </a:ext>
+                </a:extLst>
+              </a:tr>
+              <a:tr h="1734924">
+                <a:tc>
+                  <a:txBody>
+                    <a:bodyPr/>
+                    <a:lstStyle/>
+                    <a:p>
+                      <a:pPr latinLnBrk="1"/>
+                      <a:r>
+                        <a:rPr lang="ko-KR" altLang="en-US" sz="1600" dirty="0"/>
+                        <a:t>주문</a:t>
+                      </a:r>
+                    </a:p>
+                    <a:p>
+                      <a:pPr latinLnBrk="1"/>
+                      <a:r>
+                        <a:rPr lang="en-US" altLang="ko-KR" sz="1600" dirty="0"/>
+                        <a:t>1. </a:t>
+                      </a:r>
+                      <a:r>
+                        <a:rPr lang="ko-KR" altLang="en-US" sz="1600" dirty="0"/>
+                        <a:t>이 사건 소를 각하한다</a:t>
+                      </a:r>
+                      <a:r>
+                        <a:rPr lang="en-US" altLang="ko-KR" sz="1600" dirty="0"/>
+                        <a:t>.</a:t>
+                      </a:r>
+                    </a:p>
+                    <a:p>
+                      <a:pPr latinLnBrk="1"/>
+                      <a:r>
+                        <a:rPr lang="en-US" altLang="ko-KR" sz="1600" dirty="0"/>
+                        <a:t>2. </a:t>
+                      </a:r>
+                      <a:r>
+                        <a:rPr lang="ko-KR" altLang="en-US" sz="1600" dirty="0"/>
+                        <a:t>소송비용은 피고가 부담한다</a:t>
+                      </a:r>
+                      <a:r>
+                        <a:rPr lang="en-US" altLang="ko-KR" sz="1600" dirty="0"/>
+                        <a:t>.</a:t>
+                      </a:r>
+                    </a:p>
+                    <a:p>
+                      <a:pPr latinLnBrk="1"/>
+                      <a:r>
+                        <a:rPr lang="ko-KR" altLang="en-US" sz="1600" dirty="0"/>
+                        <a:t>청구취지</a:t>
+                      </a:r>
+                      <a:r>
+                        <a:rPr lang="en-US" altLang="ko-KR" sz="1600" dirty="0"/>
+                        <a:t>….</a:t>
+                      </a:r>
+                      <a:endParaRPr lang="ko-KR" altLang="en-US" sz="1600" dirty="0"/>
+                    </a:p>
+                  </a:txBody>
+                  <a:tcPr/>
+                </a:tc>
+                <a:extLst>
+                  <a:ext uri="{0D108BD9-81ED-4DB2-BD59-A6C34878D82A}">
+                    <a16:rowId xmlns:a16="http://schemas.microsoft.com/office/drawing/2014/main" val="2510539819"/>
+                  </a:ext>
+                </a:extLst>
+              </a:tr>
+            </a:tbl>
+          </a:graphicData>
+        </a:graphic>
+      </p:graphicFrame>
+      <p:graphicFrame>
+        <p:nvGraphicFramePr>
+          <p:cNvPr id="19" name="표 4">
+            <a:extLst>
+              <a:ext uri="{FF2B5EF4-FFF2-40B4-BE49-F238E27FC236}">
+                <a16:creationId xmlns:a16="http://schemas.microsoft.com/office/drawing/2014/main" id="{A72143BE-7B69-4178-B821-C305CEA9F1EF}"/>
+              </a:ext>
+            </a:extLst>
+          </p:cNvPr>
+          <p:cNvGraphicFramePr>
+            <a:graphicFrameLocks/>
+          </p:cNvGraphicFramePr>
+          <p:nvPr>
+            <p:extLst>
+              <p:ext uri="{D42A27DB-BD31-4B8C-83A1-F6EECF244321}">
+                <p14:modId xmlns:p14="http://schemas.microsoft.com/office/powerpoint/2010/main" val="1472643603"/>
+              </p:ext>
+            </p:extLst>
+          </p:nvPr>
+        </p:nvGraphicFramePr>
+        <p:xfrm>
+          <a:off x="5544670" y="1601579"/>
+          <a:ext cx="6271931" cy="2327330"/>
+        </p:xfrm>
+        <a:graphic>
+          <a:graphicData uri="http://schemas.openxmlformats.org/drawingml/2006/table">
+            <a:tbl>
+              <a:tblPr firstRow="1" bandRow="1">
+                <a:tableStyleId>{8799B23B-EC83-4686-B30A-512413B5E67A}</a:tableStyleId>
+              </a:tblPr>
+              <a:tblGrid>
+                <a:gridCol w="6271931">
+                  <a:extLst>
+                    <a:ext uri="{9D8B030D-6E8A-4147-A177-3AD203B41FA5}">
+                      <a16:colId xmlns:a16="http://schemas.microsoft.com/office/drawing/2014/main" val="2873015861"/>
+                    </a:ext>
+                  </a:extLst>
+                </a:gridCol>
+              </a:tblGrid>
+              <a:tr h="256252">
+                <a:tc>
+                  <a:txBody>
+                    <a:bodyPr/>
+                    <a:lstStyle/>
+                    <a:p>
+                      <a:pPr algn="ctr" latinLnBrk="1"/>
+                      <a:r>
+                        <a:rPr lang="ko-KR" altLang="en-US" sz="1600" dirty="0"/>
+                        <a:t>업무환경</a:t>
+                      </a:r>
+                      <a:endParaRPr lang="ko-KR" altLang="en-US" sz="1600" b="0" dirty="0"/>
+                    </a:p>
+                  </a:txBody>
+                  <a:tcPr anchor="ctr"/>
+                </a:tc>
+                <a:extLst>
+                  <a:ext uri="{0D108BD9-81ED-4DB2-BD59-A6C34878D82A}">
+                    <a16:rowId xmlns:a16="http://schemas.microsoft.com/office/drawing/2014/main" val="3158361180"/>
+                  </a:ext>
+                </a:extLst>
+              </a:tr>
+              <a:tr h="1992050">
+                <a:tc>
+                  <a:txBody>
+                    <a:bodyPr/>
+                    <a:lstStyle/>
+                    <a:p>
+                      <a:pPr latinLnBrk="1"/>
+                      <a:r>
+                        <a:rPr lang="en-US" altLang="ko-KR" sz="1600" dirty="0"/>
+                        <a:t>…</a:t>
+                      </a:r>
+                      <a:endParaRPr lang="ko-KR" altLang="en-US" sz="1600" dirty="0"/>
+                    </a:p>
+                  </a:txBody>
+                  <a:tcPr/>
+                </a:tc>
+                <a:extLst>
+                  <a:ext uri="{0D108BD9-81ED-4DB2-BD59-A6C34878D82A}">
+                    <a16:rowId xmlns:a16="http://schemas.microsoft.com/office/drawing/2014/main" val="2510539819"/>
+                  </a:ext>
+                </a:extLst>
+              </a:tr>
+            </a:tbl>
+          </a:graphicData>
+        </a:graphic>
+      </p:graphicFrame>
+      <p:grpSp>
+        <p:nvGrpSpPr>
+          <p:cNvPr id="23" name="그룹 22">
+            <a:extLst>
+              <a:ext uri="{FF2B5EF4-FFF2-40B4-BE49-F238E27FC236}">
+                <a16:creationId xmlns:a16="http://schemas.microsoft.com/office/drawing/2014/main" id="{6D37505C-12F8-4C7D-B8D6-D3D18498EFF0}"/>
+              </a:ext>
+            </a:extLst>
+          </p:cNvPr>
+          <p:cNvGrpSpPr/>
+          <p:nvPr/>
+        </p:nvGrpSpPr>
+        <p:grpSpPr>
+          <a:xfrm>
+            <a:off x="11419912" y="4788274"/>
+            <a:ext cx="396688" cy="1757096"/>
+            <a:chOff x="4075580" y="5677629"/>
+            <a:chExt cx="396688" cy="4376780"/>
+          </a:xfrm>
+        </p:grpSpPr>
+        <p:sp>
+          <p:nvSpPr>
+            <p:cNvPr id="20" name="직사각형 19">
+              <a:extLst>
+                <a:ext uri="{FF2B5EF4-FFF2-40B4-BE49-F238E27FC236}">
+                  <a16:creationId xmlns:a16="http://schemas.microsoft.com/office/drawing/2014/main" id="{185F3002-836A-44EF-A30B-C3B333E3CBF6}"/>
+                </a:ext>
+              </a:extLst>
+            </p:cNvPr>
+            <p:cNvSpPr/>
+            <p:nvPr/>
+          </p:nvSpPr>
+          <p:spPr>
+            <a:xfrm>
+              <a:off x="4089027" y="5697562"/>
+              <a:ext cx="376518" cy="4356847"/>
+            </a:xfrm>
+            <a:prstGeom prst="rect">
+              <a:avLst/>
+            </a:prstGeom>
+          </p:spPr>
+          <p:style>
+            <a:lnRef idx="1">
+              <a:schemeClr val="dk1"/>
+            </a:lnRef>
+            <a:fillRef idx="2">
+              <a:schemeClr val="dk1"/>
+            </a:fillRef>
+            <a:effectRef idx="1">
+              <a:schemeClr val="dk1"/>
+            </a:effectRef>
+            <a:fontRef idx="minor">
+              <a:schemeClr val="dk1"/>
+            </a:fontRef>
+          </p:style>
+          <p:txBody>
+            <a:bodyPr rtlCol="0" anchor="ctr"/>
+            <a:lstStyle/>
+            <a:p>
+              <a:pPr algn="ctr"/>
+              <a:endParaRPr lang="ko-KR" altLang="en-US"/>
+            </a:p>
+          </p:txBody>
+        </p:sp>
+        <p:sp>
+          <p:nvSpPr>
+            <p:cNvPr id="21" name="직사각형 20">
+              <a:extLst>
+                <a:ext uri="{FF2B5EF4-FFF2-40B4-BE49-F238E27FC236}">
+                  <a16:creationId xmlns:a16="http://schemas.microsoft.com/office/drawing/2014/main" id="{19B08E16-DC7E-4D19-A350-370D24EEA1D5}"/>
+                </a:ext>
+              </a:extLst>
+            </p:cNvPr>
+            <p:cNvSpPr/>
+            <p:nvPr/>
+          </p:nvSpPr>
+          <p:spPr>
+            <a:xfrm>
+              <a:off x="4075580" y="5677629"/>
+              <a:ext cx="396688" cy="1512557"/>
+            </a:xfrm>
+            <a:prstGeom prst="rect">
+              <a:avLst/>
+            </a:prstGeom>
+            <a:solidFill>
+              <a:schemeClr val="bg1">
+                <a:lumMod val="95000"/>
+              </a:schemeClr>
+            </a:solidFill>
+          </p:spPr>
+          <p:style>
+            <a:lnRef idx="1">
+              <a:schemeClr val="dk1"/>
+            </a:lnRef>
+            <a:fillRef idx="2">
+              <a:schemeClr val="dk1"/>
+            </a:fillRef>
+            <a:effectRef idx="1">
+              <a:schemeClr val="dk1"/>
+            </a:effectRef>
+            <a:fontRef idx="minor">
+              <a:schemeClr val="dk1"/>
+            </a:fontRef>
+          </p:style>
+          <p:txBody>
+            <a:bodyPr rtlCol="0" anchor="ctr"/>
+            <a:lstStyle/>
+            <a:p>
+              <a:pPr algn="ctr"/>
+              <a:endParaRPr lang="ko-KR" altLang="en-US"/>
+            </a:p>
+          </p:txBody>
+        </p:sp>
+      </p:grpSp>
+      <p:sp>
+        <p:nvSpPr>
+          <p:cNvPr id="24" name="직사각형 23">
+            <a:extLst>
+              <a:ext uri="{FF2B5EF4-FFF2-40B4-BE49-F238E27FC236}">
+                <a16:creationId xmlns:a16="http://schemas.microsoft.com/office/drawing/2014/main" id="{5EF8D87E-0190-4AE4-9EC4-7BDEAA83748C}"/>
+              </a:ext>
+            </a:extLst>
+          </p:cNvPr>
+          <p:cNvSpPr/>
+          <p:nvPr/>
+        </p:nvSpPr>
+        <p:spPr>
+          <a:xfrm>
+            <a:off x="264525" y="1572550"/>
+            <a:ext cx="4568732" cy="2070203"/>
+          </a:xfrm>
+          <a:prstGeom prst="rect">
+            <a:avLst/>
+          </a:prstGeom>
+          <a:noFill/>
+          <a:ln>
+            <a:solidFill>
+              <a:srgbClr val="FF0000"/>
+            </a:solidFill>
+            <a:prstDash val="dash"/>
+          </a:ln>
+        </p:spPr>
+        <p:style>
+          <a:lnRef idx="2">
+            <a:schemeClr val="accent1">
+              <a:shade val="50000"/>
+            </a:schemeClr>
+          </a:lnRef>
+          <a:fillRef idx="1">
+            <a:schemeClr val="accent1"/>
+          </a:fillRef>
+          <a:effectRef idx="0">
+            <a:schemeClr val="accent1"/>
+          </a:effectRef>
+          <a:fontRef idx="minor">
+            <a:schemeClr val="lt1"/>
+          </a:fontRef>
+        </p:style>
+        <p:txBody>
+          <a:bodyPr rtlCol="0" anchor="ctr"/>
+          <a:lstStyle/>
+          <a:p>
+            <a:pPr algn="ctr"/>
+            <a:endParaRPr lang="ko-KR" altLang="en-US"/>
+          </a:p>
+        </p:txBody>
+      </p:sp>
+      <p:sp>
+        <p:nvSpPr>
+          <p:cNvPr id="25" name="직사각형 24">
+            <a:extLst>
+              <a:ext uri="{FF2B5EF4-FFF2-40B4-BE49-F238E27FC236}">
+                <a16:creationId xmlns:a16="http://schemas.microsoft.com/office/drawing/2014/main" id="{E7E39A74-4A91-432D-B172-98F2529B8E56}"/>
+              </a:ext>
+            </a:extLst>
+          </p:cNvPr>
+          <p:cNvSpPr/>
+          <p:nvPr/>
+        </p:nvSpPr>
+        <p:spPr>
+          <a:xfrm>
+            <a:off x="1816826" y="2193619"/>
+            <a:ext cx="1813561" cy="331867"/>
+          </a:xfrm>
+          <a:prstGeom prst="rect">
+            <a:avLst/>
+          </a:prstGeom>
+        </p:spPr>
+        <p:style>
+          <a:lnRef idx="2">
+            <a:schemeClr val="accent2">
+              <a:shade val="50000"/>
+            </a:schemeClr>
+          </a:lnRef>
+          <a:fillRef idx="1">
+            <a:schemeClr val="accent2"/>
+          </a:fillRef>
+          <a:effectRef idx="0">
+            <a:schemeClr val="accent2"/>
+          </a:effectRef>
+          <a:fontRef idx="minor">
+            <a:schemeClr val="lt1"/>
+          </a:fontRef>
+        </p:style>
+        <p:txBody>
+          <a:bodyPr rtlCol="0" anchor="ctr"/>
+          <a:lstStyle/>
+          <a:p>
+            <a:pPr algn="ctr"/>
+            <a:r>
+              <a:rPr lang="ko-KR" altLang="en-US" sz="1400"/>
+              <a:t>수정불가</a:t>
+            </a:r>
+            <a:endParaRPr lang="ko-KR" altLang="en-US" sz="1400" dirty="0"/>
+          </a:p>
+        </p:txBody>
+      </p:sp>
+      <p:sp>
+        <p:nvSpPr>
+          <p:cNvPr id="27" name="직사각형 26">
+            <a:extLst>
+              <a:ext uri="{FF2B5EF4-FFF2-40B4-BE49-F238E27FC236}">
+                <a16:creationId xmlns:a16="http://schemas.microsoft.com/office/drawing/2014/main" id="{A7162A4C-FCA9-44F7-B562-B8EB06929A22}"/>
+              </a:ext>
+            </a:extLst>
+          </p:cNvPr>
+          <p:cNvSpPr/>
+          <p:nvPr/>
+        </p:nvSpPr>
+        <p:spPr>
+          <a:xfrm>
+            <a:off x="264525" y="3712179"/>
+            <a:ext cx="4568732" cy="693561"/>
+          </a:xfrm>
+          <a:prstGeom prst="rect">
+            <a:avLst/>
+          </a:prstGeom>
+          <a:noFill/>
+          <a:ln>
+            <a:solidFill>
+              <a:srgbClr val="FF0000"/>
+            </a:solidFill>
+            <a:prstDash val="dash"/>
+          </a:ln>
+        </p:spPr>
+        <p:style>
+          <a:lnRef idx="2">
+            <a:schemeClr val="accent1">
+              <a:shade val="50000"/>
+            </a:schemeClr>
+          </a:lnRef>
+          <a:fillRef idx="1">
+            <a:schemeClr val="accent1"/>
+          </a:fillRef>
+          <a:effectRef idx="0">
+            <a:schemeClr val="accent1"/>
+          </a:effectRef>
+          <a:fontRef idx="minor">
+            <a:schemeClr val="lt1"/>
+          </a:fontRef>
+        </p:style>
+        <p:txBody>
+          <a:bodyPr rtlCol="0" anchor="ctr"/>
+          <a:lstStyle/>
+          <a:p>
+            <a:pPr algn="ctr"/>
+            <a:endParaRPr lang="ko-KR" altLang="en-US"/>
+          </a:p>
+        </p:txBody>
+      </p:sp>
+      <p:sp>
+        <p:nvSpPr>
+          <p:cNvPr id="28" name="직사각형 27">
+            <a:extLst>
+              <a:ext uri="{FF2B5EF4-FFF2-40B4-BE49-F238E27FC236}">
+                <a16:creationId xmlns:a16="http://schemas.microsoft.com/office/drawing/2014/main" id="{1B2587C5-F929-4C61-9B12-86687377A68C}"/>
+              </a:ext>
+            </a:extLst>
+          </p:cNvPr>
+          <p:cNvSpPr/>
+          <p:nvPr/>
+        </p:nvSpPr>
+        <p:spPr>
+          <a:xfrm>
+            <a:off x="1816825" y="3857143"/>
+            <a:ext cx="3127305" cy="331867"/>
+          </a:xfrm>
+          <a:prstGeom prst="rect">
+            <a:avLst/>
+          </a:prstGeom>
+        </p:spPr>
+        <p:style>
+          <a:lnRef idx="2">
+            <a:schemeClr val="accent2">
+              <a:shade val="50000"/>
+            </a:schemeClr>
+          </a:lnRef>
+          <a:fillRef idx="1">
+            <a:schemeClr val="accent2"/>
+          </a:fillRef>
+          <a:effectRef idx="0">
+            <a:schemeClr val="accent2"/>
+          </a:effectRef>
+          <a:fontRef idx="minor">
+            <a:schemeClr val="lt1"/>
+          </a:fontRef>
+        </p:style>
+        <p:txBody>
+          <a:bodyPr rtlCol="0" anchor="ctr"/>
+          <a:lstStyle/>
+          <a:p>
+            <a:pPr algn="ctr"/>
+            <a:r>
+              <a:rPr lang="ko-KR" altLang="en-US" sz="1400"/>
+              <a:t>판결문에서 자동 혹은 수동으로 추출</a:t>
+            </a:r>
+            <a:endParaRPr lang="ko-KR" altLang="en-US" sz="1400" dirty="0"/>
+          </a:p>
+        </p:txBody>
+      </p:sp>
+      <p:sp>
+        <p:nvSpPr>
+          <p:cNvPr id="29" name="직사각형 28">
+            <a:extLst>
+              <a:ext uri="{FF2B5EF4-FFF2-40B4-BE49-F238E27FC236}">
+                <a16:creationId xmlns:a16="http://schemas.microsoft.com/office/drawing/2014/main" id="{B40D3E38-D17F-4BA8-98D7-416E358D5777}"/>
+              </a:ext>
+            </a:extLst>
+          </p:cNvPr>
+          <p:cNvSpPr/>
+          <p:nvPr/>
+        </p:nvSpPr>
+        <p:spPr>
+          <a:xfrm>
+            <a:off x="7105800" y="2275784"/>
+            <a:ext cx="3127305" cy="331867"/>
+          </a:xfrm>
+          <a:prstGeom prst="rect">
+            <a:avLst/>
+          </a:prstGeom>
+        </p:spPr>
+        <p:style>
+          <a:lnRef idx="2">
+            <a:schemeClr val="accent2">
+              <a:shade val="50000"/>
+            </a:schemeClr>
+          </a:lnRef>
+          <a:fillRef idx="1">
+            <a:schemeClr val="accent2"/>
+          </a:fillRef>
+          <a:effectRef idx="0">
+            <a:schemeClr val="accent2"/>
+          </a:effectRef>
+          <a:fontRef idx="minor">
+            <a:schemeClr val="lt1"/>
+          </a:fontRef>
+        </p:style>
+        <p:txBody>
+          <a:bodyPr rtlCol="0" anchor="ctr"/>
+          <a:lstStyle/>
+          <a:p>
+            <a:pPr algn="ctr"/>
+            <a:r>
+              <a:rPr lang="ko-KR" altLang="en-US" sz="1400" dirty="0"/>
+              <a:t>판결문에서 수동으로 추출</a:t>
+            </a:r>
+          </a:p>
+        </p:txBody>
+      </p:sp>
+      <p:sp>
+        <p:nvSpPr>
+          <p:cNvPr id="30" name="직사각형 29">
+            <a:extLst>
+              <a:ext uri="{FF2B5EF4-FFF2-40B4-BE49-F238E27FC236}">
+                <a16:creationId xmlns:a16="http://schemas.microsoft.com/office/drawing/2014/main" id="{A131D65F-DFE1-4D01-B45D-854B3DD83664}"/>
+              </a:ext>
+            </a:extLst>
+          </p:cNvPr>
+          <p:cNvSpPr/>
+          <p:nvPr/>
+        </p:nvSpPr>
+        <p:spPr>
+          <a:xfrm>
+            <a:off x="247427" y="4570309"/>
+            <a:ext cx="11683316" cy="2070203"/>
+          </a:xfrm>
+          <a:prstGeom prst="rect">
+            <a:avLst/>
+          </a:prstGeom>
+          <a:noFill/>
+          <a:ln>
+            <a:solidFill>
+              <a:srgbClr val="FF0000"/>
+            </a:solidFill>
+            <a:prstDash val="dash"/>
+          </a:ln>
+        </p:spPr>
+        <p:style>
+          <a:lnRef idx="2">
+            <a:schemeClr val="accent1">
+              <a:shade val="50000"/>
+            </a:schemeClr>
+          </a:lnRef>
+          <a:fillRef idx="1">
+            <a:schemeClr val="accent1"/>
+          </a:fillRef>
+          <a:effectRef idx="0">
+            <a:schemeClr val="accent1"/>
+          </a:effectRef>
+          <a:fontRef idx="minor">
+            <a:schemeClr val="lt1"/>
+          </a:fontRef>
+        </p:style>
+        <p:txBody>
+          <a:bodyPr rtlCol="0" anchor="ctr"/>
+          <a:lstStyle/>
+          <a:p>
+            <a:pPr algn="ctr"/>
+            <a:endParaRPr lang="ko-KR" altLang="en-US"/>
+          </a:p>
+        </p:txBody>
+      </p:sp>
+      <p:sp>
+        <p:nvSpPr>
+          <p:cNvPr id="31" name="직사각형 30">
+            <a:extLst>
+              <a:ext uri="{FF2B5EF4-FFF2-40B4-BE49-F238E27FC236}">
+                <a16:creationId xmlns:a16="http://schemas.microsoft.com/office/drawing/2014/main" id="{601E2197-5574-4138-90C7-6745B1DB09B4}"/>
+              </a:ext>
+            </a:extLst>
+          </p:cNvPr>
+          <p:cNvSpPr/>
+          <p:nvPr/>
+        </p:nvSpPr>
+        <p:spPr>
+          <a:xfrm>
+            <a:off x="1928488" y="5364051"/>
+            <a:ext cx="3962443" cy="643418"/>
+          </a:xfrm>
+          <a:prstGeom prst="rect">
+            <a:avLst/>
+          </a:prstGeom>
+        </p:spPr>
+        <p:style>
+          <a:lnRef idx="2">
+            <a:schemeClr val="accent2">
+              <a:shade val="50000"/>
+            </a:schemeClr>
+          </a:lnRef>
+          <a:fillRef idx="1">
+            <a:schemeClr val="accent2"/>
+          </a:fillRef>
+          <a:effectRef idx="0">
+            <a:schemeClr val="accent2"/>
+          </a:effectRef>
+          <a:fontRef idx="minor">
+            <a:schemeClr val="lt1"/>
+          </a:fontRef>
+        </p:style>
+        <p:txBody>
+          <a:bodyPr rtlCol="0" anchor="ctr"/>
+          <a:lstStyle/>
+          <a:p>
+            <a:pPr marL="285750" indent="-285750">
+              <a:buFontTx/>
+              <a:buChar char="-"/>
+            </a:pPr>
+            <a:r>
+              <a:rPr lang="ko-KR" altLang="en-US" sz="1400" dirty="0"/>
+              <a:t>수정불가</a:t>
+            </a:r>
+            <a:endParaRPr lang="en-US" altLang="ko-KR" sz="1400" dirty="0"/>
+          </a:p>
+          <a:p>
+            <a:pPr marL="285750" indent="-285750">
+              <a:buFontTx/>
+              <a:buChar char="-"/>
+            </a:pPr>
+            <a:r>
+              <a:rPr lang="ko-KR" altLang="en-US" sz="1400" dirty="0"/>
+              <a:t>판결문 내용을 이용하여 입력 할 수 있도록 선택</a:t>
+            </a:r>
+            <a:r>
+              <a:rPr lang="en-US" altLang="ko-KR" sz="1400" dirty="0"/>
+              <a:t>/</a:t>
+            </a:r>
+            <a:r>
+              <a:rPr lang="ko-KR" altLang="en-US" sz="1400" dirty="0"/>
+              <a:t>복사 가능</a:t>
+            </a:r>
+            <a:endParaRPr lang="en-US" altLang="ko-KR" sz="1400" dirty="0"/>
+          </a:p>
+        </p:txBody>
+      </p:sp>
+      <p:sp>
+        <p:nvSpPr>
+          <p:cNvPr id="32" name="직사각형 31">
+            <a:extLst>
+              <a:ext uri="{FF2B5EF4-FFF2-40B4-BE49-F238E27FC236}">
+                <a16:creationId xmlns:a16="http://schemas.microsoft.com/office/drawing/2014/main" id="{40052939-B9AE-4BD2-AAA4-8D1860A72814}"/>
+              </a:ext>
+            </a:extLst>
+          </p:cNvPr>
+          <p:cNvSpPr/>
+          <p:nvPr/>
+        </p:nvSpPr>
+        <p:spPr>
+          <a:xfrm>
+            <a:off x="8847954" y="5666959"/>
+            <a:ext cx="2770302" cy="606954"/>
+          </a:xfrm>
+          <a:prstGeom prst="rect">
+            <a:avLst/>
+          </a:prstGeom>
+        </p:spPr>
+        <p:style>
+          <a:lnRef idx="2">
+            <a:schemeClr val="accent2">
+              <a:shade val="50000"/>
+            </a:schemeClr>
+          </a:lnRef>
+          <a:fillRef idx="1">
+            <a:schemeClr val="accent2"/>
+          </a:fillRef>
+          <a:effectRef idx="0">
+            <a:schemeClr val="accent2"/>
+          </a:effectRef>
+          <a:fontRef idx="minor">
+            <a:schemeClr val="lt1"/>
+          </a:fontRef>
+        </p:style>
+        <p:txBody>
+          <a:bodyPr rtlCol="0" anchor="ctr"/>
+          <a:lstStyle/>
+          <a:p>
+            <a:pPr algn="ctr"/>
+            <a:r>
+              <a:rPr lang="ko-KR" altLang="en-US" sz="1400" dirty="0"/>
+              <a:t>양이 많으니 스크롤 가능해야 함</a:t>
+            </a:r>
+          </a:p>
+        </p:txBody>
+      </p:sp>
+      <p:sp>
+        <p:nvSpPr>
+          <p:cNvPr id="33" name="사각형: 둥근 모서리 32">
+            <a:extLst>
+              <a:ext uri="{FF2B5EF4-FFF2-40B4-BE49-F238E27FC236}">
+                <a16:creationId xmlns:a16="http://schemas.microsoft.com/office/drawing/2014/main" id="{97FFADE9-5A35-454E-BC47-3668D1D49F85}"/>
+              </a:ext>
+            </a:extLst>
+          </p:cNvPr>
+          <p:cNvSpPr/>
+          <p:nvPr/>
+        </p:nvSpPr>
+        <p:spPr>
+          <a:xfrm>
+            <a:off x="5505611" y="4045224"/>
+            <a:ext cx="1639901" cy="360515"/>
+          </a:xfrm>
+          <a:prstGeom prst="roundRect">
+            <a:avLst/>
+          </a:prstGeom>
+          <a:ln>
+            <a:solidFill>
+              <a:schemeClr val="bg1">
+                <a:lumMod val="95000"/>
+              </a:schemeClr>
+            </a:solidFill>
+          </a:ln>
+          <a:effectLst>
+            <a:glow rad="63500">
+              <a:schemeClr val="accent3">
+                <a:satMod val="175000"/>
+                <a:alpha val="40000"/>
+              </a:schemeClr>
+            </a:glow>
+          </a:effectLst>
+        </p:spPr>
+        <p:style>
+          <a:lnRef idx="2">
+            <a:schemeClr val="accent3">
+              <a:shade val="50000"/>
+            </a:schemeClr>
+          </a:lnRef>
+          <a:fillRef idx="1">
+            <a:schemeClr val="accent3"/>
+          </a:fillRef>
+          <a:effectRef idx="0">
+            <a:schemeClr val="accent3"/>
+          </a:effectRef>
+          <a:fontRef idx="minor">
+            <a:schemeClr val="lt1"/>
+          </a:fontRef>
+        </p:style>
+        <p:txBody>
+          <a:bodyPr rtlCol="0" anchor="ctr"/>
+          <a:lstStyle/>
+          <a:p>
+            <a:pPr algn="ctr"/>
+            <a:r>
+              <a:rPr lang="ko-KR" altLang="en-US"/>
+              <a:t>편집</a:t>
+            </a:r>
+            <a:endParaRPr lang="ko-KR" altLang="en-US" dirty="0"/>
+          </a:p>
+        </p:txBody>
+      </p:sp>
+      <p:sp>
+        <p:nvSpPr>
+          <p:cNvPr id="34" name="사각형: 둥근 모서리 33">
+            <a:extLst>
+              <a:ext uri="{FF2B5EF4-FFF2-40B4-BE49-F238E27FC236}">
+                <a16:creationId xmlns:a16="http://schemas.microsoft.com/office/drawing/2014/main" id="{FCEE2CE7-814C-4FFB-AC08-147B4DCD67E4}"/>
+              </a:ext>
+            </a:extLst>
+          </p:cNvPr>
+          <p:cNvSpPr/>
+          <p:nvPr/>
+        </p:nvSpPr>
+        <p:spPr>
+          <a:xfrm>
+            <a:off x="7225107" y="4058959"/>
+            <a:ext cx="1639901" cy="360515"/>
+          </a:xfrm>
+          <a:prstGeom prst="roundRect">
+            <a:avLst/>
+          </a:prstGeom>
+          <a:ln>
+            <a:solidFill>
+              <a:schemeClr val="bg1">
+                <a:lumMod val="95000"/>
+              </a:schemeClr>
+            </a:solidFill>
+          </a:ln>
+          <a:effectLst>
+            <a:glow rad="63500">
+              <a:schemeClr val="accent3">
+                <a:satMod val="175000"/>
+                <a:alpha val="40000"/>
+              </a:schemeClr>
+            </a:glow>
+          </a:effectLst>
+        </p:spPr>
+        <p:style>
+          <a:lnRef idx="2">
+            <a:schemeClr val="accent3">
+              <a:shade val="50000"/>
+            </a:schemeClr>
+          </a:lnRef>
+          <a:fillRef idx="1">
+            <a:schemeClr val="accent3"/>
+          </a:fillRef>
+          <a:effectRef idx="0">
+            <a:schemeClr val="accent3"/>
+          </a:effectRef>
+          <a:fontRef idx="minor">
+            <a:schemeClr val="lt1"/>
+          </a:fontRef>
+        </p:style>
+        <p:txBody>
+          <a:bodyPr rtlCol="0" anchor="ctr"/>
+          <a:lstStyle/>
+          <a:p>
+            <a:pPr algn="ctr"/>
+            <a:r>
+              <a:rPr lang="ko-KR" altLang="en-US"/>
+              <a:t>저장</a:t>
+            </a:r>
+            <a:endParaRPr lang="ko-KR" altLang="en-US" dirty="0"/>
+          </a:p>
+        </p:txBody>
+      </p:sp>
+      <p:sp>
+        <p:nvSpPr>
+          <p:cNvPr id="35" name="사각형: 둥근 모서리 34">
+            <a:extLst>
+              <a:ext uri="{FF2B5EF4-FFF2-40B4-BE49-F238E27FC236}">
+                <a16:creationId xmlns:a16="http://schemas.microsoft.com/office/drawing/2014/main" id="{2B6A5138-3AF2-4074-A6D4-F972C74D2B76}"/>
+              </a:ext>
+            </a:extLst>
+          </p:cNvPr>
+          <p:cNvSpPr/>
+          <p:nvPr/>
+        </p:nvSpPr>
+        <p:spPr>
+          <a:xfrm>
+            <a:off x="8944603" y="4045064"/>
+            <a:ext cx="1639901" cy="360515"/>
+          </a:xfrm>
+          <a:prstGeom prst="roundRect">
+            <a:avLst/>
+          </a:prstGeom>
+          <a:ln>
+            <a:solidFill>
+              <a:schemeClr val="bg1">
+                <a:lumMod val="95000"/>
+              </a:schemeClr>
+            </a:solidFill>
+          </a:ln>
+          <a:effectLst>
+            <a:glow rad="63500">
+              <a:schemeClr val="accent3">
+                <a:satMod val="175000"/>
+                <a:alpha val="40000"/>
+              </a:schemeClr>
+            </a:glow>
+          </a:effectLst>
+        </p:spPr>
+        <p:style>
+          <a:lnRef idx="2">
+            <a:schemeClr val="accent3">
+              <a:shade val="50000"/>
+            </a:schemeClr>
+          </a:lnRef>
+          <a:fillRef idx="1">
+            <a:schemeClr val="accent3"/>
+          </a:fillRef>
+          <a:effectRef idx="0">
+            <a:schemeClr val="accent3"/>
+          </a:effectRef>
+          <a:fontRef idx="minor">
+            <a:schemeClr val="lt1"/>
+          </a:fontRef>
+        </p:style>
+        <p:txBody>
+          <a:bodyPr rtlCol="0" anchor="ctr"/>
+          <a:lstStyle/>
+          <a:p>
+            <a:pPr algn="ctr"/>
+            <a:r>
+              <a:rPr lang="ko-KR" altLang="en-US" dirty="0"/>
+              <a:t>취소</a:t>
+            </a:r>
+          </a:p>
+        </p:txBody>
+      </p:sp>
+      <p:sp>
+        <p:nvSpPr>
+          <p:cNvPr id="36" name="직사각형 35">
+            <a:extLst>
+              <a:ext uri="{FF2B5EF4-FFF2-40B4-BE49-F238E27FC236}">
+                <a16:creationId xmlns:a16="http://schemas.microsoft.com/office/drawing/2014/main" id="{7F86A1A2-13BC-48FF-B484-6E073FD9F1B9}"/>
+              </a:ext>
+            </a:extLst>
+          </p:cNvPr>
+          <p:cNvSpPr/>
+          <p:nvPr/>
+        </p:nvSpPr>
+        <p:spPr>
+          <a:xfrm>
+            <a:off x="5552081" y="3153908"/>
+            <a:ext cx="6375394" cy="692960"/>
+          </a:xfrm>
+          <a:prstGeom prst="rect">
+            <a:avLst/>
+          </a:prstGeom>
+        </p:spPr>
+        <p:style>
+          <a:lnRef idx="2">
+            <a:schemeClr val="accent2">
+              <a:shade val="50000"/>
+            </a:schemeClr>
+          </a:lnRef>
+          <a:fillRef idx="1">
+            <a:schemeClr val="accent2"/>
+          </a:fillRef>
+          <a:effectRef idx="0">
+            <a:schemeClr val="accent2"/>
+          </a:effectRef>
+          <a:fontRef idx="minor">
+            <a:schemeClr val="lt1"/>
+          </a:fontRef>
+        </p:style>
+        <p:txBody>
+          <a:bodyPr rtlCol="0" anchor="ctr"/>
+          <a:lstStyle/>
+          <a:p>
+            <a:r>
+              <a:rPr lang="en-US" altLang="ko-KR" sz="1400" b="1" dirty="0">
+                <a:solidFill>
+                  <a:schemeClr val="tx1"/>
+                </a:solidFill>
+              </a:rPr>
+              <a:t>‘</a:t>
+            </a:r>
+            <a:r>
+              <a:rPr lang="ko-KR" altLang="en-US" sz="1400" b="1" dirty="0">
+                <a:solidFill>
+                  <a:schemeClr val="tx1"/>
+                </a:solidFill>
+              </a:rPr>
+              <a:t>편집</a:t>
+            </a:r>
+            <a:r>
+              <a:rPr lang="en-US" altLang="ko-KR" sz="1400" b="1" dirty="0">
+                <a:solidFill>
+                  <a:schemeClr val="tx1"/>
+                </a:solidFill>
+              </a:rPr>
+              <a:t>’</a:t>
+            </a:r>
+            <a:r>
+              <a:rPr lang="ko-KR" altLang="en-US" sz="1400" dirty="0"/>
+              <a:t>을 누르면</a:t>
+            </a:r>
+            <a:r>
+              <a:rPr lang="en-US" altLang="ko-KR" sz="1400" dirty="0"/>
+              <a:t>, </a:t>
+            </a:r>
+            <a:r>
+              <a:rPr lang="ko-KR" altLang="en-US" sz="1400" dirty="0"/>
+              <a:t>편집 가능한 속성인 </a:t>
+            </a:r>
+            <a:r>
+              <a:rPr lang="en-US" altLang="ko-KR" sz="1400" dirty="0"/>
+              <a:t>‘</a:t>
+            </a:r>
+            <a:r>
+              <a:rPr lang="ko-KR" altLang="en-US" sz="1400" dirty="0"/>
+              <a:t>질병분류</a:t>
+            </a:r>
+            <a:r>
+              <a:rPr lang="en-US" altLang="ko-KR" sz="1400" dirty="0"/>
+              <a:t>/ </a:t>
+            </a:r>
+            <a:r>
+              <a:rPr lang="ko-KR" altLang="en-US" sz="1400" dirty="0"/>
+              <a:t>업무환경</a:t>
+            </a:r>
+            <a:r>
+              <a:rPr lang="en-US" altLang="ko-KR" sz="1400" dirty="0"/>
+              <a:t>’</a:t>
+            </a:r>
+            <a:r>
+              <a:rPr lang="ko-KR" altLang="en-US" sz="1400" dirty="0"/>
+              <a:t>이 수정 가능한 상태로 된다</a:t>
+            </a:r>
+            <a:r>
+              <a:rPr lang="en-US" altLang="ko-KR" sz="1400" dirty="0"/>
+              <a:t>. </a:t>
+            </a:r>
+            <a:r>
+              <a:rPr lang="en-US" altLang="ko-KR" sz="1400" b="1" dirty="0">
+                <a:solidFill>
+                  <a:schemeClr val="tx1"/>
+                </a:solidFill>
+              </a:rPr>
+              <a:t>‘</a:t>
+            </a:r>
+            <a:r>
+              <a:rPr lang="ko-KR" altLang="en-US" sz="1400" b="1" dirty="0">
+                <a:solidFill>
+                  <a:schemeClr val="tx1"/>
+                </a:solidFill>
+              </a:rPr>
+              <a:t>저장</a:t>
+            </a:r>
+            <a:r>
+              <a:rPr lang="en-US" altLang="ko-KR" sz="1400" b="1" dirty="0">
+                <a:solidFill>
+                  <a:schemeClr val="tx1"/>
+                </a:solidFill>
+              </a:rPr>
+              <a:t>’</a:t>
+            </a:r>
+            <a:r>
+              <a:rPr lang="ko-KR" altLang="en-US" sz="1400" dirty="0"/>
+              <a:t>을 누르면 수정 된 내용이 </a:t>
+            </a:r>
+            <a:r>
+              <a:rPr lang="en-US" altLang="ko-KR" sz="1400" dirty="0"/>
+              <a:t>DB</a:t>
+            </a:r>
+            <a:r>
+              <a:rPr lang="ko-KR" altLang="en-US" sz="1400" dirty="0"/>
+              <a:t>에 업데이트 된다</a:t>
+            </a:r>
+            <a:r>
+              <a:rPr lang="en-US" altLang="ko-KR" sz="1400" dirty="0"/>
+              <a:t>. </a:t>
+            </a:r>
+            <a:r>
+              <a:rPr lang="en-US" altLang="ko-KR" sz="1400" b="1" dirty="0">
+                <a:solidFill>
+                  <a:schemeClr val="tx1"/>
+                </a:solidFill>
+              </a:rPr>
+              <a:t>‘</a:t>
+            </a:r>
+            <a:r>
+              <a:rPr lang="ko-KR" altLang="en-US" sz="1400" b="1" dirty="0">
+                <a:solidFill>
+                  <a:schemeClr val="tx1"/>
+                </a:solidFill>
+              </a:rPr>
+              <a:t>취소</a:t>
+            </a:r>
+            <a:r>
+              <a:rPr lang="en-US" altLang="ko-KR" sz="1400" b="1" dirty="0">
+                <a:solidFill>
+                  <a:schemeClr val="tx1"/>
+                </a:solidFill>
+              </a:rPr>
+              <a:t>＇</a:t>
+            </a:r>
+            <a:r>
+              <a:rPr lang="ko-KR" altLang="en-US" sz="1400" dirty="0"/>
+              <a:t>를 누르면 최종 저장 된 상태로 데이터가 다시 복구되고</a:t>
+            </a:r>
+            <a:r>
+              <a:rPr lang="en-US" altLang="ko-KR" sz="1400" dirty="0"/>
+              <a:t>, </a:t>
+            </a:r>
+            <a:r>
+              <a:rPr lang="ko-KR" altLang="en-US" sz="1400" dirty="0"/>
+              <a:t>편집 상태가 취소 된다</a:t>
+            </a:r>
+            <a:r>
+              <a:rPr lang="en-US" altLang="ko-KR" sz="1400" dirty="0"/>
+              <a:t>.</a:t>
+            </a:r>
+            <a:endParaRPr lang="ko-KR" altLang="en-US" sz="1400" dirty="0"/>
+          </a:p>
+        </p:txBody>
+      </p:sp>
+    </p:spTree>
+    <p:extLst>
+      <p:ext uri="{BB962C8B-B14F-4D97-AF65-F5344CB8AC3E}">
+        <p14:creationId xmlns:p14="http://schemas.microsoft.com/office/powerpoint/2010/main" val="1199092559"/>
       </p:ext>
     </p:extLst>
   </p:cSld>
@@ -5133,6 +7388,28 @@
               <a:rPr lang="ko-KR" altLang="en-US" dirty="0"/>
               <a:t>판결문 데이터 모델</a:t>
             </a:r>
+            <a:endParaRPr lang="en-US" altLang="ko-KR" dirty="0"/>
+          </a:p>
+          <a:p>
+            <a:r>
+              <a:rPr lang="ko-KR" altLang="en-US" dirty="0"/>
+              <a:t>판결문 목록 화면 </a:t>
+            </a:r>
+            <a:r>
+              <a:rPr lang="en-US" altLang="ko-KR" dirty="0"/>
+              <a:t>layout</a:t>
+            </a:r>
+          </a:p>
+          <a:p>
+            <a:r>
+              <a:rPr lang="ko-KR" altLang="en-US" dirty="0"/>
+              <a:t>판결문 상세 화면 </a:t>
+            </a:r>
+            <a:r>
+              <a:rPr lang="en-US" altLang="ko-KR" dirty="0"/>
+              <a:t>layout</a:t>
+            </a:r>
+            <a:endParaRPr lang="ko-KR" altLang="en-US" dirty="0"/>
           </a:p>
         </p:txBody>
       </p:sp>

--- a/Documents/c4k_query_ID_sentences.pptx
+++ b/Documents/c4k_query_ID_sentences.pptx
@@ -16,6 +16,7 @@
     <p:sldId id="264" r:id="rId10"/>
     <p:sldId id="265" r:id="rId11"/>
     <p:sldId id="266" r:id="rId12"/>
+    <p:sldId id="267" r:id="rId13"/>
   </p:sldIdLst>
   <p:sldSz cx="12192000" cy="6858000"/>
   <p:notesSz cx="6858000" cy="9144000"/>
@@ -285,7 +286,7 @@
           <a:p>
             <a:fld id="{5C357F1C-A4AA-4ABA-A9FE-725C87F0C7C6}" type="datetimeFigureOut">
               <a:rPr lang="ko-KR" altLang="en-US" smtClean="0"/>
-              <a:t>2021-05-14</a:t>
+              <a:t>2021-05-15</a:t>
             </a:fld>
             <a:endParaRPr lang="ko-KR" altLang="en-US"/>
           </a:p>
@@ -530,7 +531,7 @@
           <a:p>
             <a:fld id="{5C357F1C-A4AA-4ABA-A9FE-725C87F0C7C6}" type="datetimeFigureOut">
               <a:rPr lang="ko-KR" altLang="en-US" smtClean="0"/>
-              <a:t>2021-05-14</a:t>
+              <a:t>2021-05-15</a:t>
             </a:fld>
             <a:endParaRPr lang="ko-KR" altLang="en-US"/>
           </a:p>
@@ -738,7 +739,7 @@
           <a:p>
             <a:fld id="{5C357F1C-A4AA-4ABA-A9FE-725C87F0C7C6}" type="datetimeFigureOut">
               <a:rPr lang="ko-KR" altLang="en-US" smtClean="0"/>
-              <a:t>2021-05-14</a:t>
+              <a:t>2021-05-15</a:t>
             </a:fld>
             <a:endParaRPr lang="ko-KR" altLang="en-US"/>
           </a:p>
@@ -936,7 +937,7 @@
           <a:p>
             <a:fld id="{5C357F1C-A4AA-4ABA-A9FE-725C87F0C7C6}" type="datetimeFigureOut">
               <a:rPr lang="ko-KR" altLang="en-US" smtClean="0"/>
-              <a:t>2021-05-14</a:t>
+              <a:t>2021-05-15</a:t>
             </a:fld>
             <a:endParaRPr lang="ko-KR" altLang="en-US"/>
           </a:p>
@@ -1211,7 +1212,7 @@
           <a:p>
             <a:fld id="{5C357F1C-A4AA-4ABA-A9FE-725C87F0C7C6}" type="datetimeFigureOut">
               <a:rPr lang="ko-KR" altLang="en-US" smtClean="0"/>
-              <a:t>2021-05-14</a:t>
+              <a:t>2021-05-15</a:t>
             </a:fld>
             <a:endParaRPr lang="ko-KR" altLang="en-US"/>
           </a:p>
@@ -1476,7 +1477,7 @@
           <a:p>
             <a:fld id="{5C357F1C-A4AA-4ABA-A9FE-725C87F0C7C6}" type="datetimeFigureOut">
               <a:rPr lang="ko-KR" altLang="en-US" smtClean="0"/>
-              <a:t>2021-05-14</a:t>
+              <a:t>2021-05-15</a:t>
             </a:fld>
             <a:endParaRPr lang="ko-KR" altLang="en-US"/>
           </a:p>
@@ -1888,7 +1889,7 @@
           <a:p>
             <a:fld id="{5C357F1C-A4AA-4ABA-A9FE-725C87F0C7C6}" type="datetimeFigureOut">
               <a:rPr lang="ko-KR" altLang="en-US" smtClean="0"/>
-              <a:t>2021-05-14</a:t>
+              <a:t>2021-05-15</a:t>
             </a:fld>
             <a:endParaRPr lang="ko-KR" altLang="en-US"/>
           </a:p>
@@ -2029,7 +2030,7 @@
           <a:p>
             <a:fld id="{5C357F1C-A4AA-4ABA-A9FE-725C87F0C7C6}" type="datetimeFigureOut">
               <a:rPr lang="ko-KR" altLang="en-US" smtClean="0"/>
-              <a:t>2021-05-14</a:t>
+              <a:t>2021-05-15</a:t>
             </a:fld>
             <a:endParaRPr lang="ko-KR" altLang="en-US"/>
           </a:p>
@@ -2142,7 +2143,7 @@
           <a:p>
             <a:fld id="{5C357F1C-A4AA-4ABA-A9FE-725C87F0C7C6}" type="datetimeFigureOut">
               <a:rPr lang="ko-KR" altLang="en-US" smtClean="0"/>
-              <a:t>2021-05-14</a:t>
+              <a:t>2021-05-15</a:t>
             </a:fld>
             <a:endParaRPr lang="ko-KR" altLang="en-US"/>
           </a:p>
@@ -2453,7 +2454,7 @@
           <a:p>
             <a:fld id="{5C357F1C-A4AA-4ABA-A9FE-725C87F0C7C6}" type="datetimeFigureOut">
               <a:rPr lang="ko-KR" altLang="en-US" smtClean="0"/>
-              <a:t>2021-05-14</a:t>
+              <a:t>2021-05-15</a:t>
             </a:fld>
             <a:endParaRPr lang="ko-KR" altLang="en-US"/>
           </a:p>
@@ -2741,7 +2742,7 @@
           <a:p>
             <a:fld id="{5C357F1C-A4AA-4ABA-A9FE-725C87F0C7C6}" type="datetimeFigureOut">
               <a:rPr lang="ko-KR" altLang="en-US" smtClean="0"/>
-              <a:t>2021-05-14</a:t>
+              <a:t>2021-05-15</a:t>
             </a:fld>
             <a:endParaRPr lang="ko-KR" altLang="en-US"/>
           </a:p>
@@ -2993,7 +2994,7 @@
           <a:p>
             <a:fld id="{5C357F1C-A4AA-4ABA-A9FE-725C87F0C7C6}" type="datetimeFigureOut">
               <a:rPr lang="ko-KR" altLang="en-US" smtClean="0"/>
-              <a:t>2021-05-14</a:t>
+              <a:t>2021-05-15</a:t>
             </a:fld>
             <a:endParaRPr lang="ko-KR" altLang="en-US"/>
           </a:p>
@@ -4167,8 +4168,15 @@
           <a:p>
             <a:pPr algn="ctr"/>
             <a:r>
+              <a:rPr lang="en-US" altLang="ko-KR" sz="1400" b="1" dirty="0"/>
+              <a:t>Link</a:t>
+            </a:r>
+          </a:p>
+          <a:p>
+            <a:pPr algn="ctr"/>
+            <a:r>
               <a:rPr lang="ko-KR" altLang="en-US" sz="1400" dirty="0"/>
-              <a:t>사건 상세정보 화면</a:t>
+              <a:t>사건 상세정보 화면 </a:t>
             </a:r>
             <a:endParaRPr lang="en-US" altLang="ko-KR" sz="1400" dirty="0"/>
           </a:p>
@@ -4382,6 +4390,13 @@
         <p:txBody>
           <a:bodyPr rtlCol="0" anchor="ctr"/>
           <a:lstStyle/>
+          <a:p>
+            <a:pPr algn="ctr"/>
+            <a:r>
+              <a:rPr lang="en-US" altLang="ko-KR" sz="1400" b="1" dirty="0"/>
+              <a:t>Link</a:t>
+            </a:r>
+          </a:p>
           <a:p>
             <a:pPr algn="ctr"/>
             <a:r>
@@ -4533,7 +4548,7 @@
         </p:nvSpPr>
         <p:spPr>
           <a:xfrm>
-            <a:off x="4294414" y="2274497"/>
+            <a:off x="6266757" y="1787834"/>
             <a:ext cx="1813561" cy="734955"/>
           </a:xfrm>
           <a:prstGeom prst="rect">
@@ -4589,8 +4604,8 @@
           <p:nvPr/>
         </p:nvSpPr>
         <p:spPr>
-          <a:xfrm rot="5400000">
-            <a:off x="6228012" y="2612070"/>
+          <a:xfrm rot="10800000">
+            <a:off x="6492240" y="2324812"/>
             <a:ext cx="444138" cy="434249"/>
           </a:xfrm>
           <a:prstGeom prst="downArrow">
@@ -4701,8 +4716,8 @@
         </p:nvSpPr>
         <p:spPr>
           <a:xfrm>
-            <a:off x="8848452" y="1725468"/>
-            <a:ext cx="2842805" cy="549029"/>
+            <a:off x="8848452" y="1539544"/>
+            <a:ext cx="2842805" cy="734954"/>
           </a:xfrm>
           <a:prstGeom prst="rect">
             <a:avLst/>
@@ -4736,6 +4751,14 @@
             <a:r>
               <a:rPr lang="ko-KR" altLang="en-US" sz="1400" dirty="0"/>
               <a:t> 새로운 데이터를 확인하여 추가한다</a:t>
+            </a:r>
+            <a:r>
+              <a:rPr lang="en-US" altLang="ko-KR" sz="1400" dirty="0"/>
+              <a:t>. </a:t>
+            </a:r>
+            <a:r>
+              <a:rPr lang="ko-KR" altLang="en-US" sz="1400" dirty="0"/>
+              <a:t>최소한 날짜가 달라야 실행 할 수 있다</a:t>
             </a:r>
             <a:r>
               <a:rPr lang="en-US" altLang="ko-KR" sz="1400" dirty="0"/>
@@ -4788,6 +4811,569 @@
           <a:p>
             <a:pPr algn="ctr"/>
             <a:endParaRPr lang="ko-KR" altLang="en-US"/>
+          </a:p>
+        </p:txBody>
+      </p:sp>
+      <p:sp>
+        <p:nvSpPr>
+          <p:cNvPr id="16" name="사각형: 둥근 모서리 15">
+            <a:extLst>
+              <a:ext uri="{FF2B5EF4-FFF2-40B4-BE49-F238E27FC236}">
+                <a16:creationId xmlns:a16="http://schemas.microsoft.com/office/drawing/2014/main" id="{B97D849C-2A91-4E41-9FA5-2B6C78B8334D}"/>
+              </a:ext>
+            </a:extLst>
+          </p:cNvPr>
+          <p:cNvSpPr/>
+          <p:nvPr/>
+        </p:nvSpPr>
+        <p:spPr>
+          <a:xfrm>
+            <a:off x="927167" y="2856970"/>
+            <a:ext cx="3106783" cy="360515"/>
+          </a:xfrm>
+          <a:prstGeom prst="roundRect">
+            <a:avLst/>
+          </a:prstGeom>
+          <a:ln/>
+        </p:spPr>
+        <p:style>
+          <a:lnRef idx="2">
+            <a:schemeClr val="dk1"/>
+          </a:lnRef>
+          <a:fillRef idx="1">
+            <a:schemeClr val="lt1"/>
+          </a:fillRef>
+          <a:effectRef idx="0">
+            <a:schemeClr val="dk1"/>
+          </a:effectRef>
+          <a:fontRef idx="minor">
+            <a:schemeClr val="dk1"/>
+          </a:fontRef>
+        </p:style>
+        <p:txBody>
+          <a:bodyPr rtlCol="0" anchor="ctr"/>
+          <a:lstStyle/>
+          <a:p>
+            <a:pPr algn="ctr"/>
+            <a:r>
+              <a:rPr lang="ko-KR" altLang="en-US" sz="1200" dirty="0">
+                <a:solidFill>
+                  <a:sysClr val="windowText" lastClr="000000"/>
+                </a:solidFill>
+              </a:rPr>
+              <a:t>조회 사건 개수 </a:t>
+            </a:r>
+            <a:r>
+              <a:rPr lang="en-US" altLang="ko-KR" sz="1200" dirty="0">
+                <a:solidFill>
+                  <a:sysClr val="windowText" lastClr="000000"/>
+                </a:solidFill>
+              </a:rPr>
+              <a:t>: OOOO</a:t>
+            </a:r>
+            <a:r>
+              <a:rPr lang="ko-KR" altLang="en-US" sz="1200" dirty="0">
+                <a:solidFill>
+                  <a:sysClr val="windowText" lastClr="000000"/>
+                </a:solidFill>
+              </a:rPr>
+              <a:t>건 </a:t>
+            </a:r>
+            <a:r>
+              <a:rPr lang="en-US" altLang="ko-KR" sz="1200" dirty="0">
+                <a:solidFill>
+                  <a:sysClr val="windowText" lastClr="000000"/>
+                </a:solidFill>
+              </a:rPr>
+              <a:t>(2021.O.O </a:t>
+            </a:r>
+            <a:r>
+              <a:rPr lang="ko-KR" altLang="en-US" sz="1200" dirty="0">
+                <a:solidFill>
+                  <a:sysClr val="windowText" lastClr="000000"/>
+                </a:solidFill>
+              </a:rPr>
+              <a:t>갱신</a:t>
+            </a:r>
+            <a:r>
+              <a:rPr lang="en-US" altLang="ko-KR" sz="1200" dirty="0">
+                <a:solidFill>
+                  <a:sysClr val="windowText" lastClr="000000"/>
+                </a:solidFill>
+              </a:rPr>
+              <a:t>)</a:t>
+            </a:r>
+            <a:endParaRPr lang="ko-KR" altLang="en-US" sz="1200" dirty="0">
+              <a:solidFill>
+                <a:sysClr val="windowText" lastClr="000000"/>
+              </a:solidFill>
+            </a:endParaRPr>
+          </a:p>
+        </p:txBody>
+      </p:sp>
+      <p:sp>
+        <p:nvSpPr>
+          <p:cNvPr id="17" name="사각형: 둥근 모서리 16">
+            <a:extLst>
+              <a:ext uri="{FF2B5EF4-FFF2-40B4-BE49-F238E27FC236}">
+                <a16:creationId xmlns:a16="http://schemas.microsoft.com/office/drawing/2014/main" id="{00E08F12-D6D4-4088-BEC5-F559D5BB5267}"/>
+              </a:ext>
+            </a:extLst>
+          </p:cNvPr>
+          <p:cNvSpPr/>
+          <p:nvPr/>
+        </p:nvSpPr>
+        <p:spPr>
+          <a:xfrm>
+            <a:off x="3892733" y="5966008"/>
+            <a:ext cx="548638" cy="360515"/>
+          </a:xfrm>
+          <a:prstGeom prst="roundRect">
+            <a:avLst/>
+          </a:prstGeom>
+          <a:ln>
+            <a:solidFill>
+              <a:schemeClr val="bg1">
+                <a:lumMod val="95000"/>
+              </a:schemeClr>
+            </a:solidFill>
+          </a:ln>
+          <a:effectLst>
+            <a:glow rad="63500">
+              <a:schemeClr val="accent3">
+                <a:satMod val="175000"/>
+                <a:alpha val="40000"/>
+              </a:schemeClr>
+            </a:glow>
+          </a:effectLst>
+        </p:spPr>
+        <p:style>
+          <a:lnRef idx="2">
+            <a:schemeClr val="accent3">
+              <a:shade val="50000"/>
+            </a:schemeClr>
+          </a:lnRef>
+          <a:fillRef idx="1">
+            <a:schemeClr val="accent3"/>
+          </a:fillRef>
+          <a:effectRef idx="0">
+            <a:schemeClr val="accent3"/>
+          </a:effectRef>
+          <a:fontRef idx="minor">
+            <a:schemeClr val="lt1"/>
+          </a:fontRef>
+        </p:style>
+        <p:txBody>
+          <a:bodyPr rtlCol="0" anchor="ctr"/>
+          <a:lstStyle/>
+          <a:p>
+            <a:pPr algn="ctr"/>
+            <a:r>
+              <a:rPr lang="en-US" altLang="ko-KR" dirty="0"/>
+              <a:t>1</a:t>
+            </a:r>
+            <a:endParaRPr lang="ko-KR" altLang="en-US" dirty="0"/>
+          </a:p>
+        </p:txBody>
+      </p:sp>
+      <p:sp>
+        <p:nvSpPr>
+          <p:cNvPr id="18" name="사각형: 둥근 모서리 17">
+            <a:extLst>
+              <a:ext uri="{FF2B5EF4-FFF2-40B4-BE49-F238E27FC236}">
+                <a16:creationId xmlns:a16="http://schemas.microsoft.com/office/drawing/2014/main" id="{E2483E29-1376-42DF-A937-53819526801A}"/>
+              </a:ext>
+            </a:extLst>
+          </p:cNvPr>
+          <p:cNvSpPr/>
+          <p:nvPr/>
+        </p:nvSpPr>
+        <p:spPr>
+          <a:xfrm>
+            <a:off x="4441371" y="5966007"/>
+            <a:ext cx="548638" cy="360515"/>
+          </a:xfrm>
+          <a:prstGeom prst="roundRect">
+            <a:avLst/>
+          </a:prstGeom>
+          <a:ln>
+            <a:solidFill>
+              <a:schemeClr val="bg1">
+                <a:lumMod val="95000"/>
+              </a:schemeClr>
+            </a:solidFill>
+          </a:ln>
+          <a:effectLst>
+            <a:glow rad="63500">
+              <a:schemeClr val="accent3">
+                <a:satMod val="175000"/>
+                <a:alpha val="40000"/>
+              </a:schemeClr>
+            </a:glow>
+          </a:effectLst>
+        </p:spPr>
+        <p:style>
+          <a:lnRef idx="2">
+            <a:schemeClr val="accent3">
+              <a:shade val="50000"/>
+            </a:schemeClr>
+          </a:lnRef>
+          <a:fillRef idx="1">
+            <a:schemeClr val="accent3"/>
+          </a:fillRef>
+          <a:effectRef idx="0">
+            <a:schemeClr val="accent3"/>
+          </a:effectRef>
+          <a:fontRef idx="minor">
+            <a:schemeClr val="lt1"/>
+          </a:fontRef>
+        </p:style>
+        <p:txBody>
+          <a:bodyPr rtlCol="0" anchor="ctr"/>
+          <a:lstStyle/>
+          <a:p>
+            <a:pPr algn="ctr"/>
+            <a:r>
+              <a:rPr lang="en-US" altLang="ko-KR" dirty="0"/>
+              <a:t>2</a:t>
+            </a:r>
+            <a:endParaRPr lang="ko-KR" altLang="en-US" dirty="0"/>
+          </a:p>
+        </p:txBody>
+      </p:sp>
+      <p:sp>
+        <p:nvSpPr>
+          <p:cNvPr id="19" name="사각형: 둥근 모서리 18">
+            <a:extLst>
+              <a:ext uri="{FF2B5EF4-FFF2-40B4-BE49-F238E27FC236}">
+                <a16:creationId xmlns:a16="http://schemas.microsoft.com/office/drawing/2014/main" id="{9AD5FEEF-7EE4-4756-ABA8-960557965D11}"/>
+              </a:ext>
+            </a:extLst>
+          </p:cNvPr>
+          <p:cNvSpPr/>
+          <p:nvPr/>
+        </p:nvSpPr>
+        <p:spPr>
+          <a:xfrm>
+            <a:off x="4990009" y="5966006"/>
+            <a:ext cx="548638" cy="360515"/>
+          </a:xfrm>
+          <a:prstGeom prst="roundRect">
+            <a:avLst/>
+          </a:prstGeom>
+          <a:ln>
+            <a:solidFill>
+              <a:schemeClr val="bg1">
+                <a:lumMod val="95000"/>
+              </a:schemeClr>
+            </a:solidFill>
+          </a:ln>
+          <a:effectLst>
+            <a:glow rad="63500">
+              <a:schemeClr val="accent3">
+                <a:satMod val="175000"/>
+                <a:alpha val="40000"/>
+              </a:schemeClr>
+            </a:glow>
+          </a:effectLst>
+        </p:spPr>
+        <p:style>
+          <a:lnRef idx="2">
+            <a:schemeClr val="accent3">
+              <a:shade val="50000"/>
+            </a:schemeClr>
+          </a:lnRef>
+          <a:fillRef idx="1">
+            <a:schemeClr val="accent3"/>
+          </a:fillRef>
+          <a:effectRef idx="0">
+            <a:schemeClr val="accent3"/>
+          </a:effectRef>
+          <a:fontRef idx="minor">
+            <a:schemeClr val="lt1"/>
+          </a:fontRef>
+        </p:style>
+        <p:txBody>
+          <a:bodyPr rtlCol="0" anchor="ctr"/>
+          <a:lstStyle/>
+          <a:p>
+            <a:pPr algn="ctr"/>
+            <a:r>
+              <a:rPr lang="en-US" altLang="ko-KR" dirty="0"/>
+              <a:t>3</a:t>
+            </a:r>
+            <a:endParaRPr lang="ko-KR" altLang="en-US" dirty="0"/>
+          </a:p>
+        </p:txBody>
+      </p:sp>
+      <p:sp>
+        <p:nvSpPr>
+          <p:cNvPr id="20" name="사각형: 둥근 모서리 19">
+            <a:extLst>
+              <a:ext uri="{FF2B5EF4-FFF2-40B4-BE49-F238E27FC236}">
+                <a16:creationId xmlns:a16="http://schemas.microsoft.com/office/drawing/2014/main" id="{7CE4FF53-05B5-4CB5-8D9D-66CA668994E6}"/>
+              </a:ext>
+            </a:extLst>
+          </p:cNvPr>
+          <p:cNvSpPr/>
+          <p:nvPr/>
+        </p:nvSpPr>
+        <p:spPr>
+          <a:xfrm>
+            <a:off x="6714309" y="5966005"/>
+            <a:ext cx="548638" cy="360515"/>
+          </a:xfrm>
+          <a:prstGeom prst="roundRect">
+            <a:avLst/>
+          </a:prstGeom>
+          <a:ln>
+            <a:solidFill>
+              <a:schemeClr val="bg1">
+                <a:lumMod val="95000"/>
+              </a:schemeClr>
+            </a:solidFill>
+          </a:ln>
+          <a:effectLst>
+            <a:glow rad="63500">
+              <a:schemeClr val="accent3">
+                <a:satMod val="175000"/>
+                <a:alpha val="40000"/>
+              </a:schemeClr>
+            </a:glow>
+          </a:effectLst>
+        </p:spPr>
+        <p:style>
+          <a:lnRef idx="2">
+            <a:schemeClr val="accent3">
+              <a:shade val="50000"/>
+            </a:schemeClr>
+          </a:lnRef>
+          <a:fillRef idx="1">
+            <a:schemeClr val="accent3"/>
+          </a:fillRef>
+          <a:effectRef idx="0">
+            <a:schemeClr val="accent3"/>
+          </a:effectRef>
+          <a:fontRef idx="minor">
+            <a:schemeClr val="lt1"/>
+          </a:fontRef>
+        </p:style>
+        <p:txBody>
+          <a:bodyPr rtlCol="0" anchor="ctr"/>
+          <a:lstStyle/>
+          <a:p>
+            <a:pPr algn="ctr"/>
+            <a:r>
+              <a:rPr lang="en-US" altLang="ko-KR" dirty="0"/>
+              <a:t>…</a:t>
+            </a:r>
+            <a:endParaRPr lang="ko-KR" altLang="en-US" dirty="0"/>
+          </a:p>
+        </p:txBody>
+      </p:sp>
+      <p:sp>
+        <p:nvSpPr>
+          <p:cNvPr id="21" name="직사각형 20">
+            <a:extLst>
+              <a:ext uri="{FF2B5EF4-FFF2-40B4-BE49-F238E27FC236}">
+                <a16:creationId xmlns:a16="http://schemas.microsoft.com/office/drawing/2014/main" id="{8888CFA7-AFA7-4B8D-9D51-87DD33D65AB6}"/>
+              </a:ext>
+            </a:extLst>
+          </p:cNvPr>
+          <p:cNvSpPr/>
+          <p:nvPr/>
+        </p:nvSpPr>
+        <p:spPr>
+          <a:xfrm>
+            <a:off x="3764276" y="5778788"/>
+            <a:ext cx="3590113" cy="734956"/>
+          </a:xfrm>
+          <a:prstGeom prst="rect">
+            <a:avLst/>
+          </a:prstGeom>
+          <a:noFill/>
+          <a:ln>
+            <a:solidFill>
+              <a:srgbClr val="FF0000"/>
+            </a:solidFill>
+            <a:prstDash val="dash"/>
+          </a:ln>
+        </p:spPr>
+        <p:style>
+          <a:lnRef idx="2">
+            <a:schemeClr val="accent1">
+              <a:shade val="50000"/>
+            </a:schemeClr>
+          </a:lnRef>
+          <a:fillRef idx="1">
+            <a:schemeClr val="accent1"/>
+          </a:fillRef>
+          <a:effectRef idx="0">
+            <a:schemeClr val="accent1"/>
+          </a:effectRef>
+          <a:fontRef idx="minor">
+            <a:schemeClr val="lt1"/>
+          </a:fontRef>
+        </p:style>
+        <p:txBody>
+          <a:bodyPr rtlCol="0" anchor="ctr"/>
+          <a:lstStyle/>
+          <a:p>
+            <a:pPr algn="ctr"/>
+            <a:endParaRPr lang="ko-KR" altLang="en-US"/>
+          </a:p>
+        </p:txBody>
+      </p:sp>
+      <p:sp>
+        <p:nvSpPr>
+          <p:cNvPr id="22" name="직사각형 21">
+            <a:extLst>
+              <a:ext uri="{FF2B5EF4-FFF2-40B4-BE49-F238E27FC236}">
+                <a16:creationId xmlns:a16="http://schemas.microsoft.com/office/drawing/2014/main" id="{1C8CDADC-FF00-45D7-B029-35B6CEDAC65F}"/>
+              </a:ext>
+            </a:extLst>
+          </p:cNvPr>
+          <p:cNvSpPr/>
+          <p:nvPr/>
+        </p:nvSpPr>
+        <p:spPr>
+          <a:xfrm>
+            <a:off x="7123606" y="6399405"/>
+            <a:ext cx="1687291" cy="415903"/>
+          </a:xfrm>
+          <a:prstGeom prst="rect">
+            <a:avLst/>
+          </a:prstGeom>
+        </p:spPr>
+        <p:style>
+          <a:lnRef idx="2">
+            <a:schemeClr val="accent2">
+              <a:shade val="50000"/>
+            </a:schemeClr>
+          </a:lnRef>
+          <a:fillRef idx="1">
+            <a:schemeClr val="accent2"/>
+          </a:fillRef>
+          <a:effectRef idx="0">
+            <a:schemeClr val="accent2"/>
+          </a:effectRef>
+          <a:fontRef idx="minor">
+            <a:schemeClr val="lt1"/>
+          </a:fontRef>
+        </p:style>
+        <p:txBody>
+          <a:bodyPr rtlCol="0" anchor="ctr"/>
+          <a:lstStyle/>
+          <a:p>
+            <a:pPr algn="ctr"/>
+            <a:r>
+              <a:rPr lang="en-US" altLang="ko-KR" sz="1400" dirty="0"/>
+              <a:t>Page Control</a:t>
+            </a:r>
+            <a:endParaRPr lang="ko-KR" altLang="en-US" sz="1400" dirty="0"/>
+          </a:p>
+        </p:txBody>
+      </p:sp>
+      <p:sp>
+        <p:nvSpPr>
+          <p:cNvPr id="23" name="직사각형 22">
+            <a:extLst>
+              <a:ext uri="{FF2B5EF4-FFF2-40B4-BE49-F238E27FC236}">
+                <a16:creationId xmlns:a16="http://schemas.microsoft.com/office/drawing/2014/main" id="{C3213952-7CC8-45E8-AC94-9DC38D4D9BAD}"/>
+              </a:ext>
+            </a:extLst>
+          </p:cNvPr>
+          <p:cNvSpPr/>
+          <p:nvPr/>
+        </p:nvSpPr>
+        <p:spPr>
+          <a:xfrm>
+            <a:off x="162193" y="1646010"/>
+            <a:ext cx="4132221" cy="589930"/>
+          </a:xfrm>
+          <a:prstGeom prst="rect">
+            <a:avLst/>
+          </a:prstGeom>
+        </p:spPr>
+        <p:style>
+          <a:lnRef idx="2">
+            <a:schemeClr val="accent2">
+              <a:shade val="50000"/>
+            </a:schemeClr>
+          </a:lnRef>
+          <a:fillRef idx="1">
+            <a:schemeClr val="accent2"/>
+          </a:fillRef>
+          <a:effectRef idx="0">
+            <a:schemeClr val="accent2"/>
+          </a:effectRef>
+          <a:fontRef idx="minor">
+            <a:schemeClr val="lt1"/>
+          </a:fontRef>
+        </p:style>
+        <p:txBody>
+          <a:bodyPr rtlCol="0" anchor="ctr"/>
+          <a:lstStyle/>
+          <a:p>
+            <a:r>
+              <a:rPr lang="ko-KR" altLang="en-US" sz="1400" dirty="0"/>
+              <a:t>정렬순서 </a:t>
+            </a:r>
+            <a:r>
+              <a:rPr lang="en-US" altLang="ko-KR" sz="1400" dirty="0"/>
+              <a:t>: </a:t>
+            </a:r>
+            <a:r>
+              <a:rPr lang="ko-KR" altLang="en-US" sz="1400" dirty="0"/>
+              <a:t>사건번호</a:t>
+            </a:r>
+            <a:r>
+              <a:rPr lang="en-US" altLang="ko-KR" sz="1400" dirty="0"/>
+              <a:t>(</a:t>
+            </a:r>
+            <a:r>
+              <a:rPr lang="ko-KR" altLang="en-US" sz="1400" dirty="0"/>
+              <a:t>기본</a:t>
+            </a:r>
+            <a:r>
+              <a:rPr lang="en-US" altLang="ko-KR" sz="1400" dirty="0"/>
+              <a:t>)/ </a:t>
+            </a:r>
+            <a:r>
+              <a:rPr lang="ko-KR" altLang="en-US" sz="1400" dirty="0"/>
+              <a:t>최근 사건이 위로</a:t>
+            </a:r>
+            <a:endParaRPr lang="en-US" altLang="ko-KR" sz="1400" dirty="0"/>
+          </a:p>
+          <a:p>
+            <a:r>
+              <a:rPr lang="ko-KR" altLang="en-US" sz="1400" dirty="0"/>
+              <a:t>나중에는</a:t>
+            </a:r>
+            <a:r>
+              <a:rPr lang="en-US" altLang="ko-KR" sz="1400" dirty="0"/>
+              <a:t>, </a:t>
+            </a:r>
+            <a:r>
+              <a:rPr lang="ko-KR" altLang="en-US" sz="1400" dirty="0"/>
+              <a:t>각 속성에 따른 정렬</a:t>
+            </a:r>
+            <a:r>
+              <a:rPr lang="en-US" altLang="ko-KR" sz="1400" dirty="0"/>
+              <a:t>/</a:t>
+            </a:r>
+            <a:r>
+              <a:rPr lang="ko-KR" altLang="en-US" sz="1400" dirty="0"/>
+              <a:t>검색</a:t>
+            </a:r>
+            <a:r>
+              <a:rPr lang="en-US" altLang="ko-KR" sz="1400" dirty="0"/>
+              <a:t>/</a:t>
+            </a:r>
+            <a:r>
+              <a:rPr lang="ko-KR" altLang="en-US" sz="1400" dirty="0"/>
+              <a:t>필터도 가능</a:t>
+            </a:r>
           </a:p>
         </p:txBody>
       </p:sp>
@@ -4878,14 +5464,14 @@
             <p:ph idx="1"/>
             <p:extLst>
               <p:ext uri="{D42A27DB-BD31-4B8C-83A1-F6EECF244321}">
-                <p14:modId xmlns:p14="http://schemas.microsoft.com/office/powerpoint/2010/main" val="511693880"/>
+                <p14:modId xmlns:p14="http://schemas.microsoft.com/office/powerpoint/2010/main" val="2669750055"/>
               </p:ext>
             </p:extLst>
           </p:nvPr>
         </p:nvGraphicFramePr>
         <p:xfrm>
           <a:off x="375398" y="1601579"/>
-          <a:ext cx="4801720" cy="2804160"/>
+          <a:ext cx="4801720" cy="2865120"/>
         </p:xfrm>
         <a:graphic>
           <a:graphicData uri="http://schemas.openxmlformats.org/drawingml/2006/table">
@@ -4909,15 +5495,15 @@
                   </a:extLst>
                 </a:gridCol>
               </a:tblGrid>
-              <a:tr h="231818">
-                <a:tc>
-                  <a:txBody>
-                    <a:bodyPr/>
-                    <a:lstStyle/>
-                    <a:p>
-                      <a:pPr algn="ctr" latinLnBrk="1"/>
-                      <a:r>
-                        <a:rPr lang="ko-KR" altLang="en-US" sz="1600" b="0" dirty="0"/>
+              <a:tr h="276328">
+                <a:tc>
+                  <a:txBody>
+                    <a:bodyPr/>
+                    <a:lstStyle/>
+                    <a:p>
+                      <a:pPr algn="ctr" latinLnBrk="1"/>
+                      <a:r>
+                        <a:rPr lang="ko-KR" altLang="en-US" sz="1400" b="0" dirty="0"/>
                         <a:t>사건번호</a:t>
                       </a:r>
                     </a:p>
@@ -4931,18 +5517,18 @@
                     <a:p>
                       <a:pPr algn="ctr" latinLnBrk="1"/>
                       <a:r>
-                        <a:rPr lang="en-US" altLang="ko-KR" sz="1600" b="0" dirty="0"/>
+                        <a:rPr lang="en-US" altLang="ko-KR" sz="1400" b="0" dirty="0"/>
                         <a:t>2008</a:t>
                       </a:r>
                       <a:r>
-                        <a:rPr lang="ko-KR" altLang="en-US" sz="1600" b="0" dirty="0" err="1"/>
+                        <a:rPr lang="ko-KR" altLang="en-US" sz="1400" b="0" dirty="0" err="1"/>
                         <a:t>구합</a:t>
                       </a:r>
                       <a:r>
-                        <a:rPr lang="en-US" altLang="ko-KR" sz="1600" b="0" dirty="0"/>
+                        <a:rPr lang="en-US" altLang="ko-KR" sz="1400" b="0" dirty="0"/>
                         <a:t>7823</a:t>
                       </a:r>
-                      <a:endParaRPr lang="ko-KR" altLang="en-US" sz="1600" b="0" dirty="0"/>
+                      <a:endParaRPr lang="ko-KR" altLang="en-US" sz="1400" b="0" dirty="0"/>
                     </a:p>
                   </a:txBody>
                   <a:tcPr anchor="ctr"/>
@@ -4953,15 +5539,15 @@
                   </a:ext>
                 </a:extLst>
               </a:tr>
-              <a:tr h="231818">
-                <a:tc>
-                  <a:txBody>
-                    <a:bodyPr/>
-                    <a:lstStyle/>
-                    <a:p>
-                      <a:pPr algn="ctr" latinLnBrk="1"/>
-                      <a:r>
-                        <a:rPr lang="ko-KR" altLang="en-US" sz="1600" dirty="0"/>
+              <a:tr h="276328">
+                <a:tc>
+                  <a:txBody>
+                    <a:bodyPr/>
+                    <a:lstStyle/>
+                    <a:p>
+                      <a:pPr algn="ctr" latinLnBrk="1"/>
+                      <a:r>
+                        <a:rPr lang="ko-KR" altLang="en-US" sz="1400" dirty="0"/>
                         <a:t>제목</a:t>
                       </a:r>
                     </a:p>
@@ -4975,7 +5561,7 @@
                     <a:p>
                       <a:pPr algn="ctr" fontAlgn="b"/>
                       <a:r>
-                        <a:rPr lang="en-US" altLang="ko-KR" sz="1600" b="0" u="none" strike="noStrike" dirty="0">
+                        <a:rPr lang="en-US" altLang="ko-KR" sz="1400" b="0" u="none" strike="noStrike" dirty="0">
                           <a:solidFill>
                             <a:srgbClr val="000000"/>
                           </a:solidFill>
@@ -4983,7 +5569,7 @@
                         </a:rPr>
                         <a:t>…</a:t>
                       </a:r>
-                      <a:endParaRPr lang="ko-KR" altLang="en-US" sz="1600" b="0" i="0" u="none" strike="noStrike" dirty="0">
+                      <a:endParaRPr lang="ko-KR" altLang="en-US" sz="1400" b="0" i="0" u="none" strike="noStrike" dirty="0">
                         <a:solidFill>
                           <a:srgbClr val="000000"/>
                         </a:solidFill>
@@ -5001,15 +5587,15 @@
                   </a:ext>
                 </a:extLst>
               </a:tr>
-              <a:tr h="231818">
-                <a:tc>
-                  <a:txBody>
-                    <a:bodyPr/>
-                    <a:lstStyle/>
-                    <a:p>
-                      <a:pPr algn="ctr" latinLnBrk="1"/>
-                      <a:r>
-                        <a:rPr lang="ko-KR" altLang="en-US" sz="1600" dirty="0"/>
+              <a:tr h="276328">
+                <a:tc>
+                  <a:txBody>
+                    <a:bodyPr/>
+                    <a:lstStyle/>
+                    <a:p>
+                      <a:pPr algn="ctr" latinLnBrk="1"/>
+                      <a:r>
+                        <a:rPr lang="ko-KR" altLang="en-US" sz="1400" dirty="0"/>
                         <a:t>법원</a:t>
                       </a:r>
                     </a:p>
@@ -5023,7 +5609,7 @@
                     <a:p>
                       <a:pPr algn="ctr" fontAlgn="b"/>
                       <a:r>
-                        <a:rPr lang="ko-KR" altLang="en-US" sz="1600" b="0" i="0" u="none" strike="noStrike" dirty="0">
+                        <a:rPr lang="ko-KR" altLang="en-US" sz="1400" b="0" i="0" u="none" strike="noStrike" dirty="0">
                           <a:solidFill>
                             <a:srgbClr val="000000"/>
                           </a:solidFill>
@@ -5043,15 +5629,15 @@
                   </a:ext>
                 </a:extLst>
               </a:tr>
-              <a:tr h="231818">
-                <a:tc>
-                  <a:txBody>
-                    <a:bodyPr/>
-                    <a:lstStyle/>
-                    <a:p>
-                      <a:pPr algn="ctr" latinLnBrk="1"/>
-                      <a:r>
-                        <a:rPr lang="ko-KR" altLang="en-US" sz="1600" dirty="0"/>
+              <a:tr h="276328">
+                <a:tc>
+                  <a:txBody>
+                    <a:bodyPr/>
+                    <a:lstStyle/>
+                    <a:p>
+                      <a:pPr algn="ctr" latinLnBrk="1"/>
+                      <a:r>
+                        <a:rPr lang="ko-KR" altLang="en-US" sz="1400" dirty="0"/>
                         <a:t>판결유형</a:t>
                       </a:r>
                     </a:p>
@@ -5065,7 +5651,7 @@
                     <a:p>
                       <a:pPr algn="ctr" fontAlgn="b"/>
                       <a:r>
-                        <a:rPr lang="ko-KR" altLang="en-US" sz="1600" b="0" i="0" u="none" strike="noStrike" dirty="0">
+                        <a:rPr lang="ko-KR" altLang="en-US" sz="1400" b="0" i="0" u="none" strike="noStrike" dirty="0">
                           <a:solidFill>
                             <a:srgbClr val="000000"/>
                           </a:solidFill>
@@ -5085,15 +5671,15 @@
                   </a:ext>
                 </a:extLst>
               </a:tr>
-              <a:tr h="231818">
-                <a:tc>
-                  <a:txBody>
-                    <a:bodyPr/>
-                    <a:lstStyle/>
-                    <a:p>
-                      <a:pPr algn="ctr" latinLnBrk="1"/>
-                      <a:r>
-                        <a:rPr lang="ko-KR" altLang="en-US" sz="1600" dirty="0"/>
+              <a:tr h="276328">
+                <a:tc>
+                  <a:txBody>
+                    <a:bodyPr/>
+                    <a:lstStyle/>
+                    <a:p>
+                      <a:pPr algn="ctr" latinLnBrk="1"/>
+                      <a:r>
+                        <a:rPr lang="ko-KR" altLang="en-US" sz="1400" dirty="0"/>
                         <a:t>사건유형</a:t>
                       </a:r>
                     </a:p>
@@ -5107,7 +5693,7 @@
                     <a:p>
                       <a:pPr algn="ctr" fontAlgn="b"/>
                       <a:r>
-                        <a:rPr lang="ko-KR" altLang="en-US" sz="1600" b="0" i="0" u="none" strike="noStrike" dirty="0">
+                        <a:rPr lang="ko-KR" altLang="en-US" sz="1400" b="0" i="0" u="none" strike="noStrike" dirty="0">
                           <a:solidFill>
                             <a:srgbClr val="000000"/>
                           </a:solidFill>
@@ -5127,15 +5713,15 @@
                   </a:ext>
                 </a:extLst>
               </a:tr>
-              <a:tr h="231818">
-                <a:tc>
-                  <a:txBody>
-                    <a:bodyPr/>
-                    <a:lstStyle/>
-                    <a:p>
-                      <a:pPr algn="ctr" latinLnBrk="1"/>
-                      <a:r>
-                        <a:rPr lang="ko-KR" altLang="en-US" sz="1600" dirty="0"/>
+              <a:tr h="276328">
+                <a:tc>
+                  <a:txBody>
+                    <a:bodyPr/>
+                    <a:lstStyle/>
+                    <a:p>
+                      <a:pPr algn="ctr" latinLnBrk="1"/>
+                      <a:r>
+                        <a:rPr lang="ko-KR" altLang="en-US" sz="1400" dirty="0"/>
                         <a:t>사고질병 구분</a:t>
                       </a:r>
                     </a:p>
@@ -5149,7 +5735,7 @@
                     <a:p>
                       <a:pPr algn="ctr" fontAlgn="b"/>
                       <a:r>
-                        <a:rPr lang="ko-KR" altLang="en-US" sz="1600" b="0" i="0" u="none" strike="noStrike" dirty="0">
+                        <a:rPr lang="ko-KR" altLang="en-US" sz="1400" b="0" i="0" u="none" strike="noStrike" dirty="0">
                           <a:solidFill>
                             <a:srgbClr val="000000"/>
                           </a:solidFill>
@@ -5169,15 +5755,15 @@
                   </a:ext>
                 </a:extLst>
               </a:tr>
-              <a:tr h="316116">
-                <a:tc>
-                  <a:txBody>
-                    <a:bodyPr/>
-                    <a:lstStyle/>
-                    <a:p>
-                      <a:pPr algn="ctr" latinLnBrk="1"/>
-                      <a:r>
-                        <a:rPr lang="ko-KR" altLang="en-US" sz="1600" dirty="0"/>
+              <a:tr h="376810">
+                <a:tc>
+                  <a:txBody>
+                    <a:bodyPr/>
+                    <a:lstStyle/>
+                    <a:p>
+                      <a:pPr algn="ctr" latinLnBrk="1"/>
+                      <a:r>
+                        <a:rPr lang="ko-KR" altLang="en-US" sz="1400" dirty="0"/>
                         <a:t>연관사건</a:t>
                       </a:r>
                     </a:p>
@@ -5191,47 +5777,47 @@
                     <a:p>
                       <a:pPr latinLnBrk="1"/>
                       <a:r>
-                        <a:rPr lang="ko-KR" altLang="en-US" sz="1200" dirty="0"/>
+                        <a:rPr lang="ko-KR" altLang="en-US" sz="1100" dirty="0"/>
                         <a:t>서울행정법원</a:t>
                       </a:r>
                       <a:r>
-                        <a:rPr lang="en-US" altLang="ko-KR" sz="1200" dirty="0"/>
+                        <a:rPr lang="en-US" altLang="ko-KR" sz="1100" dirty="0"/>
                         <a:t>,2010</a:t>
                       </a:r>
                       <a:r>
-                        <a:rPr lang="ko-KR" altLang="en-US" sz="1200" dirty="0"/>
+                        <a:rPr lang="ko-KR" altLang="en-US" sz="1100" dirty="0"/>
                         <a:t>구단</a:t>
                       </a:r>
                       <a:r>
-                        <a:rPr lang="en-US" altLang="ko-KR" sz="1200" dirty="0"/>
+                        <a:rPr lang="en-US" altLang="ko-KR" sz="1100" dirty="0"/>
                         <a:t>9801,1</a:t>
                       </a:r>
                       <a:r>
-                        <a:rPr lang="ko-KR" altLang="en-US" sz="1200" dirty="0"/>
+                        <a:rPr lang="ko-KR" altLang="en-US" sz="1100" dirty="0"/>
                         <a:t>심</a:t>
                       </a:r>
                       <a:r>
-                        <a:rPr lang="en-US" altLang="ko-KR" sz="1200" dirty="0"/>
+                        <a:rPr lang="en-US" altLang="ko-KR" sz="1100" dirty="0"/>
                         <a:t>-</a:t>
                       </a:r>
                       <a:r>
-                        <a:rPr lang="ko-KR" altLang="en-US" sz="1200" dirty="0"/>
+                        <a:rPr lang="ko-KR" altLang="en-US" sz="1100" dirty="0"/>
                         <a:t>서울고등법원</a:t>
                       </a:r>
                       <a:r>
-                        <a:rPr lang="en-US" altLang="ko-KR" sz="1200" dirty="0"/>
+                        <a:rPr lang="en-US" altLang="ko-KR" sz="1100" dirty="0"/>
                         <a:t>,2011</a:t>
                       </a:r>
                       <a:r>
-                        <a:rPr lang="ko-KR" altLang="en-US" sz="1200" dirty="0"/>
+                        <a:rPr lang="ko-KR" altLang="en-US" sz="1100" dirty="0"/>
                         <a:t>누</a:t>
                       </a:r>
                       <a:r>
-                        <a:rPr lang="en-US" altLang="ko-KR" sz="1200" dirty="0"/>
+                        <a:rPr lang="en-US" altLang="ko-KR" sz="1100" dirty="0"/>
                         <a:t>10036,2</a:t>
                       </a:r>
                       <a:r>
-                        <a:rPr lang="ko-KR" altLang="en-US" sz="1200" dirty="0"/>
+                        <a:rPr lang="ko-KR" altLang="en-US" sz="1100" dirty="0"/>
                         <a:t>심</a:t>
                       </a:r>
                     </a:p>
@@ -5244,28 +5830,32 @@
                   </a:ext>
                 </a:extLst>
               </a:tr>
-              <a:tr h="231818">
-                <a:tc>
-                  <a:txBody>
-                    <a:bodyPr/>
-                    <a:lstStyle/>
-                    <a:p>
-                      <a:pPr algn="ctr" latinLnBrk="1"/>
-                      <a:r>
-                        <a:rPr lang="ko-KR" altLang="en-US" sz="1600" dirty="0"/>
-                        <a:t>질병분류</a:t>
-                      </a:r>
-                    </a:p>
-                  </a:txBody>
-                  <a:tcPr anchor="ctr"/>
-                </a:tc>
-                <a:tc>
-                  <a:txBody>
-                    <a:bodyPr/>
-                    <a:lstStyle/>
-                    <a:p>
-                      <a:pPr algn="ctr" latinLnBrk="1"/>
-                      <a:endParaRPr lang="ko-KR" altLang="en-US" sz="1600" dirty="0"/>
+              <a:tr h="276328">
+                <a:tc>
+                  <a:txBody>
+                    <a:bodyPr/>
+                    <a:lstStyle/>
+                    <a:p>
+                      <a:pPr algn="ctr" latinLnBrk="1"/>
+                      <a:r>
+                        <a:rPr lang="ko-KR" altLang="en-US" sz="1400" dirty="0"/>
+                        <a:t>질병코드</a:t>
+                      </a:r>
+                    </a:p>
+                  </a:txBody>
+                  <a:tcPr anchor="ctr"/>
+                </a:tc>
+                <a:tc>
+                  <a:txBody>
+                    <a:bodyPr/>
+                    <a:lstStyle/>
+                    <a:p>
+                      <a:pPr algn="l" latinLnBrk="1"/>
+                      <a:r>
+                        <a:rPr lang="en-US" altLang="ko-KR" sz="1400" dirty="0"/>
+                        <a:t>…</a:t>
+                      </a:r>
+                      <a:endParaRPr lang="ko-KR" altLang="en-US" sz="1400" dirty="0"/>
                     </a:p>
                   </a:txBody>
                   <a:tcPr anchor="ctr"/>
@@ -5273,6 +5863,39 @@
                 <a:extLst>
                   <a:ext uri="{0D108BD9-81ED-4DB2-BD59-A6C34878D82A}">
                     <a16:rowId xmlns:a16="http://schemas.microsoft.com/office/drawing/2014/main" val="154579639"/>
+                  </a:ext>
+                </a:extLst>
+              </a:tr>
+              <a:tr h="276328">
+                <a:tc>
+                  <a:txBody>
+                    <a:bodyPr/>
+                    <a:lstStyle/>
+                    <a:p>
+                      <a:pPr algn="ctr" latinLnBrk="1"/>
+                      <a:r>
+                        <a:rPr lang="ko-KR" altLang="en-US" sz="1400" dirty="0" err="1"/>
+                        <a:t>질병명</a:t>
+                      </a:r>
+                      <a:endParaRPr lang="ko-KR" altLang="en-US" sz="1400" dirty="0"/>
+                    </a:p>
+                  </a:txBody>
+                  <a:tcPr anchor="ctr"/>
+                </a:tc>
+                <a:tc>
+                  <a:txBody>
+                    <a:bodyPr/>
+                    <a:lstStyle/>
+                    <a:p>
+                      <a:pPr algn="ctr" latinLnBrk="1"/>
+                      <a:endParaRPr lang="ko-KR" altLang="en-US" sz="1400" dirty="0"/>
+                    </a:p>
+                  </a:txBody>
+                  <a:tcPr anchor="ctr"/>
+                </a:tc>
+                <a:extLst>
+                  <a:ext uri="{0D108BD9-81ED-4DB2-BD59-A6C34878D82A}">
+                    <a16:rowId xmlns:a16="http://schemas.microsoft.com/office/drawing/2014/main" val="2756648821"/>
                   </a:ext>
                 </a:extLst>
               </a:tr>
@@ -5623,8 +6246,8 @@
         </p:nvSpPr>
         <p:spPr>
           <a:xfrm>
-            <a:off x="264525" y="1572550"/>
-            <a:ext cx="4568732" cy="2070203"/>
+            <a:off x="264524" y="1572551"/>
+            <a:ext cx="5012869" cy="1856450"/>
           </a:xfrm>
           <a:prstGeom prst="rect">
             <a:avLst/>
@@ -5726,8 +6349,8 @@
         </p:nvSpPr>
         <p:spPr>
           <a:xfrm>
-            <a:off x="264525" y="3712179"/>
-            <a:ext cx="4568732" cy="693561"/>
+            <a:off x="264525" y="3484693"/>
+            <a:ext cx="5012868" cy="921047"/>
           </a:xfrm>
           <a:prstGeom prst="rect">
             <a:avLst/>
@@ -5779,8 +6402,8 @@
         </p:nvSpPr>
         <p:spPr>
           <a:xfrm>
-            <a:off x="1816825" y="3857143"/>
-            <a:ext cx="3127305" cy="331867"/>
+            <a:off x="-103027" y="3514377"/>
+            <a:ext cx="1011187" cy="679483"/>
           </a:xfrm>
           <a:prstGeom prst="rect">
             <a:avLst/>
@@ -5808,10 +6431,10 @@
           <a:p>
             <a:pPr algn="ctr"/>
             <a:r>
-              <a:rPr lang="ko-KR" altLang="en-US" sz="1400"/>
+              <a:rPr lang="ko-KR" altLang="en-US" sz="1100"/>
               <a:t>판결문에서 자동 혹은 수동으로 추출</a:t>
             </a:r>
-            <a:endParaRPr lang="ko-KR" altLang="en-US" sz="1400" dirty="0"/>
+            <a:endParaRPr lang="ko-KR" altLang="en-US" sz="1100" dirty="0"/>
           </a:p>
         </p:txBody>
       </p:sp>
@@ -6421,10 +7044,1064 @@
           </a:p>
         </p:txBody>
       </p:sp>
+      <p:sp>
+        <p:nvSpPr>
+          <p:cNvPr id="22" name="사각형: 둥근 모서리 21">
+            <a:extLst>
+              <a:ext uri="{FF2B5EF4-FFF2-40B4-BE49-F238E27FC236}">
+                <a16:creationId xmlns:a16="http://schemas.microsoft.com/office/drawing/2014/main" id="{E5C8E400-27A8-40EF-B219-7893A426B988}"/>
+              </a:ext>
+            </a:extLst>
+          </p:cNvPr>
+          <p:cNvSpPr/>
+          <p:nvPr/>
+        </p:nvSpPr>
+        <p:spPr>
+          <a:xfrm>
+            <a:off x="4271553" y="3812923"/>
+            <a:ext cx="912975" cy="360515"/>
+          </a:xfrm>
+          <a:prstGeom prst="roundRect">
+            <a:avLst/>
+          </a:prstGeom>
+          <a:ln>
+            <a:solidFill>
+              <a:schemeClr val="bg1">
+                <a:lumMod val="95000"/>
+              </a:schemeClr>
+            </a:solidFill>
+          </a:ln>
+          <a:effectLst>
+            <a:glow rad="63500">
+              <a:schemeClr val="accent3">
+                <a:satMod val="175000"/>
+                <a:alpha val="40000"/>
+              </a:schemeClr>
+            </a:glow>
+          </a:effectLst>
+        </p:spPr>
+        <p:style>
+          <a:lnRef idx="2">
+            <a:schemeClr val="accent3">
+              <a:shade val="50000"/>
+            </a:schemeClr>
+          </a:lnRef>
+          <a:fillRef idx="1">
+            <a:schemeClr val="accent3"/>
+          </a:fillRef>
+          <a:effectRef idx="0">
+            <a:schemeClr val="accent3"/>
+          </a:effectRef>
+          <a:fontRef idx="minor">
+            <a:schemeClr val="lt1"/>
+          </a:fontRef>
+        </p:style>
+        <p:txBody>
+          <a:bodyPr rtlCol="0" anchor="ctr"/>
+          <a:lstStyle/>
+          <a:p>
+            <a:pPr algn="ctr"/>
+            <a:r>
+              <a:rPr lang="ko-KR" altLang="en-US" sz="1100" b="1"/>
+              <a:t>코드검색</a:t>
+            </a:r>
+            <a:endParaRPr lang="ko-KR" altLang="en-US" sz="1100" b="1" dirty="0"/>
+          </a:p>
+        </p:txBody>
+      </p:sp>
     </p:spTree>
     <p:extLst>
       <p:ext uri="{BB962C8B-B14F-4D97-AF65-F5344CB8AC3E}">
         <p14:creationId xmlns:p14="http://schemas.microsoft.com/office/powerpoint/2010/main" val="1199092559"/>
+      </p:ext>
+    </p:extLst>
+  </p:cSld>
+  <p:clrMapOvr>
+    <a:masterClrMapping/>
+  </p:clrMapOvr>
+</p:sld>
+</file>
+
+<file path=ppt/slides/slide12.xml><?xml version="1.0" encoding="utf-8"?>
+<p:sld xmlns:a="http://schemas.openxmlformats.org/drawingml/2006/main" xmlns:r="http://schemas.openxmlformats.org/officeDocument/2006/relationships" xmlns:p="http://schemas.openxmlformats.org/presentationml/2006/main">
+  <p:cSld>
+    <p:spTree>
+      <p:nvGrpSpPr>
+        <p:cNvPr id="1" name=""/>
+        <p:cNvGrpSpPr/>
+        <p:nvPr/>
+      </p:nvGrpSpPr>
+      <p:grpSpPr>
+        <a:xfrm>
+          <a:off x="0" y="0"/>
+          <a:ext cx="0" cy="0"/>
+          <a:chOff x="0" y="0"/>
+          <a:chExt cx="0" cy="0"/>
+        </a:xfrm>
+      </p:grpSpPr>
+      <p:sp>
+        <p:nvSpPr>
+          <p:cNvPr id="2" name="제목 1">
+            <a:extLst>
+              <a:ext uri="{FF2B5EF4-FFF2-40B4-BE49-F238E27FC236}">
+                <a16:creationId xmlns:a16="http://schemas.microsoft.com/office/drawing/2014/main" id="{0E37C58E-BD61-4009-AF2A-8C5C25054192}"/>
+              </a:ext>
+            </a:extLst>
+          </p:cNvPr>
+          <p:cNvSpPr>
+            <a:spLocks noGrp="1"/>
+          </p:cNvSpPr>
+          <p:nvPr>
+            <p:ph type="title"/>
+          </p:nvPr>
+        </p:nvSpPr>
+        <p:spPr/>
+        <p:txBody>
+          <a:bodyPr/>
+          <a:lstStyle/>
+          <a:p>
+            <a:r>
+              <a:rPr lang="ko-KR" altLang="en-US" dirty="0"/>
+              <a:t>개발 </a:t>
+            </a:r>
+            <a:r>
+              <a:rPr lang="en-US" altLang="ko-KR" dirty="0"/>
+              <a:t>Task (</a:t>
+            </a:r>
+            <a:r>
+              <a:rPr lang="ko-KR" altLang="en-US" dirty="0"/>
+              <a:t>점진적 구현 순서</a:t>
+            </a:r>
+            <a:r>
+              <a:rPr lang="en-US" altLang="ko-KR" dirty="0"/>
+              <a:t>)</a:t>
+            </a:r>
+            <a:endParaRPr lang="ko-KR" altLang="en-US" dirty="0"/>
+          </a:p>
+        </p:txBody>
+      </p:sp>
+      <p:graphicFrame>
+        <p:nvGraphicFramePr>
+          <p:cNvPr id="4" name="내용 개체 틀 3">
+            <a:extLst>
+              <a:ext uri="{FF2B5EF4-FFF2-40B4-BE49-F238E27FC236}">
+                <a16:creationId xmlns:a16="http://schemas.microsoft.com/office/drawing/2014/main" id="{69B83F9B-1962-43CC-BAE8-4A7D99AB41D9}"/>
+              </a:ext>
+            </a:extLst>
+          </p:cNvPr>
+          <p:cNvGraphicFramePr>
+            <a:graphicFrameLocks noGrp="1"/>
+          </p:cNvGraphicFramePr>
+          <p:nvPr>
+            <p:ph idx="1"/>
+            <p:extLst>
+              <p:ext uri="{D42A27DB-BD31-4B8C-83A1-F6EECF244321}">
+                <p14:modId xmlns:p14="http://schemas.microsoft.com/office/powerpoint/2010/main" val="1774272892"/>
+              </p:ext>
+            </p:extLst>
+          </p:nvPr>
+        </p:nvGraphicFramePr>
+        <p:xfrm>
+          <a:off x="261258" y="1825625"/>
+          <a:ext cx="11665132" cy="4333240"/>
+        </p:xfrm>
+        <a:graphic>
+          <a:graphicData uri="http://schemas.openxmlformats.org/drawingml/2006/table">
+            <a:tbl>
+              <a:tblPr firstRow="1" bandRow="1">
+                <a:tableStyleId>{F5AB1C69-6EDB-4FF4-983F-18BD219EF322}</a:tableStyleId>
+              </a:tblPr>
+              <a:tblGrid>
+                <a:gridCol w="1432731">
+                  <a:extLst>
+                    <a:ext uri="{9D8B030D-6E8A-4147-A177-3AD203B41FA5}">
+                      <a16:colId xmlns:a16="http://schemas.microsoft.com/office/drawing/2014/main" val="4002484795"/>
+                    </a:ext>
+                  </a:extLst>
+                </a:gridCol>
+                <a:gridCol w="3674845">
+                  <a:extLst>
+                    <a:ext uri="{9D8B030D-6E8A-4147-A177-3AD203B41FA5}">
+                      <a16:colId xmlns:a16="http://schemas.microsoft.com/office/drawing/2014/main" val="2333255030"/>
+                    </a:ext>
+                  </a:extLst>
+                </a:gridCol>
+                <a:gridCol w="5007627">
+                  <a:extLst>
+                    <a:ext uri="{9D8B030D-6E8A-4147-A177-3AD203B41FA5}">
+                      <a16:colId xmlns:a16="http://schemas.microsoft.com/office/drawing/2014/main" val="1843157226"/>
+                    </a:ext>
+                  </a:extLst>
+                </a:gridCol>
+                <a:gridCol w="1549929">
+                  <a:extLst>
+                    <a:ext uri="{9D8B030D-6E8A-4147-A177-3AD203B41FA5}">
+                      <a16:colId xmlns:a16="http://schemas.microsoft.com/office/drawing/2014/main" val="2660437271"/>
+                    </a:ext>
+                  </a:extLst>
+                </a:gridCol>
+              </a:tblGrid>
+              <a:tr h="370840">
+                <a:tc>
+                  <a:txBody>
+                    <a:bodyPr/>
+                    <a:lstStyle/>
+                    <a:p>
+                      <a:pPr algn="ctr" latinLnBrk="1"/>
+                      <a:r>
+                        <a:rPr lang="en-US" altLang="ko-KR" dirty="0"/>
+                        <a:t>Task</a:t>
+                      </a:r>
+                      <a:endParaRPr lang="ko-KR" altLang="en-US" dirty="0"/>
+                    </a:p>
+                  </a:txBody>
+                  <a:tcPr/>
+                </a:tc>
+                <a:tc>
+                  <a:txBody>
+                    <a:bodyPr/>
+                    <a:lstStyle/>
+                    <a:p>
+                      <a:pPr algn="ctr" latinLnBrk="1"/>
+                      <a:r>
+                        <a:rPr lang="en-US" altLang="ko-KR" dirty="0"/>
+                        <a:t>Description</a:t>
+                      </a:r>
+                      <a:endParaRPr lang="ko-KR" altLang="en-US" dirty="0"/>
+                    </a:p>
+                  </a:txBody>
+                  <a:tcPr/>
+                </a:tc>
+                <a:tc>
+                  <a:txBody>
+                    <a:bodyPr/>
+                    <a:lstStyle/>
+                    <a:p>
+                      <a:pPr algn="ctr" latinLnBrk="1"/>
+                      <a:r>
+                        <a:rPr lang="ko-KR" altLang="en-US" dirty="0"/>
+                        <a:t>목적</a:t>
+                      </a:r>
+                    </a:p>
+                  </a:txBody>
+                  <a:tcPr/>
+                </a:tc>
+                <a:tc>
+                  <a:txBody>
+                    <a:bodyPr/>
+                    <a:lstStyle/>
+                    <a:p>
+                      <a:pPr algn="ctr" latinLnBrk="1"/>
+                      <a:r>
+                        <a:rPr lang="ko-KR" altLang="en-US" dirty="0"/>
+                        <a:t>담당자</a:t>
+                      </a:r>
+                    </a:p>
+                  </a:txBody>
+                  <a:tcPr/>
+                </a:tc>
+                <a:extLst>
+                  <a:ext uri="{0D108BD9-81ED-4DB2-BD59-A6C34878D82A}">
+                    <a16:rowId xmlns:a16="http://schemas.microsoft.com/office/drawing/2014/main" val="3002792626"/>
+                  </a:ext>
+                </a:extLst>
+              </a:tr>
+              <a:tr h="370840">
+                <a:tc>
+                  <a:txBody>
+                    <a:bodyPr/>
+                    <a:lstStyle/>
+                    <a:p>
+                      <a:pPr algn="ctr" latinLnBrk="1"/>
+                      <a:r>
+                        <a:rPr lang="ko-KR" altLang="en-US" sz="1200" dirty="0" err="1"/>
+                        <a:t>판례문</a:t>
+                      </a:r>
+                      <a:r>
+                        <a:rPr lang="ko-KR" altLang="en-US" sz="1200" dirty="0"/>
+                        <a:t> 조회 </a:t>
+                      </a:r>
+                      <a:endParaRPr lang="en-US" altLang="ko-KR" sz="1200" dirty="0"/>
+                    </a:p>
+                    <a:p>
+                      <a:pPr algn="ctr" latinLnBrk="1"/>
+                      <a:r>
+                        <a:rPr lang="ko-KR" altLang="en-US" sz="1200" dirty="0"/>
+                        <a:t>및 다운로드</a:t>
+                      </a:r>
+                    </a:p>
+                  </a:txBody>
+                  <a:tcPr anchor="ctr"/>
+                </a:tc>
+                <a:tc>
+                  <a:txBody>
+                    <a:bodyPr/>
+                    <a:lstStyle/>
+                    <a:p>
+                      <a:pPr latinLnBrk="1"/>
+                      <a:r>
+                        <a:rPr lang="ko-KR" altLang="en-US" sz="1200" dirty="0" err="1"/>
+                        <a:t>공공포털의</a:t>
+                      </a:r>
+                      <a:r>
+                        <a:rPr lang="ko-KR" altLang="en-US" sz="1200" dirty="0"/>
+                        <a:t> 데이터 조회하여 화면에 보여주기</a:t>
+                      </a:r>
+                      <a:endParaRPr lang="en-US" altLang="ko-KR" sz="1200" dirty="0"/>
+                    </a:p>
+                    <a:p>
+                      <a:pPr marL="0" marR="0" lvl="0" indent="0" algn="l" defTabSz="914400" rtl="0" eaLnBrk="1" fontAlgn="auto" latinLnBrk="1" hangingPunct="1">
+                        <a:lnSpc>
+                          <a:spcPct val="100000"/>
+                        </a:lnSpc>
+                        <a:spcBef>
+                          <a:spcPts val="0"/>
+                        </a:spcBef>
+                        <a:spcAft>
+                          <a:spcPts val="0"/>
+                        </a:spcAft>
+                        <a:buClrTx/>
+                        <a:buSzTx/>
+                        <a:buFontTx/>
+                        <a:buNone/>
+                        <a:tabLst/>
+                        <a:defRPr/>
+                      </a:pPr>
+                      <a:r>
+                        <a:rPr lang="ko-KR" altLang="en-US" sz="1200" dirty="0" err="1"/>
+                        <a:t>공공포털의</a:t>
+                      </a:r>
+                      <a:r>
+                        <a:rPr lang="ko-KR" altLang="en-US" sz="1200" dirty="0"/>
+                        <a:t> 데이터 조회하여 </a:t>
+                      </a:r>
+                      <a:r>
+                        <a:rPr lang="en-US" altLang="ko-KR" sz="1200" dirty="0"/>
+                        <a:t>XLSX</a:t>
+                      </a:r>
+                      <a:r>
+                        <a:rPr lang="ko-KR" altLang="en-US" sz="1200" dirty="0"/>
+                        <a:t>로 다운로드</a:t>
+                      </a:r>
+                      <a:endParaRPr lang="en-US" altLang="ko-KR" sz="1200" dirty="0"/>
+                    </a:p>
+                  </a:txBody>
+                  <a:tcPr anchor="ctr"/>
+                </a:tc>
+                <a:tc>
+                  <a:txBody>
+                    <a:bodyPr/>
+                    <a:lstStyle/>
+                    <a:p>
+                      <a:pPr latinLnBrk="1"/>
+                      <a:r>
+                        <a:rPr lang="ko-KR" altLang="en-US" sz="1200" dirty="0" err="1"/>
+                        <a:t>판례문</a:t>
+                      </a:r>
+                      <a:r>
+                        <a:rPr lang="ko-KR" altLang="en-US" sz="1200" dirty="0"/>
+                        <a:t> 표준 </a:t>
+                      </a:r>
+                      <a:r>
+                        <a:rPr lang="en-US" altLang="ko-KR" sz="1200" dirty="0"/>
+                        <a:t>Class </a:t>
+                      </a:r>
+                      <a:r>
+                        <a:rPr lang="ko-KR" altLang="en-US" sz="1200" dirty="0"/>
+                        <a:t>정의</a:t>
+                      </a:r>
+                      <a:endParaRPr lang="en-US" altLang="ko-KR" sz="1200" dirty="0"/>
+                    </a:p>
+                    <a:p>
+                      <a:pPr latinLnBrk="1"/>
+                      <a:r>
+                        <a:rPr lang="ko-KR" altLang="en-US" sz="1200" dirty="0"/>
+                        <a:t>협업 개발 환경 구축</a:t>
+                      </a:r>
+                      <a:endParaRPr lang="en-US" altLang="ko-KR" sz="1200" dirty="0"/>
+                    </a:p>
+                    <a:p>
+                      <a:pPr latinLnBrk="1"/>
+                      <a:r>
+                        <a:rPr lang="en-US" altLang="ko-KR" sz="1200" dirty="0"/>
+                        <a:t>AWS infra integration </a:t>
+                      </a:r>
+                      <a:r>
+                        <a:rPr lang="ko-KR" altLang="en-US" sz="1200" dirty="0"/>
+                        <a:t>가능 여부 검증</a:t>
+                      </a:r>
+                      <a:endParaRPr lang="en-US" altLang="ko-KR" sz="1200" dirty="0"/>
+                    </a:p>
+                    <a:p>
+                      <a:pPr latinLnBrk="1"/>
+                      <a:r>
+                        <a:rPr lang="ko-KR" altLang="en-US" sz="1200" dirty="0"/>
+                        <a:t>실제 필요한 </a:t>
+                      </a:r>
+                      <a:r>
+                        <a:rPr lang="en-US" altLang="ko-KR" sz="1200" dirty="0"/>
+                        <a:t>Needs </a:t>
+                      </a:r>
+                      <a:r>
+                        <a:rPr lang="ko-KR" altLang="en-US" sz="1200" dirty="0"/>
+                        <a:t>검증을 위한 순차적 구현</a:t>
+                      </a:r>
+                    </a:p>
+                  </a:txBody>
+                  <a:tcPr anchor="ctr"/>
+                </a:tc>
+                <a:tc>
+                  <a:txBody>
+                    <a:bodyPr/>
+                    <a:lstStyle/>
+                    <a:p>
+                      <a:pPr latinLnBrk="1"/>
+                      <a:r>
+                        <a:rPr lang="ko-KR" altLang="en-US" sz="1200" dirty="0"/>
+                        <a:t>바른생활 </a:t>
+                      </a:r>
+                      <a:r>
+                        <a:rPr lang="en-US" altLang="ko-KR" sz="1200" dirty="0"/>
+                        <a:t>: </a:t>
+                      </a:r>
+                      <a:r>
+                        <a:rPr lang="ko-KR" altLang="en-US" sz="1200" dirty="0"/>
+                        <a:t>요구사항 정의 및 기획</a:t>
+                      </a:r>
+                      <a:endParaRPr lang="en-US" altLang="ko-KR" sz="1200" dirty="0"/>
+                    </a:p>
+                    <a:p>
+                      <a:pPr latinLnBrk="1"/>
+                      <a:r>
+                        <a:rPr lang="en-US" altLang="ko-KR" sz="1200" dirty="0"/>
+                        <a:t>Achim </a:t>
+                      </a:r>
+                      <a:r>
+                        <a:rPr lang="en-US" altLang="ko-KR" sz="1200" dirty="0" err="1"/>
+                        <a:t>koh</a:t>
+                      </a:r>
+                      <a:r>
+                        <a:rPr lang="en-US" altLang="ko-KR" sz="1200" dirty="0"/>
+                        <a:t> : </a:t>
+                      </a:r>
+                      <a:r>
+                        <a:rPr lang="ko-KR" altLang="en-US" sz="1200" dirty="0"/>
+                        <a:t>모델정의 및 기본 </a:t>
+                      </a:r>
+                      <a:r>
+                        <a:rPr lang="en-US" altLang="ko-KR" sz="1200" dirty="0"/>
+                        <a:t>MVC</a:t>
+                      </a:r>
+                      <a:endParaRPr lang="ko-KR" altLang="en-US" sz="1200" dirty="0"/>
+                    </a:p>
+                  </a:txBody>
+                  <a:tcPr anchor="ctr"/>
+                </a:tc>
+                <a:extLst>
+                  <a:ext uri="{0D108BD9-81ED-4DB2-BD59-A6C34878D82A}">
+                    <a16:rowId xmlns:a16="http://schemas.microsoft.com/office/drawing/2014/main" val="2223477224"/>
+                  </a:ext>
+                </a:extLst>
+              </a:tr>
+              <a:tr h="370840">
+                <a:tc>
+                  <a:txBody>
+                    <a:bodyPr/>
+                    <a:lstStyle/>
+                    <a:p>
+                      <a:pPr algn="ctr" latinLnBrk="1"/>
+                      <a:r>
+                        <a:rPr lang="ko-KR" altLang="en-US" sz="1200" dirty="0"/>
+                        <a:t>데이터 갱신</a:t>
+                      </a:r>
+                    </a:p>
+                  </a:txBody>
+                  <a:tcPr anchor="ctr"/>
+                </a:tc>
+                <a:tc>
+                  <a:txBody>
+                    <a:bodyPr/>
+                    <a:lstStyle/>
+                    <a:p>
+                      <a:pPr latinLnBrk="1"/>
+                      <a:r>
+                        <a:rPr lang="ko-KR" altLang="en-US" sz="1200" dirty="0"/>
+                        <a:t>유지 중인 데이터에 </a:t>
+                      </a:r>
+                      <a:r>
+                        <a:rPr lang="ko-KR" altLang="en-US" sz="1200" dirty="0" err="1"/>
+                        <a:t>공공포털의</a:t>
+                      </a:r>
+                      <a:r>
+                        <a:rPr lang="ko-KR" altLang="en-US" sz="1200" dirty="0"/>
+                        <a:t> 신규 데이터 추가</a:t>
+                      </a:r>
+                      <a:endParaRPr lang="en-US" altLang="ko-KR" sz="1200" dirty="0"/>
+                    </a:p>
+                  </a:txBody>
+                  <a:tcPr anchor="ctr"/>
+                </a:tc>
+                <a:tc>
+                  <a:txBody>
+                    <a:bodyPr/>
+                    <a:lstStyle/>
+                    <a:p>
+                      <a:pPr latinLnBrk="1"/>
+                      <a:r>
+                        <a:rPr lang="ko-KR" altLang="en-US" sz="1200" dirty="0"/>
+                        <a:t>수동 작업을 한 데이터가 온전히 유지 될 수 </a:t>
+                      </a:r>
+                      <a:r>
+                        <a:rPr lang="ko-KR" altLang="en-US" sz="1200" dirty="0" err="1"/>
+                        <a:t>있도록하여</a:t>
+                      </a:r>
+                      <a:r>
+                        <a:rPr lang="en-US" altLang="ko-KR" sz="1200" dirty="0"/>
+                        <a:t>, </a:t>
+                      </a:r>
+                      <a:r>
+                        <a:rPr lang="ko-KR" altLang="en-US" sz="1200" dirty="0"/>
+                        <a:t>이후 같은 작업을 다시 하지 않도록</a:t>
+                      </a:r>
+                      <a:r>
+                        <a:rPr lang="en-US" altLang="ko-KR" sz="1200" dirty="0"/>
+                        <a:t> </a:t>
+                      </a:r>
+                      <a:r>
+                        <a:rPr lang="ko-KR" altLang="en-US" sz="1200" dirty="0"/>
+                        <a:t>사전 준비함</a:t>
+                      </a:r>
+                      <a:r>
+                        <a:rPr lang="en-US" altLang="ko-KR" sz="1200" dirty="0"/>
+                        <a:t>.</a:t>
+                      </a:r>
+                      <a:endParaRPr lang="ko-KR" altLang="en-US" sz="1200" dirty="0"/>
+                    </a:p>
+                  </a:txBody>
+                  <a:tcPr anchor="ctr"/>
+                </a:tc>
+                <a:tc>
+                  <a:txBody>
+                    <a:bodyPr/>
+                    <a:lstStyle/>
+                    <a:p>
+                      <a:pPr latinLnBrk="1"/>
+                      <a:endParaRPr lang="ko-KR" altLang="en-US" sz="1200" dirty="0"/>
+                    </a:p>
+                  </a:txBody>
+                  <a:tcPr anchor="ctr"/>
+                </a:tc>
+                <a:extLst>
+                  <a:ext uri="{0D108BD9-81ED-4DB2-BD59-A6C34878D82A}">
+                    <a16:rowId xmlns:a16="http://schemas.microsoft.com/office/drawing/2014/main" val="1471688509"/>
+                  </a:ext>
+                </a:extLst>
+              </a:tr>
+              <a:tr h="370840">
+                <a:tc>
+                  <a:txBody>
+                    <a:bodyPr/>
+                    <a:lstStyle/>
+                    <a:p>
+                      <a:pPr algn="ctr" latinLnBrk="1"/>
+                      <a:r>
+                        <a:rPr lang="ko-KR" altLang="en-US" sz="1200" dirty="0"/>
+                        <a:t>상세보기</a:t>
+                      </a:r>
+                      <a:endParaRPr lang="en-US" altLang="ko-KR" sz="1200" dirty="0"/>
+                    </a:p>
+                    <a:p>
+                      <a:pPr algn="ctr" latinLnBrk="1"/>
+                      <a:r>
+                        <a:rPr lang="ko-KR" altLang="en-US" sz="1200" dirty="0"/>
+                        <a:t>및 편집</a:t>
+                      </a:r>
+                    </a:p>
+                  </a:txBody>
+                  <a:tcPr anchor="ctr"/>
+                </a:tc>
+                <a:tc>
+                  <a:txBody>
+                    <a:bodyPr/>
+                    <a:lstStyle/>
+                    <a:p>
+                      <a:pPr latinLnBrk="1"/>
+                      <a:r>
+                        <a:rPr lang="ko-KR" altLang="en-US" sz="1200" dirty="0"/>
+                        <a:t>선택 된 사건의 상세 정보 보기</a:t>
+                      </a:r>
+                      <a:endParaRPr lang="en-US" altLang="ko-KR" sz="1200" dirty="0"/>
+                    </a:p>
+                    <a:p>
+                      <a:pPr latinLnBrk="1"/>
+                      <a:r>
+                        <a:rPr lang="ko-KR" altLang="en-US" sz="1200" dirty="0"/>
+                        <a:t>업무환경이나 질병 분류 정보 입력</a:t>
+                      </a:r>
+                    </a:p>
+                  </a:txBody>
+                  <a:tcPr anchor="ctr"/>
+                </a:tc>
+                <a:tc>
+                  <a:txBody>
+                    <a:bodyPr/>
+                    <a:lstStyle/>
+                    <a:p>
+                      <a:pPr latinLnBrk="1"/>
+                      <a:r>
+                        <a:rPr lang="ko-KR" altLang="en-US" sz="1200" dirty="0"/>
+                        <a:t>판결문을 내용을 복사하여 업무환경이나 질병 분류 입력을 쉽게 넣을 수 있도록 함</a:t>
+                      </a:r>
+                      <a:r>
+                        <a:rPr lang="en-US" altLang="ko-KR" sz="1200" dirty="0"/>
+                        <a:t>.</a:t>
+                      </a:r>
+                      <a:endParaRPr lang="ko-KR" altLang="en-US" sz="1200" dirty="0"/>
+                    </a:p>
+                  </a:txBody>
+                  <a:tcPr anchor="ctr"/>
+                </a:tc>
+                <a:tc>
+                  <a:txBody>
+                    <a:bodyPr/>
+                    <a:lstStyle/>
+                    <a:p>
+                      <a:pPr latinLnBrk="1"/>
+                      <a:endParaRPr lang="ko-KR" altLang="en-US" sz="1200" dirty="0"/>
+                    </a:p>
+                  </a:txBody>
+                  <a:tcPr anchor="ctr"/>
+                </a:tc>
+                <a:extLst>
+                  <a:ext uri="{0D108BD9-81ED-4DB2-BD59-A6C34878D82A}">
+                    <a16:rowId xmlns:a16="http://schemas.microsoft.com/office/drawing/2014/main" val="3634608338"/>
+                  </a:ext>
+                </a:extLst>
+              </a:tr>
+              <a:tr h="370840">
+                <a:tc>
+                  <a:txBody>
+                    <a:bodyPr/>
+                    <a:lstStyle/>
+                    <a:p>
+                      <a:pPr algn="ctr" latinLnBrk="1"/>
+                      <a:r>
+                        <a:rPr lang="ko-KR" altLang="en-US" sz="1200" dirty="0"/>
+                        <a:t>목록보기 개선</a:t>
+                      </a:r>
+                    </a:p>
+                  </a:txBody>
+                  <a:tcPr anchor="ctr"/>
+                </a:tc>
+                <a:tc>
+                  <a:txBody>
+                    <a:bodyPr/>
+                    <a:lstStyle/>
+                    <a:p>
+                      <a:pPr latinLnBrk="1"/>
+                      <a:r>
+                        <a:rPr lang="ko-KR" altLang="en-US" sz="1200" dirty="0"/>
+                        <a:t>정렬 순서</a:t>
+                      </a:r>
+                      <a:r>
+                        <a:rPr lang="en-US" altLang="ko-KR" sz="1200" dirty="0"/>
+                        <a:t>/</a:t>
+                      </a:r>
+                      <a:r>
+                        <a:rPr lang="ko-KR" altLang="en-US" sz="1200" dirty="0"/>
+                        <a:t> 검색</a:t>
+                      </a:r>
+                      <a:r>
+                        <a:rPr lang="en-US" altLang="ko-KR" sz="1200" dirty="0"/>
+                        <a:t>/ </a:t>
+                      </a:r>
+                      <a:r>
+                        <a:rPr lang="ko-KR" altLang="en-US" sz="1200" dirty="0"/>
+                        <a:t>필터링</a:t>
+                      </a:r>
+                      <a:r>
+                        <a:rPr lang="en-US" altLang="ko-KR" sz="1200" dirty="0"/>
+                        <a:t>/ </a:t>
+                      </a:r>
+                      <a:r>
+                        <a:rPr lang="ko-KR" altLang="en-US" sz="1200" dirty="0"/>
+                        <a:t>페이지 처리</a:t>
+                      </a:r>
+                      <a:endParaRPr lang="en-US" altLang="ko-KR" sz="1200" dirty="0"/>
+                    </a:p>
+                  </a:txBody>
+                  <a:tcPr anchor="ctr"/>
+                </a:tc>
+                <a:tc>
+                  <a:txBody>
+                    <a:bodyPr/>
+                    <a:lstStyle/>
+                    <a:p>
+                      <a:pPr latinLnBrk="1"/>
+                      <a:r>
+                        <a:rPr lang="ko-KR" altLang="en-US" sz="1200" dirty="0"/>
+                        <a:t>데이터를 목적에 맞게 쉽게 볼 수 있도록</a:t>
+                      </a:r>
+                    </a:p>
+                  </a:txBody>
+                  <a:tcPr anchor="ctr"/>
+                </a:tc>
+                <a:tc>
+                  <a:txBody>
+                    <a:bodyPr/>
+                    <a:lstStyle/>
+                    <a:p>
+                      <a:pPr latinLnBrk="1"/>
+                      <a:endParaRPr lang="ko-KR" altLang="en-US" sz="1200" dirty="0"/>
+                    </a:p>
+                  </a:txBody>
+                  <a:tcPr anchor="ctr"/>
+                </a:tc>
+                <a:extLst>
+                  <a:ext uri="{0D108BD9-81ED-4DB2-BD59-A6C34878D82A}">
+                    <a16:rowId xmlns:a16="http://schemas.microsoft.com/office/drawing/2014/main" val="3097298659"/>
+                  </a:ext>
+                </a:extLst>
+              </a:tr>
+              <a:tr h="370840">
+                <a:tc>
+                  <a:txBody>
+                    <a:bodyPr/>
+                    <a:lstStyle/>
+                    <a:p>
+                      <a:pPr algn="ctr" latinLnBrk="1"/>
+                      <a:endParaRPr lang="ko-KR" altLang="en-US" sz="1200" dirty="0"/>
+                    </a:p>
+                  </a:txBody>
+                  <a:tcPr anchor="ctr"/>
+                </a:tc>
+                <a:tc>
+                  <a:txBody>
+                    <a:bodyPr/>
+                    <a:lstStyle/>
+                    <a:p>
+                      <a:pPr latinLnBrk="1"/>
+                      <a:endParaRPr lang="ko-KR" altLang="en-US" sz="1200" dirty="0"/>
+                    </a:p>
+                  </a:txBody>
+                  <a:tcPr anchor="ctr"/>
+                </a:tc>
+                <a:tc>
+                  <a:txBody>
+                    <a:bodyPr/>
+                    <a:lstStyle/>
+                    <a:p>
+                      <a:pPr latinLnBrk="1"/>
+                      <a:endParaRPr lang="ko-KR" altLang="en-US" sz="1200" dirty="0"/>
+                    </a:p>
+                  </a:txBody>
+                  <a:tcPr anchor="ctr"/>
+                </a:tc>
+                <a:tc>
+                  <a:txBody>
+                    <a:bodyPr/>
+                    <a:lstStyle/>
+                    <a:p>
+                      <a:pPr latinLnBrk="1"/>
+                      <a:endParaRPr lang="ko-KR" altLang="en-US" sz="1200" dirty="0"/>
+                    </a:p>
+                  </a:txBody>
+                  <a:tcPr anchor="ctr"/>
+                </a:tc>
+                <a:extLst>
+                  <a:ext uri="{0D108BD9-81ED-4DB2-BD59-A6C34878D82A}">
+                    <a16:rowId xmlns:a16="http://schemas.microsoft.com/office/drawing/2014/main" val="1672674825"/>
+                  </a:ext>
+                </a:extLst>
+              </a:tr>
+              <a:tr h="370840">
+                <a:tc>
+                  <a:txBody>
+                    <a:bodyPr/>
+                    <a:lstStyle/>
+                    <a:p>
+                      <a:pPr algn="ctr" latinLnBrk="1"/>
+                      <a:endParaRPr lang="ko-KR" altLang="en-US" sz="1200" dirty="0"/>
+                    </a:p>
+                  </a:txBody>
+                  <a:tcPr anchor="ctr"/>
+                </a:tc>
+                <a:tc>
+                  <a:txBody>
+                    <a:bodyPr/>
+                    <a:lstStyle/>
+                    <a:p>
+                      <a:pPr latinLnBrk="1"/>
+                      <a:endParaRPr lang="ko-KR" altLang="en-US" sz="1200" dirty="0"/>
+                    </a:p>
+                  </a:txBody>
+                  <a:tcPr anchor="ctr"/>
+                </a:tc>
+                <a:tc>
+                  <a:txBody>
+                    <a:bodyPr/>
+                    <a:lstStyle/>
+                    <a:p>
+                      <a:pPr latinLnBrk="1"/>
+                      <a:endParaRPr lang="ko-KR" altLang="en-US" sz="1200" dirty="0"/>
+                    </a:p>
+                  </a:txBody>
+                  <a:tcPr anchor="ctr"/>
+                </a:tc>
+                <a:tc>
+                  <a:txBody>
+                    <a:bodyPr/>
+                    <a:lstStyle/>
+                    <a:p>
+                      <a:pPr latinLnBrk="1"/>
+                      <a:endParaRPr lang="ko-KR" altLang="en-US" sz="1200" dirty="0"/>
+                    </a:p>
+                  </a:txBody>
+                  <a:tcPr anchor="ctr"/>
+                </a:tc>
+                <a:extLst>
+                  <a:ext uri="{0D108BD9-81ED-4DB2-BD59-A6C34878D82A}">
+                    <a16:rowId xmlns:a16="http://schemas.microsoft.com/office/drawing/2014/main" val="4242316468"/>
+                  </a:ext>
+                </a:extLst>
+              </a:tr>
+              <a:tr h="370840">
+                <a:tc>
+                  <a:txBody>
+                    <a:bodyPr/>
+                    <a:lstStyle/>
+                    <a:p>
+                      <a:pPr algn="ctr" latinLnBrk="1"/>
+                      <a:endParaRPr lang="ko-KR" altLang="en-US" sz="1200" dirty="0"/>
+                    </a:p>
+                  </a:txBody>
+                  <a:tcPr anchor="ctr"/>
+                </a:tc>
+                <a:tc>
+                  <a:txBody>
+                    <a:bodyPr/>
+                    <a:lstStyle/>
+                    <a:p>
+                      <a:pPr latinLnBrk="1"/>
+                      <a:endParaRPr lang="ko-KR" altLang="en-US" sz="1200" dirty="0"/>
+                    </a:p>
+                  </a:txBody>
+                  <a:tcPr anchor="ctr"/>
+                </a:tc>
+                <a:tc>
+                  <a:txBody>
+                    <a:bodyPr/>
+                    <a:lstStyle/>
+                    <a:p>
+                      <a:pPr latinLnBrk="1"/>
+                      <a:endParaRPr lang="ko-KR" altLang="en-US" sz="1200" dirty="0"/>
+                    </a:p>
+                  </a:txBody>
+                  <a:tcPr anchor="ctr"/>
+                </a:tc>
+                <a:tc>
+                  <a:txBody>
+                    <a:bodyPr/>
+                    <a:lstStyle/>
+                    <a:p>
+                      <a:pPr latinLnBrk="1"/>
+                      <a:endParaRPr lang="ko-KR" altLang="en-US" sz="1200" dirty="0"/>
+                    </a:p>
+                  </a:txBody>
+                  <a:tcPr anchor="ctr"/>
+                </a:tc>
+                <a:extLst>
+                  <a:ext uri="{0D108BD9-81ED-4DB2-BD59-A6C34878D82A}">
+                    <a16:rowId xmlns:a16="http://schemas.microsoft.com/office/drawing/2014/main" val="193273569"/>
+                  </a:ext>
+                </a:extLst>
+              </a:tr>
+              <a:tr h="370840">
+                <a:tc>
+                  <a:txBody>
+                    <a:bodyPr/>
+                    <a:lstStyle/>
+                    <a:p>
+                      <a:pPr algn="ctr" latinLnBrk="1"/>
+                      <a:endParaRPr lang="ko-KR" altLang="en-US" sz="1200" dirty="0"/>
+                    </a:p>
+                  </a:txBody>
+                  <a:tcPr anchor="ctr"/>
+                </a:tc>
+                <a:tc>
+                  <a:txBody>
+                    <a:bodyPr/>
+                    <a:lstStyle/>
+                    <a:p>
+                      <a:pPr latinLnBrk="1"/>
+                      <a:endParaRPr lang="ko-KR" altLang="en-US" sz="1200" dirty="0"/>
+                    </a:p>
+                  </a:txBody>
+                  <a:tcPr anchor="ctr"/>
+                </a:tc>
+                <a:tc>
+                  <a:txBody>
+                    <a:bodyPr/>
+                    <a:lstStyle/>
+                    <a:p>
+                      <a:pPr latinLnBrk="1"/>
+                      <a:endParaRPr lang="ko-KR" altLang="en-US" sz="1200" dirty="0"/>
+                    </a:p>
+                  </a:txBody>
+                  <a:tcPr anchor="ctr"/>
+                </a:tc>
+                <a:tc>
+                  <a:txBody>
+                    <a:bodyPr/>
+                    <a:lstStyle/>
+                    <a:p>
+                      <a:pPr latinLnBrk="1"/>
+                      <a:endParaRPr lang="ko-KR" altLang="en-US" sz="1200" dirty="0"/>
+                    </a:p>
+                  </a:txBody>
+                  <a:tcPr anchor="ctr"/>
+                </a:tc>
+                <a:extLst>
+                  <a:ext uri="{0D108BD9-81ED-4DB2-BD59-A6C34878D82A}">
+                    <a16:rowId xmlns:a16="http://schemas.microsoft.com/office/drawing/2014/main" val="1740861980"/>
+                  </a:ext>
+                </a:extLst>
+              </a:tr>
+              <a:tr h="370840">
+                <a:tc>
+                  <a:txBody>
+                    <a:bodyPr/>
+                    <a:lstStyle/>
+                    <a:p>
+                      <a:pPr algn="ctr" latinLnBrk="1"/>
+                      <a:endParaRPr lang="ko-KR" altLang="en-US" sz="1200" dirty="0"/>
+                    </a:p>
+                  </a:txBody>
+                  <a:tcPr anchor="ctr"/>
+                </a:tc>
+                <a:tc>
+                  <a:txBody>
+                    <a:bodyPr/>
+                    <a:lstStyle/>
+                    <a:p>
+                      <a:pPr latinLnBrk="1"/>
+                      <a:endParaRPr lang="ko-KR" altLang="en-US" sz="1200" dirty="0"/>
+                    </a:p>
+                  </a:txBody>
+                  <a:tcPr anchor="ctr"/>
+                </a:tc>
+                <a:tc>
+                  <a:txBody>
+                    <a:bodyPr/>
+                    <a:lstStyle/>
+                    <a:p>
+                      <a:pPr latinLnBrk="1"/>
+                      <a:endParaRPr lang="ko-KR" altLang="en-US" sz="1200" dirty="0"/>
+                    </a:p>
+                  </a:txBody>
+                  <a:tcPr anchor="ctr"/>
+                </a:tc>
+                <a:tc>
+                  <a:txBody>
+                    <a:bodyPr/>
+                    <a:lstStyle/>
+                    <a:p>
+                      <a:pPr latinLnBrk="1"/>
+                      <a:endParaRPr lang="ko-KR" altLang="en-US" sz="1200" dirty="0"/>
+                    </a:p>
+                  </a:txBody>
+                  <a:tcPr anchor="ctr"/>
+                </a:tc>
+                <a:extLst>
+                  <a:ext uri="{0D108BD9-81ED-4DB2-BD59-A6C34878D82A}">
+                    <a16:rowId xmlns:a16="http://schemas.microsoft.com/office/drawing/2014/main" val="2686927412"/>
+                  </a:ext>
+                </a:extLst>
+              </a:tr>
+            </a:tbl>
+          </a:graphicData>
+        </a:graphic>
+      </p:graphicFrame>
+      <p:sp>
+        <p:nvSpPr>
+          <p:cNvPr id="5" name="말풍선: 사각형 4">
+            <a:extLst>
+              <a:ext uri="{FF2B5EF4-FFF2-40B4-BE49-F238E27FC236}">
+                <a16:creationId xmlns:a16="http://schemas.microsoft.com/office/drawing/2014/main" id="{C330181E-BBDD-47AD-B9B4-CFC59D574DC2}"/>
+              </a:ext>
+            </a:extLst>
+          </p:cNvPr>
+          <p:cNvSpPr/>
+          <p:nvPr/>
+        </p:nvSpPr>
+        <p:spPr>
+          <a:xfrm>
+            <a:off x="6576292" y="528031"/>
+            <a:ext cx="4331194" cy="670702"/>
+          </a:xfrm>
+          <a:prstGeom prst="wedgeRectCallout">
+            <a:avLst>
+              <a:gd name="adj1" fmla="val 45267"/>
+              <a:gd name="adj2" fmla="val 167715"/>
+            </a:avLst>
+          </a:prstGeom>
+        </p:spPr>
+        <p:style>
+          <a:lnRef idx="1">
+            <a:schemeClr val="accent4"/>
+          </a:lnRef>
+          <a:fillRef idx="2">
+            <a:schemeClr val="accent4"/>
+          </a:fillRef>
+          <a:effectRef idx="1">
+            <a:schemeClr val="accent4"/>
+          </a:effectRef>
+          <a:fontRef idx="minor">
+            <a:schemeClr val="dk1"/>
+          </a:fontRef>
+        </p:style>
+        <p:txBody>
+          <a:bodyPr rtlCol="0" anchor="ctr"/>
+          <a:lstStyle/>
+          <a:p>
+            <a:r>
+              <a:rPr lang="ko-KR" altLang="en-US" sz="1100" dirty="0"/>
+              <a:t>희망하는 일이 있을 경우</a:t>
+            </a:r>
+            <a:r>
+              <a:rPr lang="en-US" altLang="ko-KR" sz="1100" dirty="0"/>
+              <a:t>, </a:t>
+            </a:r>
+            <a:r>
+              <a:rPr lang="ko-KR" altLang="en-US" sz="1100" dirty="0"/>
+              <a:t>담당자에 자기 역할과 이름 입력</a:t>
+            </a:r>
+            <a:endParaRPr lang="en-US" altLang="ko-KR" sz="1100" dirty="0"/>
+          </a:p>
+          <a:p>
+            <a:r>
+              <a:rPr lang="en-US" altLang="ko-KR" sz="1100" dirty="0"/>
+              <a:t>List</a:t>
+            </a:r>
+            <a:r>
+              <a:rPr lang="ko-KR" altLang="en-US" sz="1100" dirty="0"/>
+              <a:t>에 없지만 도움이 될 것 같은 </a:t>
+            </a:r>
+            <a:r>
+              <a:rPr lang="en-US" altLang="ko-KR" sz="1100" dirty="0"/>
+              <a:t>Task</a:t>
+            </a:r>
+            <a:r>
+              <a:rPr lang="ko-KR" altLang="en-US" sz="1100" dirty="0"/>
+              <a:t>가 있다면 자유롭게 추가</a:t>
+            </a:r>
+          </a:p>
+        </p:txBody>
+      </p:sp>
+    </p:spTree>
+    <p:extLst>
+      <p:ext uri="{BB962C8B-B14F-4D97-AF65-F5344CB8AC3E}">
+        <p14:creationId xmlns:p14="http://schemas.microsoft.com/office/powerpoint/2010/main" val="1729370485"/>
       </p:ext>
     </p:extLst>
   </p:cSld>
@@ -6496,14 +8173,14 @@
             <p:ph idx="1"/>
             <p:extLst>
               <p:ext uri="{D42A27DB-BD31-4B8C-83A1-F6EECF244321}">
-                <p14:modId xmlns:p14="http://schemas.microsoft.com/office/powerpoint/2010/main" val="3272836132"/>
+                <p14:modId xmlns:p14="http://schemas.microsoft.com/office/powerpoint/2010/main" val="4283514456"/>
               </p:ext>
             </p:extLst>
           </p:nvPr>
         </p:nvGraphicFramePr>
         <p:xfrm>
           <a:off x="838200" y="1825625"/>
-          <a:ext cx="10892245" cy="4490720"/>
+          <a:ext cx="10892245" cy="4531360"/>
         </p:xfrm>
         <a:graphic>
           <a:graphicData uri="http://schemas.openxmlformats.org/drawingml/2006/table">
@@ -6802,6 +8479,10 @@
                     <a:lstStyle/>
                     <a:p>
                       <a:pPr algn="ctr" latinLnBrk="1"/>
+                      <a:r>
+                        <a:rPr lang="en-US" altLang="ko-KR" sz="1050" dirty="0"/>
+                        <a:t>3</a:t>
+                      </a:r>
                       <a:endParaRPr lang="ko-KR" altLang="en-US" sz="1050" dirty="0"/>
                     </a:p>
                   </a:txBody>
@@ -6813,6 +8494,42 @@
                     <a:lstStyle/>
                     <a:p>
                       <a:pPr latinLnBrk="1"/>
+                      <a:r>
+                        <a:rPr lang="ko-KR" altLang="en-US" sz="1050" dirty="0"/>
+                        <a:t>판결문 데이터 모델 변수 영문명 확정</a:t>
+                      </a:r>
+                      <a:r>
+                        <a:rPr lang="en-US" altLang="ko-KR" sz="1050" dirty="0"/>
+                        <a:t>/ </a:t>
+                      </a:r>
+                      <a:r>
+                        <a:rPr lang="ko-KR" altLang="en-US" sz="1050" dirty="0"/>
+                        <a:t>질병 분류 국제 코드와 질병명으로 분리</a:t>
+                      </a:r>
+                      <a:r>
+                        <a:rPr lang="en-US" altLang="ko-KR" sz="1050" dirty="0"/>
+                        <a:t>/ </a:t>
+                      </a:r>
+                      <a:r>
+                        <a:rPr lang="ko-KR" altLang="en-US" sz="1050" dirty="0"/>
+                        <a:t>질병 분류 코드 선택 버튼 추가</a:t>
+                      </a:r>
+                      <a:endParaRPr lang="en-US" altLang="ko-KR" sz="1050" dirty="0"/>
+                    </a:p>
+                    <a:p>
+                      <a:pPr latinLnBrk="1"/>
+                      <a:r>
+                        <a:rPr lang="ko-KR" altLang="en-US" sz="1050" dirty="0"/>
+                        <a:t>개발 </a:t>
+                      </a:r>
+                      <a:r>
+                        <a:rPr lang="en-US" altLang="ko-KR" sz="1050" dirty="0"/>
+                        <a:t>Task </a:t>
+                      </a:r>
+                      <a:r>
+                        <a:rPr lang="ko-KR" altLang="en-US" sz="1050"/>
+                        <a:t>추가</a:t>
+                      </a:r>
                       <a:endParaRPr lang="ko-KR" altLang="en-US" sz="1050" dirty="0"/>
                     </a:p>
                   </a:txBody>
@@ -6824,6 +8541,10 @@
                     <a:lstStyle/>
                     <a:p>
                       <a:pPr algn="ctr" latinLnBrk="1"/>
+                      <a:r>
+                        <a:rPr lang="en-US" altLang="ko-KR" sz="1050" dirty="0"/>
+                        <a:t>2021-05-15</a:t>
+                      </a:r>
                       <a:endParaRPr lang="ko-KR" altLang="en-US" sz="1050" dirty="0"/>
                     </a:p>
                   </a:txBody>
@@ -6834,8 +8555,31 @@
                     <a:bodyPr/>
                     <a:lstStyle/>
                     <a:p>
-                      <a:pPr algn="ctr" latinLnBrk="1"/>
-                      <a:endParaRPr lang="ko-KR" altLang="en-US" sz="1050" dirty="0"/>
+                      <a:pPr marL="0" marR="0" lvl="0" indent="0" algn="ctr" defTabSz="914400" rtl="0" eaLnBrk="1" fontAlgn="auto" latinLnBrk="1" hangingPunct="1">
+                        <a:lnSpc>
+                          <a:spcPct val="100000"/>
+                        </a:lnSpc>
+                        <a:spcBef>
+                          <a:spcPts val="0"/>
+                        </a:spcBef>
+                        <a:spcAft>
+                          <a:spcPts val="0"/>
+                        </a:spcAft>
+                        <a:buClrTx/>
+                        <a:buSzTx/>
+                        <a:buFontTx/>
+                        <a:buNone/>
+                        <a:tabLst/>
+                        <a:defRPr/>
+                      </a:pPr>
+                      <a:r>
+                        <a:rPr lang="en-US" altLang="ko-KR" sz="1050" dirty="0"/>
+                        <a:t>@</a:t>
+                      </a:r>
+                      <a:r>
+                        <a:rPr lang="ko-KR" altLang="en-US" sz="1050" dirty="0"/>
+                        <a:t>바른생활 심원일</a:t>
+                      </a:r>
                     </a:p>
                   </a:txBody>
                   <a:tcPr anchor="ctr"/>
@@ -7334,82 +9078,102 @@
         </p:nvSpPr>
         <p:spPr/>
         <p:txBody>
-          <a:bodyPr/>
+          <a:bodyPr>
+            <a:normAutofit/>
+          </a:bodyPr>
           <a:lstStyle/>
           <a:p>
             <a:r>
-              <a:rPr lang="ko-KR" altLang="en-US" dirty="0"/>
+              <a:rPr lang="ko-KR" altLang="en-US" sz="2000" dirty="0"/>
               <a:t>목적과 배경</a:t>
             </a:r>
-            <a:endParaRPr lang="en-US" altLang="ko-KR" dirty="0"/>
-          </a:p>
-          <a:p>
-            <a:r>
-              <a:rPr lang="ko-KR" altLang="en-US" dirty="0"/>
+            <a:endParaRPr lang="en-US" altLang="ko-KR" sz="2000" dirty="0"/>
+          </a:p>
+          <a:p>
+            <a:r>
+              <a:rPr lang="ko-KR" altLang="en-US" sz="2000" dirty="0"/>
               <a:t>참여자</a:t>
             </a:r>
-            <a:endParaRPr lang="en-US" altLang="ko-KR" dirty="0"/>
-          </a:p>
-          <a:p>
-            <a:r>
-              <a:rPr lang="ko-KR" altLang="en-US" dirty="0"/>
+            <a:endParaRPr lang="en-US" altLang="ko-KR" sz="2000" dirty="0"/>
+          </a:p>
+          <a:p>
+            <a:r>
+              <a:rPr lang="ko-KR" altLang="en-US" sz="2000" dirty="0"/>
               <a:t>제공하고자 하는 정보</a:t>
             </a:r>
-            <a:endParaRPr lang="en-US" altLang="ko-KR" dirty="0"/>
-          </a:p>
-          <a:p>
-            <a:r>
-              <a:rPr lang="en-US" altLang="ko-KR" dirty="0"/>
+            <a:endParaRPr lang="en-US" altLang="ko-KR" sz="2000" dirty="0"/>
+          </a:p>
+          <a:p>
+            <a:r>
+              <a:rPr lang="en-US" altLang="ko-KR" sz="2000" dirty="0"/>
               <a:t>(</a:t>
             </a:r>
             <a:r>
-              <a:rPr lang="ko-KR" altLang="en-US" dirty="0"/>
+              <a:rPr lang="ko-KR" altLang="en-US" sz="2000" dirty="0"/>
               <a:t>예상되는</a:t>
             </a:r>
             <a:r>
-              <a:rPr lang="en-US" altLang="ko-KR" dirty="0"/>
+              <a:rPr lang="en-US" altLang="ko-KR" sz="2000" dirty="0"/>
               <a:t>)</a:t>
             </a:r>
             <a:r>
-              <a:rPr lang="ko-KR" altLang="en-US" dirty="0"/>
+              <a:rPr lang="ko-KR" altLang="en-US" sz="2000" dirty="0"/>
               <a:t>사용자</a:t>
             </a:r>
-            <a:endParaRPr lang="en-US" altLang="ko-KR" dirty="0"/>
-          </a:p>
-          <a:p>
-            <a:r>
-              <a:rPr lang="ko-KR" altLang="en-US" dirty="0"/>
+            <a:endParaRPr lang="en-US" altLang="ko-KR" sz="2000" dirty="0"/>
+          </a:p>
+          <a:p>
+            <a:r>
+              <a:rPr lang="ko-KR" altLang="en-US" sz="2000" dirty="0"/>
               <a:t>기능리스트</a:t>
             </a:r>
-            <a:endParaRPr lang="en-US" altLang="ko-KR" dirty="0"/>
-          </a:p>
-          <a:p>
-            <a:r>
-              <a:rPr lang="ko-KR" altLang="en-US" dirty="0"/>
+            <a:endParaRPr lang="en-US" altLang="ko-KR" sz="2000" dirty="0"/>
+          </a:p>
+          <a:p>
+            <a:r>
+              <a:rPr lang="ko-KR" altLang="en-US" sz="2000" dirty="0"/>
               <a:t>판결문 데이터 모델</a:t>
             </a:r>
-            <a:endParaRPr lang="en-US" altLang="ko-KR" dirty="0"/>
-          </a:p>
-          <a:p>
-            <a:r>
-              <a:rPr lang="ko-KR" altLang="en-US" dirty="0"/>
+            <a:endParaRPr lang="en-US" altLang="ko-KR" sz="2000" dirty="0"/>
+          </a:p>
+          <a:p>
+            <a:r>
+              <a:rPr lang="ko-KR" altLang="en-US" sz="2000" dirty="0"/>
               <a:t>판결문 목록 화면 </a:t>
             </a:r>
             <a:r>
-              <a:rPr lang="en-US" altLang="ko-KR" dirty="0"/>
+              <a:rPr lang="en-US" altLang="ko-KR" sz="2000" dirty="0"/>
               <a:t>layout</a:t>
             </a:r>
           </a:p>
           <a:p>
             <a:r>
-              <a:rPr lang="ko-KR" altLang="en-US" dirty="0"/>
+              <a:rPr lang="ko-KR" altLang="en-US" sz="2000" dirty="0"/>
               <a:t>판결문 상세 화면 </a:t>
             </a:r>
             <a:r>
-              <a:rPr lang="en-US" altLang="ko-KR" dirty="0"/>
+              <a:rPr lang="en-US" altLang="ko-KR" sz="2000" dirty="0"/>
               <a:t>layout</a:t>
             </a:r>
-            <a:endParaRPr lang="ko-KR" altLang="en-US" dirty="0"/>
+          </a:p>
+          <a:p>
+            <a:r>
+              <a:rPr lang="ko-KR" altLang="en-US" sz="2000" dirty="0"/>
+              <a:t>개발 </a:t>
+            </a:r>
+            <a:r>
+              <a:rPr lang="en-US" altLang="ko-KR" sz="2000" dirty="0"/>
+              <a:t>Task (</a:t>
+            </a:r>
+            <a:r>
+              <a:rPr lang="ko-KR" altLang="en-US" sz="2000" dirty="0"/>
+              <a:t>점진적 구현 순서</a:t>
+            </a:r>
+            <a:r>
+              <a:rPr lang="en-US" altLang="ko-KR" sz="2000" dirty="0"/>
+              <a:t>)</a:t>
+            </a:r>
+            <a:endParaRPr lang="ko-KR" altLang="en-US" sz="2000" dirty="0"/>
           </a:p>
         </p:txBody>
       </p:sp>
@@ -7886,7 +9650,7 @@
             <p:ph idx="1"/>
             <p:extLst>
               <p:ext uri="{D42A27DB-BD31-4B8C-83A1-F6EECF244321}">
-                <p14:modId xmlns:p14="http://schemas.microsoft.com/office/powerpoint/2010/main" val="505823867"/>
+                <p14:modId xmlns:p14="http://schemas.microsoft.com/office/powerpoint/2010/main" val="253764530"/>
               </p:ext>
             </p:extLst>
           </p:nvPr>
@@ -8107,7 +9871,15 @@
                       </a:r>
                       <a:r>
                         <a:rPr lang="ko-KR" altLang="en-US" sz="1200" dirty="0"/>
-                        <a:t>역할이 정해지지 않은 필요한 역할을 수행</a:t>
+                        <a:t>역할의</a:t>
+                      </a:r>
+                      <a:r>
+                        <a:rPr lang="en-US" altLang="ko-KR" sz="1200" dirty="0"/>
+                        <a:t> </a:t>
+                      </a:r>
+                      <a:r>
+                        <a:rPr lang="ko-KR" altLang="en-US" sz="1200" dirty="0"/>
+                        <a:t>담당 인원이 정해지지 않은 필요한 역할을 수행</a:t>
                       </a:r>
                       <a:r>
                         <a:rPr lang="en-US" altLang="ko-KR" sz="1200" dirty="0"/>
@@ -8311,25 +10083,45 @@
                     <a:p>
                       <a:pPr algn="ctr" latinLnBrk="1"/>
                       <a:r>
-                        <a:rPr lang="ko-KR" altLang="en-US" sz="1200" b="1" dirty="0">
-                          <a:highlight>
-                            <a:srgbClr val="FFFF00"/>
-                          </a:highlight>
+                        <a:rPr lang="en-US" altLang="ko-KR" sz="1200" kern="1200" dirty="0">
+                          <a:solidFill>
+                            <a:schemeClr val="dk1"/>
+                          </a:solidFill>
+                          <a:latin typeface="+mn-lt"/>
+                          <a:ea typeface="+mn-ea"/>
+                          <a:cs typeface="+mn-cs"/>
                         </a:rPr>
-                        <a:t>손을 들어 주세요</a:t>
-                      </a:r>
-                      <a:r>
-                        <a:rPr lang="en-US" altLang="ko-KR" sz="1200" b="1" dirty="0">
-                          <a:highlight>
-                            <a:srgbClr val="FFFF00"/>
-                          </a:highlight>
+                        <a:t>@achim </a:t>
+                      </a:r>
+                      <a:r>
+                        <a:rPr lang="en-US" altLang="ko-KR" sz="1200" kern="1200" dirty="0" err="1">
+                          <a:solidFill>
+                            <a:schemeClr val="dk1"/>
+                          </a:solidFill>
+                          <a:latin typeface="+mn-lt"/>
+                          <a:ea typeface="+mn-ea"/>
+                          <a:cs typeface="+mn-cs"/>
                         </a:rPr>
-                        <a:t>!!!</a:t>
-                      </a:r>
-                      <a:endParaRPr lang="ko-KR" altLang="en-US" sz="1200" b="1" dirty="0">
-                        <a:highlight>
-                          <a:srgbClr val="FFFF00"/>
-                        </a:highlight>
+                        <a:t>koh</a:t>
+                      </a:r>
+                      <a:r>
+                        <a:rPr lang="en-US" altLang="ko-KR" sz="1200" kern="1200" dirty="0">
+                          <a:solidFill>
+                            <a:schemeClr val="dk1"/>
+                          </a:solidFill>
+                          <a:latin typeface="+mn-lt"/>
+                          <a:ea typeface="+mn-ea"/>
+                          <a:cs typeface="+mn-cs"/>
+                        </a:rPr>
+                        <a:t>, @Sungmin Son</a:t>
+                      </a:r>
+                      <a:endParaRPr lang="ko-KR" altLang="en-US" sz="1200" kern="1200" dirty="0">
+                        <a:solidFill>
+                          <a:schemeClr val="dk1"/>
+                        </a:solidFill>
+                        <a:latin typeface="+mn-lt"/>
+                        <a:ea typeface="+mn-ea"/>
+                        <a:cs typeface="+mn-cs"/>
                       </a:endParaRPr>
                     </a:p>
                   </a:txBody>
@@ -8630,43 +10422,61 @@
                     <a:bodyPr/>
                     <a:lstStyle/>
                     <a:p>
-                      <a:pPr marL="0" marR="0" lvl="0" indent="0" algn="ctr" defTabSz="914400" rtl="0" eaLnBrk="1" fontAlgn="auto" latinLnBrk="1" hangingPunct="1">
-                        <a:lnSpc>
-                          <a:spcPct val="100000"/>
-                        </a:lnSpc>
-                        <a:spcBef>
-                          <a:spcPts val="0"/>
-                        </a:spcBef>
-                        <a:spcAft>
-                          <a:spcPts val="0"/>
-                        </a:spcAft>
-                        <a:buClrTx/>
-                        <a:buSzTx/>
-                        <a:buFontTx/>
-                        <a:buNone/>
-                        <a:tabLst/>
-                        <a:defRPr/>
-                      </a:pPr>
-                      <a:r>
-                        <a:rPr lang="ko-KR" altLang="en-US" sz="1200" b="1" dirty="0">
-                          <a:highlight>
-                            <a:srgbClr val="FFFF00"/>
-                          </a:highlight>
-                        </a:rPr>
-                        <a:t>손을 들어 주세요</a:t>
-                      </a:r>
-                      <a:r>
-                        <a:rPr lang="en-US" altLang="ko-KR" sz="1200" b="1" dirty="0">
-                          <a:highlight>
-                            <a:srgbClr val="FFFF00"/>
-                          </a:highlight>
-                        </a:rPr>
-                        <a:t>!!!</a:t>
-                      </a:r>
-                      <a:endParaRPr lang="ko-KR" altLang="en-US" sz="1200" b="1" dirty="0">
+                      <a:pPr algn="ctr" latinLnBrk="1"/>
+                      <a:endParaRPr lang="en-US" altLang="ko-KR" sz="1200" kern="1200" dirty="0">
+                        <a:solidFill>
+                          <a:schemeClr val="dk1"/>
+                        </a:solidFill>
                         <a:highlight>
                           <a:srgbClr val="FFFF00"/>
                         </a:highlight>
+                        <a:latin typeface="+mn-lt"/>
+                        <a:ea typeface="+mn-ea"/>
+                        <a:cs typeface="+mn-cs"/>
+                      </a:endParaRPr>
+                    </a:p>
+                    <a:p>
+                      <a:pPr algn="ctr" latinLnBrk="1"/>
+                      <a:r>
+                        <a:rPr lang="en-US" altLang="ko-KR" sz="1200" kern="1200" dirty="0">
+                          <a:solidFill>
+                            <a:schemeClr val="dk1"/>
+                          </a:solidFill>
+                          <a:latin typeface="+mn-lt"/>
+                          <a:ea typeface="+mn-ea"/>
+                          <a:cs typeface="+mn-cs"/>
+                        </a:rPr>
+                        <a:t>@Jin </a:t>
+                      </a:r>
+                      <a:r>
+                        <a:rPr lang="en-US" altLang="ko-KR" sz="1200" kern="1200" dirty="0" err="1">
+                          <a:solidFill>
+                            <a:schemeClr val="dk1"/>
+                          </a:solidFill>
+                          <a:latin typeface="+mn-lt"/>
+                          <a:ea typeface="+mn-ea"/>
+                          <a:cs typeface="+mn-cs"/>
+                        </a:rPr>
+                        <a:t>Teayang</a:t>
+                      </a:r>
+                      <a:r>
+                        <a:rPr lang="en-US" altLang="ko-KR" sz="1200" kern="1200" dirty="0">
+                          <a:solidFill>
+                            <a:schemeClr val="dk1"/>
+                          </a:solidFill>
+                          <a:latin typeface="+mn-lt"/>
+                          <a:ea typeface="+mn-ea"/>
+                          <a:cs typeface="+mn-cs"/>
+                        </a:rPr>
+                        <a:t>(AWS)</a:t>
+                      </a:r>
+                      <a:endParaRPr lang="ko-KR" altLang="en-US" sz="1200" kern="1200" dirty="0">
+                        <a:solidFill>
+                          <a:schemeClr val="dk1"/>
+                        </a:solidFill>
+                        <a:latin typeface="+mn-lt"/>
+                        <a:ea typeface="+mn-ea"/>
+                        <a:cs typeface="+mn-cs"/>
                       </a:endParaRPr>
                     </a:p>
                   </a:txBody>
@@ -8722,151 +10532,6 @@
           </a:graphicData>
         </a:graphic>
       </p:graphicFrame>
-      <p:sp>
-        <p:nvSpPr>
-          <p:cNvPr id="5" name="직사각형 4">
-            <a:extLst>
-              <a:ext uri="{FF2B5EF4-FFF2-40B4-BE49-F238E27FC236}">
-                <a16:creationId xmlns:a16="http://schemas.microsoft.com/office/drawing/2014/main" id="{BCBC3E21-39D4-4B64-B7B4-74C215008774}"/>
-              </a:ext>
-            </a:extLst>
-          </p:cNvPr>
-          <p:cNvSpPr/>
-          <p:nvPr/>
-        </p:nvSpPr>
-        <p:spPr>
-          <a:xfrm>
-            <a:off x="838199" y="5876836"/>
-            <a:ext cx="10670177" cy="953315"/>
-          </a:xfrm>
-          <a:prstGeom prst="rect">
-            <a:avLst/>
-          </a:prstGeom>
-        </p:spPr>
-        <p:style>
-          <a:lnRef idx="2">
-            <a:schemeClr val="dk1"/>
-          </a:lnRef>
-          <a:fillRef idx="1">
-            <a:schemeClr val="lt1"/>
-          </a:fillRef>
-          <a:effectRef idx="0">
-            <a:schemeClr val="dk1"/>
-          </a:effectRef>
-          <a:fontRef idx="minor">
-            <a:schemeClr val="dk1"/>
-          </a:fontRef>
-        </p:style>
-        <p:txBody>
-          <a:bodyPr rtlCol="0" anchor="ctr"/>
-          <a:lstStyle/>
-          <a:p>
-            <a:r>
-              <a:rPr lang="ko-KR" altLang="en-US" sz="1400" dirty="0"/>
-              <a:t>제가 잘 하지도 못하는 </a:t>
-            </a:r>
-            <a:r>
-              <a:rPr lang="en-US" altLang="ko-KR" sz="1400" dirty="0"/>
-              <a:t>Django</a:t>
-            </a:r>
-            <a:r>
-              <a:rPr lang="ko-KR" altLang="en-US" sz="1400" dirty="0"/>
-              <a:t>를 기반으로 하는 이유는</a:t>
-            </a:r>
-            <a:r>
-              <a:rPr lang="en-US" altLang="ko-KR" sz="1400" dirty="0"/>
-              <a:t>?</a:t>
-            </a:r>
-          </a:p>
-          <a:p>
-            <a:pPr marL="285750" indent="-285750">
-              <a:buFontTx/>
-              <a:buChar char="-"/>
-            </a:pPr>
-            <a:r>
-              <a:rPr lang="ko-KR" altLang="en-US" sz="1400" dirty="0"/>
-              <a:t>저는 주로 </a:t>
-            </a:r>
-            <a:r>
-              <a:rPr lang="en-US" altLang="ko-KR" sz="1400" dirty="0"/>
-              <a:t>3D Graphics</a:t>
-            </a:r>
-            <a:r>
-              <a:rPr lang="ko-KR" altLang="en-US" sz="1400" dirty="0"/>
-              <a:t> 중심의 개발 경력을 가지고 있어서</a:t>
-            </a:r>
-            <a:r>
-              <a:rPr lang="en-US" altLang="ko-KR" sz="1400" dirty="0"/>
-              <a:t>, </a:t>
-            </a:r>
-            <a:r>
-              <a:rPr lang="ko-KR" altLang="en-US" sz="1400" dirty="0"/>
-              <a:t>웹 관련 개발 경험은 거의 없는 상태입니다</a:t>
-            </a:r>
-            <a:r>
-              <a:rPr lang="en-US" altLang="ko-KR" sz="1400" dirty="0"/>
-              <a:t>. </a:t>
-            </a:r>
-            <a:r>
-              <a:rPr lang="ko-KR" altLang="en-US" sz="1400" dirty="0"/>
-              <a:t>최근에 </a:t>
-            </a:r>
-            <a:r>
-              <a:rPr lang="en-US" altLang="ko-KR" sz="1400" dirty="0"/>
-              <a:t>python</a:t>
-            </a:r>
-            <a:r>
-              <a:rPr lang="ko-KR" altLang="en-US" sz="1400" dirty="0"/>
-              <a:t>을 조금 배워서</a:t>
-            </a:r>
-            <a:r>
-              <a:rPr lang="en-US" altLang="ko-KR" sz="1400" dirty="0"/>
-              <a:t>, </a:t>
-            </a:r>
-            <a:r>
-              <a:rPr lang="ko-KR" altLang="en-US" sz="1400" dirty="0"/>
-              <a:t>그나마 좀 비비적거려 볼 만한 것이 </a:t>
-            </a:r>
-            <a:r>
-              <a:rPr lang="en-US" altLang="ko-KR" sz="1400" dirty="0" err="1"/>
-              <a:t>django</a:t>
-            </a:r>
-            <a:r>
-              <a:rPr lang="ko-KR" altLang="en-US" sz="1400" dirty="0"/>
-              <a:t>이고</a:t>
-            </a:r>
-            <a:r>
-              <a:rPr lang="en-US" altLang="ko-KR" sz="1400" dirty="0"/>
-              <a:t>, </a:t>
-            </a:r>
-            <a:r>
-              <a:rPr lang="ko-KR" altLang="en-US" sz="1400" dirty="0"/>
-              <a:t>많이 쓰이고 있다고 들었습니다</a:t>
-            </a:r>
-            <a:r>
-              <a:rPr lang="en-US" altLang="ko-KR" sz="1400" dirty="0"/>
-              <a:t>. </a:t>
-            </a:r>
-            <a:r>
-              <a:rPr lang="ko-KR" altLang="en-US" sz="1400" dirty="0"/>
-              <a:t>그래서</a:t>
-            </a:r>
-            <a:r>
-              <a:rPr lang="en-US" altLang="ko-KR" sz="1400" dirty="0"/>
-              <a:t>, </a:t>
-            </a:r>
-            <a:r>
-              <a:rPr lang="ko-KR" altLang="en-US" sz="1400" dirty="0"/>
-              <a:t>선택한 것이고 다른 특별한 이유는 없습니다</a:t>
-            </a:r>
-            <a:r>
-              <a:rPr lang="en-US" altLang="ko-KR" sz="1400" dirty="0"/>
-              <a:t>.</a:t>
-            </a:r>
-            <a:endParaRPr lang="ko-KR" altLang="en-US" sz="1400" dirty="0"/>
-          </a:p>
-        </p:txBody>
-      </p:sp>
     </p:spTree>
     <p:extLst>
       <p:ext uri="{BB962C8B-B14F-4D97-AF65-F5344CB8AC3E}">
@@ -11168,7 +12833,7 @@
             <p:ph idx="1"/>
             <p:extLst>
               <p:ext uri="{D42A27DB-BD31-4B8C-83A1-F6EECF244321}">
-                <p14:modId xmlns:p14="http://schemas.microsoft.com/office/powerpoint/2010/main" val="1504270887"/>
+                <p14:modId xmlns:p14="http://schemas.microsoft.com/office/powerpoint/2010/main" val="3425540968"/>
               </p:ext>
             </p:extLst>
           </p:nvPr>
@@ -12414,7 +14079,7 @@
                       <a:pPr algn="ctr" latinLnBrk="1"/>
                       <a:r>
                         <a:rPr lang="ko-KR" altLang="en-US" sz="1600" dirty="0"/>
-                        <a:t>질병분류</a:t>
+                        <a:t>질병코드</a:t>
                       </a:r>
                     </a:p>
                   </a:txBody>
@@ -12444,7 +14109,7 @@
                       </a:pPr>
                       <a:r>
                         <a:rPr lang="en-US" altLang="ko-KR" sz="1600" dirty="0" err="1"/>
-                        <a:t>disease_type</a:t>
+                        <a:t>disease_code</a:t>
                       </a:r>
                       <a:endParaRPr lang="ko-KR" altLang="en-US" sz="1600" dirty="0"/>
                     </a:p>
@@ -12523,6 +14188,14 @@
                         <a:rPr lang="ko-KR" altLang="en-US" sz="1200" dirty="0"/>
                         <a:t>전문가 검토 후 입력</a:t>
                       </a:r>
+                      <a:r>
+                        <a:rPr lang="en-US" altLang="ko-KR" sz="1200" dirty="0"/>
+                        <a:t>/ </a:t>
+                      </a:r>
+                      <a:r>
+                        <a:rPr lang="ko-KR" altLang="en-US" sz="1200" dirty="0"/>
+                        <a:t>국제 코드</a:t>
+                      </a:r>
                     </a:p>
                   </a:txBody>
                   <a:tcPr anchor="ctr"/>
@@ -12539,52 +14212,79 @@
                     <a:bodyPr/>
                     <a:lstStyle/>
                     <a:p>
+                      <a:pPr algn="ctr" latinLnBrk="1"/>
+                      <a:r>
+                        <a:rPr lang="ko-KR" altLang="en-US" sz="1600" dirty="0" err="1"/>
+                        <a:t>질병명</a:t>
+                      </a:r>
+                      <a:endParaRPr lang="ko-KR" altLang="en-US" sz="1600" dirty="0"/>
+                    </a:p>
+                  </a:txBody>
+                  <a:tcPr anchor="ctr"/>
+                </a:tc>
+                <a:tc>
+                  <a:txBody>
+                    <a:bodyPr/>
+                    <a:lstStyle/>
+                    <a:p>
+                      <a:pPr algn="ctr" latinLnBrk="1"/>
+                      <a:r>
+                        <a:rPr lang="en-US" altLang="ko-KR" sz="1600" dirty="0" err="1"/>
+                        <a:t>disease_source</a:t>
+                      </a:r>
+                      <a:endParaRPr lang="ko-KR" altLang="en-US" sz="1600" dirty="0"/>
+                    </a:p>
+                  </a:txBody>
+                  <a:tcPr anchor="ctr"/>
+                </a:tc>
+                <a:tc>
+                  <a:txBody>
+                    <a:bodyPr/>
+                    <a:lstStyle/>
+                    <a:p>
+                      <a:pPr algn="ctr" latinLnBrk="1"/>
+                      <a:r>
+                        <a:rPr lang="en-US" altLang="ko-KR" sz="1600" dirty="0" err="1"/>
+                        <a:t>CharField</a:t>
+                      </a:r>
+                      <a:endParaRPr lang="ko-KR" altLang="en-US" sz="1600" dirty="0"/>
+                    </a:p>
+                  </a:txBody>
+                  <a:tcPr anchor="ctr"/>
+                </a:tc>
+                <a:tc>
+                  <a:txBody>
+                    <a:bodyPr/>
+                    <a:lstStyle/>
+                    <a:p>
+                      <a:pPr algn="ctr" latinLnBrk="1"/>
+                      <a:r>
+                        <a:rPr lang="en-US" altLang="ko-KR" sz="1600" dirty="0"/>
+                        <a:t>…</a:t>
+                      </a:r>
+                      <a:endParaRPr lang="ko-KR" altLang="en-US" sz="1600" dirty="0"/>
+                    </a:p>
+                  </a:txBody>
+                  <a:tcPr anchor="ctr"/>
+                </a:tc>
+                <a:tc>
+                  <a:txBody>
+                    <a:bodyPr/>
+                    <a:lstStyle/>
+                    <a:p>
                       <a:pPr latinLnBrk="1"/>
-                      <a:endParaRPr lang="ko-KR" altLang="en-US" sz="1600"/>
-                    </a:p>
-                  </a:txBody>
-                  <a:tcPr anchor="ctr"/>
-                </a:tc>
-                <a:tc>
-                  <a:txBody>
-                    <a:bodyPr/>
-                    <a:lstStyle/>
-                    <a:p>
-                      <a:pPr latinLnBrk="1"/>
-                      <a:endParaRPr lang="ko-KR" altLang="en-US" sz="1600"/>
-                    </a:p>
-                  </a:txBody>
-                  <a:tcPr anchor="ctr"/>
-                </a:tc>
-                <a:tc>
-                  <a:txBody>
-                    <a:bodyPr/>
-                    <a:lstStyle/>
-                    <a:p>
-                      <a:pPr latinLnBrk="1"/>
-                      <a:endParaRPr lang="ko-KR" altLang="en-US" sz="1600" dirty="0"/>
-                    </a:p>
-                  </a:txBody>
-                  <a:tcPr anchor="ctr"/>
-                </a:tc>
-                <a:tc>
-                  <a:txBody>
-                    <a:bodyPr/>
-                    <a:lstStyle/>
-                    <a:p>
-                      <a:pPr latinLnBrk="1"/>
-                      <a:endParaRPr lang="ko-KR" altLang="en-US" sz="1600" dirty="0"/>
-                    </a:p>
-                  </a:txBody>
-                  <a:tcPr anchor="ctr"/>
-                </a:tc>
-                <a:tc>
-                  <a:txBody>
-                    <a:bodyPr/>
-                    <a:lstStyle/>
-                    <a:p>
-                      <a:pPr latinLnBrk="1"/>
-                      <a:endParaRPr lang="ko-KR" altLang="en-US" sz="1200" dirty="0"/>
+                      <a:r>
+                        <a:rPr lang="ko-KR" altLang="en-US" sz="1200" dirty="0"/>
+                        <a:t>전문가 검토 후 입력</a:t>
+                      </a:r>
+                      <a:r>
+                        <a:rPr lang="en-US" altLang="ko-KR" sz="1200" dirty="0"/>
+                        <a:t>/ </a:t>
+                      </a:r>
+                      <a:r>
+                        <a:rPr lang="ko-KR" altLang="en-US" sz="1200" dirty="0"/>
+                        <a:t>일반인이 아는 명칭</a:t>
+                      </a:r>
                     </a:p>
                   </a:txBody>
                   <a:tcPr anchor="ctr"/>
@@ -12714,8 +14414,8 @@
         </p:nvSpPr>
         <p:spPr>
           <a:xfrm>
-            <a:off x="3909060" y="201753"/>
-            <a:ext cx="7690758" cy="462723"/>
+            <a:off x="5329646" y="144519"/>
+            <a:ext cx="6753497" cy="462723"/>
           </a:xfrm>
           <a:prstGeom prst="rect">
             <a:avLst/>
@@ -12742,24 +14442,20 @@
           <a:lstStyle/>
           <a:p>
             <a:r>
+              <a:rPr lang="ko-KR" altLang="en-US" sz="1200" dirty="0"/>
+              <a:t>영문 변수명은 가급적 표준 용어를 지향할 수 있도록 </a:t>
+            </a:r>
+            <a:r>
+              <a:rPr lang="en-US" altLang="ko-KR" sz="1200" dirty="0" err="1"/>
+              <a:t>Jinha</a:t>
+            </a:r>
+            <a:r>
+              <a:rPr lang="ko-KR" altLang="en-US" sz="1200" dirty="0"/>
+              <a:t>님과 상의하여 정하였습니다</a:t>
+            </a:r>
+            <a:r>
               <a:rPr lang="en-US" altLang="ko-KR" sz="1200" dirty="0"/>
-              <a:t>Attribute </a:t>
-            </a:r>
-            <a:r>
-              <a:rPr lang="ko-KR" altLang="en-US" sz="1200" dirty="0"/>
-              <a:t>영문 표기는 가급적 해당 분야 표준 용어를 쓰는 것이 좋을 것 같습니다</a:t>
-            </a:r>
-            <a:r>
-              <a:rPr lang="en-US" altLang="ko-KR" sz="1200" dirty="0"/>
-              <a:t>. </a:t>
-            </a:r>
-            <a:r>
-              <a:rPr lang="ko-KR" altLang="en-US" sz="1200" dirty="0"/>
-              <a:t>확인 후 적용 할 예정입니다</a:t>
-            </a:r>
-            <a:r>
-              <a:rPr lang="en-US" altLang="ko-KR" sz="1200" dirty="0"/>
-              <a:t>.</a:t>
+              <a:t>.(21.5.15)</a:t>
             </a:r>
             <a:endParaRPr lang="ko-KR" altLang="en-US" sz="1200" dirty="0"/>
           </a:p>
